--- a/slides/Discovery Day 2025.pptx
+++ b/slides/Discovery Day 2025.pptx
@@ -5,7 +5,7 @@
     <p:sldMasterId id="2147483648" r:id="rId1"/>
   </p:sldMasterIdLst>
   <p:notesMasterIdLst>
-    <p:notesMasterId r:id="rId17"/>
+    <p:notesMasterId r:id="rId19"/>
   </p:notesMasterIdLst>
   <p:sldIdLst>
     <p:sldId id="256" r:id="rId2"/>
@@ -14,15 +14,17 @@
     <p:sldId id="262" r:id="rId5"/>
     <p:sldId id="273" r:id="rId6"/>
     <p:sldId id="263" r:id="rId7"/>
-    <p:sldId id="268" r:id="rId8"/>
-    <p:sldId id="269" r:id="rId9"/>
-    <p:sldId id="270" r:id="rId10"/>
-    <p:sldId id="271" r:id="rId11"/>
-    <p:sldId id="272" r:id="rId12"/>
-    <p:sldId id="275" r:id="rId13"/>
-    <p:sldId id="264" r:id="rId14"/>
-    <p:sldId id="265" r:id="rId15"/>
-    <p:sldId id="267" r:id="rId16"/>
+    <p:sldId id="276" r:id="rId8"/>
+    <p:sldId id="277" r:id="rId9"/>
+    <p:sldId id="268" r:id="rId10"/>
+    <p:sldId id="269" r:id="rId11"/>
+    <p:sldId id="270" r:id="rId12"/>
+    <p:sldId id="271" r:id="rId13"/>
+    <p:sldId id="272" r:id="rId14"/>
+    <p:sldId id="275" r:id="rId15"/>
+    <p:sldId id="264" r:id="rId16"/>
+    <p:sldId id="265" r:id="rId17"/>
+    <p:sldId id="267" r:id="rId18"/>
   </p:sldIdLst>
   <p:sldSz cx="12192000" cy="6858000"/>
   <p:notesSz cx="6858000" cy="9144000"/>
@@ -211,7 +213,7 @@
           <a:p>
             <a:fld id="{A2D19C7E-9F49-4FD8-BF2A-050B7E27EDB1}" type="datetimeFigureOut">
               <a:rPr lang="en-GB" smtClean="0"/>
-              <a:t>06/06/2025</a:t>
+              <a:t>12/06/2025</a:t>
             </a:fld>
             <a:endParaRPr lang="en-GB"/>
           </a:p>
@@ -628,7 +630,7 @@
           <a:p>
             <a:fld id="{87A8BE44-D30E-4F1D-9866-B5A55CDF5CA1}" type="slidenum">
               <a:rPr lang="en-GB" smtClean="0"/>
-              <a:t>8</a:t>
+              <a:t>10</a:t>
             </a:fld>
             <a:endParaRPr lang="en-GB"/>
           </a:p>
@@ -821,7 +823,7 @@
           <a:p>
             <a:fld id="{87A8BE44-D30E-4F1D-9866-B5A55CDF5CA1}" type="slidenum">
               <a:rPr lang="en-GB" smtClean="0"/>
-              <a:t>15</a:t>
+              <a:t>17</a:t>
             </a:fld>
             <a:endParaRPr lang="en-GB"/>
           </a:p>
@@ -6116,7 +6118,7 @@
           <a:p>
             <a:fld id="{6613F3B8-6EE2-4816-9E30-F95552D3F9E1}" type="datetimeFigureOut">
               <a:rPr lang="en-GB" smtClean="0"/>
-              <a:t>06/06/2025</a:t>
+              <a:t>12/06/2025</a:t>
             </a:fld>
             <a:endParaRPr lang="en-GB"/>
           </a:p>
@@ -6554,1550 +6556,7 @@
         <p:cNvPr id="1" name="">
           <a:extLst>
             <a:ext uri="{FF2B5EF4-FFF2-40B4-BE49-F238E27FC236}">
-              <a16:creationId xmlns:a16="http://schemas.microsoft.com/office/drawing/2014/main" id="{BE389FE3-5C21-8EED-18B9-686590454C75}"/>
-            </a:ext>
-          </a:extLst>
-        </p:cNvPr>
-        <p:cNvGrpSpPr/>
-        <p:nvPr/>
-      </p:nvGrpSpPr>
-      <p:grpSpPr>
-        <a:xfrm>
-          <a:off x="0" y="0"/>
-          <a:ext cx="0" cy="0"/>
-          <a:chOff x="0" y="0"/>
-          <a:chExt cx="0" cy="0"/>
-        </a:xfrm>
-      </p:grpSpPr>
-      <p:sp>
-        <p:nvSpPr>
-          <p:cNvPr id="3" name="TextBox 2">
-            <a:extLst>
-              <a:ext uri="{FF2B5EF4-FFF2-40B4-BE49-F238E27FC236}">
-                <a16:creationId xmlns:a16="http://schemas.microsoft.com/office/drawing/2014/main" id="{A88CB40B-F1E4-7176-B1F8-49FB34B61D0C}"/>
-              </a:ext>
-            </a:extLst>
-          </p:cNvPr>
-          <p:cNvSpPr txBox="1"/>
-          <p:nvPr/>
-        </p:nvSpPr>
-        <p:spPr>
-          <a:xfrm>
-            <a:off x="838200" y="365125"/>
-            <a:ext cx="10515600" cy="1325563"/>
-          </a:xfrm>
-          <a:prstGeom prst="rect">
-            <a:avLst/>
-          </a:prstGeom>
-        </p:spPr>
-        <p:txBody>
-          <a:bodyPr vert="horz" lIns="91440" tIns="45720" rIns="91440" bIns="45720" rtlCol="0" anchor="ctr">
-            <a:normAutofit/>
-          </a:bodyPr>
-          <a:lstStyle/>
-          <a:p>
-            <a:pPr marL="0" marR="0" lvl="0" indent="0" fontAlgn="auto">
-              <a:spcBef>
-                <a:spcPct val="0"/>
-              </a:spcBef>
-              <a:spcAft>
-                <a:spcPts val="600"/>
-              </a:spcAft>
-              <a:buClrTx/>
-              <a:buSzTx/>
-              <a:tabLst/>
-              <a:defRPr/>
-            </a:pPr>
-            <a:r>
-              <a:rPr kumimoji="0" lang="en-US" sz="5400" b="1" i="0" u="none" strike="noStrike" kern="1200" cap="none" spc="-50" normalizeH="0" baseline="0" noProof="0" dirty="0">
-                <a:ln w="3175">
-                  <a:noFill/>
-                </a:ln>
-                <a:solidFill>
-                  <a:schemeClr val="accent1">
-                    <a:lumMod val="10000"/>
-                  </a:schemeClr>
-                </a:solidFill>
-                <a:effectLst/>
-                <a:uLnTx/>
-                <a:uFillTx/>
-              </a:rPr>
-              <a:t>Kernel?</a:t>
-            </a:r>
-          </a:p>
-        </p:txBody>
-      </p:sp>
-      <p:sp>
-        <p:nvSpPr>
-          <p:cNvPr id="2" name="TextBox 1">
-            <a:extLst>
-              <a:ext uri="{FF2B5EF4-FFF2-40B4-BE49-F238E27FC236}">
-                <a16:creationId xmlns:a16="http://schemas.microsoft.com/office/drawing/2014/main" id="{5A13FEE8-DD6A-EEA4-BB9C-061E96A25F1C}"/>
-              </a:ext>
-            </a:extLst>
-          </p:cNvPr>
-          <p:cNvSpPr txBox="1"/>
-          <p:nvPr/>
-        </p:nvSpPr>
-        <p:spPr>
-          <a:xfrm>
-            <a:off x="6191251" y="1404283"/>
-            <a:ext cx="5162549" cy="4351338"/>
-          </a:xfrm>
-          <a:prstGeom prst="rect">
-            <a:avLst/>
-          </a:prstGeom>
-        </p:spPr>
-        <p:txBody>
-          <a:bodyPr vert="horz" lIns="91440" tIns="45720" rIns="91440" bIns="45720" rtlCol="0">
-            <a:normAutofit fontScale="92500"/>
-          </a:bodyPr>
-          <a:lstStyle/>
-          <a:p>
-            <a:pPr lvl="0">
-              <a:spcBef>
-                <a:spcPts val="1000"/>
-              </a:spcBef>
-              <a:defRPr/>
-            </a:pPr>
-            <a:r>
-              <a:rPr lang="en-US" sz="4000" b="0" i="0" kern="1200" dirty="0">
-                <a:solidFill>
-                  <a:schemeClr val="accent1">
-                    <a:lumMod val="10000"/>
-                  </a:schemeClr>
-                </a:solidFill>
-                <a:effectLst/>
-              </a:rPr>
-              <a:t>In its simplest form, the kernel is a </a:t>
-            </a:r>
-            <a:r>
-              <a:rPr lang="en-US" sz="4000" b="1" kern="1200" dirty="0">
-                <a:solidFill>
-                  <a:schemeClr val="accent1">
-                    <a:lumMod val="10000"/>
-                  </a:schemeClr>
-                </a:solidFill>
-              </a:rPr>
-              <a:t>dependency injection container </a:t>
-            </a:r>
-            <a:r>
-              <a:rPr lang="en-US" sz="4000" b="0" i="0" kern="1200" dirty="0">
-                <a:solidFill>
-                  <a:schemeClr val="accent1">
-                    <a:lumMod val="10000"/>
-                  </a:schemeClr>
-                </a:solidFill>
-                <a:effectLst/>
-              </a:rPr>
-              <a:t>that manages all the </a:t>
-            </a:r>
-            <a:r>
-              <a:rPr lang="en-US" sz="4000" b="1" kern="1200" dirty="0">
-                <a:solidFill>
-                  <a:schemeClr val="accent1">
-                    <a:lumMod val="10000"/>
-                  </a:schemeClr>
-                </a:solidFill>
-              </a:rPr>
-              <a:t>services</a:t>
-            </a:r>
-            <a:r>
-              <a:rPr lang="en-US" sz="4000" b="0" i="0" kern="1200" dirty="0">
-                <a:solidFill>
-                  <a:schemeClr val="accent1">
-                    <a:lumMod val="10000"/>
-                  </a:schemeClr>
-                </a:solidFill>
-                <a:effectLst/>
-              </a:rPr>
-              <a:t> and </a:t>
-            </a:r>
-            <a:r>
-              <a:rPr lang="en-US" sz="4000" b="1" kern="1200" dirty="0">
-                <a:solidFill>
-                  <a:schemeClr val="accent1">
-                    <a:lumMod val="10000"/>
-                  </a:schemeClr>
-                </a:solidFill>
-              </a:rPr>
-              <a:t>plug-ins</a:t>
-            </a:r>
-            <a:r>
-              <a:rPr lang="en-US" sz="4000" b="0" i="0" kern="1200" dirty="0">
-                <a:solidFill>
-                  <a:schemeClr val="accent1">
-                    <a:lumMod val="10000"/>
-                  </a:schemeClr>
-                </a:solidFill>
-                <a:effectLst/>
-              </a:rPr>
-              <a:t> required to run the </a:t>
-            </a:r>
-            <a:r>
-              <a:rPr lang="en-US" sz="4000" b="1" kern="1200" dirty="0">
-                <a:solidFill>
-                  <a:schemeClr val="accent1">
-                    <a:lumMod val="10000"/>
-                  </a:schemeClr>
-                </a:solidFill>
-              </a:rPr>
-              <a:t>AI application.</a:t>
-            </a:r>
-            <a:endParaRPr kumimoji="0" lang="en-US" sz="4000" b="1" i="0" u="none" strike="noStrike" kern="1200" cap="none" spc="0" normalizeH="0" baseline="0" noProof="0" dirty="0">
-              <a:ln>
-                <a:noFill/>
-              </a:ln>
-              <a:solidFill>
-                <a:schemeClr val="accent1">
-                  <a:lumMod val="10000"/>
-                </a:schemeClr>
-              </a:solidFill>
-              <a:effectLst/>
-              <a:uLnTx/>
-              <a:uFillTx/>
-            </a:endParaRPr>
-          </a:p>
-        </p:txBody>
-      </p:sp>
-      <p:pic>
-        <p:nvPicPr>
-          <p:cNvPr id="4104" name="Picture 8" descr="Extensibilidad modular">
-            <a:extLst>
-              <a:ext uri="{FF2B5EF4-FFF2-40B4-BE49-F238E27FC236}">
-                <a16:creationId xmlns:a16="http://schemas.microsoft.com/office/drawing/2014/main" id="{D3F05429-8517-2133-3E12-4AA6169D774C}"/>
-              </a:ext>
-            </a:extLst>
-          </p:cNvPr>
-          <p:cNvPicPr>
-            <a:picLocks noChangeAspect="1" noChangeArrowheads="1"/>
-          </p:cNvPicPr>
-          <p:nvPr/>
-        </p:nvPicPr>
-        <p:blipFill>
-          <a:blip r:embed="rId2">
-            <a:extLst>
-              <a:ext uri="{28A0092B-C50C-407E-A947-70E740481C1C}">
-                <a14:useLocalDpi xmlns:a14="http://schemas.microsoft.com/office/drawing/2010/main" val="0"/>
-              </a:ext>
-            </a:extLst>
-          </a:blip>
-          <a:srcRect/>
-          <a:stretch>
-            <a:fillRect/>
-          </a:stretch>
-        </p:blipFill>
-        <p:spPr bwMode="auto">
-          <a:xfrm>
-            <a:off x="901993" y="2740359"/>
-            <a:ext cx="4210050" cy="1838325"/>
-          </a:xfrm>
-          <a:prstGeom prst="rect">
-            <a:avLst/>
-          </a:prstGeom>
-          <a:noFill/>
-          <a:extLst>
-            <a:ext uri="{909E8E84-426E-40DD-AFC4-6F175D3DCCD1}">
-              <a14:hiddenFill xmlns:a14="http://schemas.microsoft.com/office/drawing/2010/main">
-                <a:solidFill>
-                  <a:srgbClr val="FFFFFF"/>
-                </a:solidFill>
-              </a14:hiddenFill>
-            </a:ext>
-          </a:extLst>
-        </p:spPr>
-      </p:pic>
-    </p:spTree>
-    <p:extLst>
-      <p:ext uri="{BB962C8B-B14F-4D97-AF65-F5344CB8AC3E}">
-        <p14:creationId xmlns:p14="http://schemas.microsoft.com/office/powerpoint/2010/main" val="1879224398"/>
-      </p:ext>
-    </p:extLst>
-  </p:cSld>
-  <p:clrMapOvr>
-    <a:masterClrMapping/>
-  </p:clrMapOvr>
-</p:sld>
-</file>
-
-<file path=ppt/slides/slide11.xml><?xml version="1.0" encoding="utf-8"?>
-<p:sld xmlns:a="http://schemas.openxmlformats.org/drawingml/2006/main" xmlns:r="http://schemas.openxmlformats.org/officeDocument/2006/relationships" xmlns:p="http://schemas.openxmlformats.org/presentationml/2006/main">
-  <p:cSld>
-    <p:spTree>
-      <p:nvGrpSpPr>
-        <p:cNvPr id="1" name="">
-          <a:extLst>
-            <a:ext uri="{FF2B5EF4-FFF2-40B4-BE49-F238E27FC236}">
-              <a16:creationId xmlns:a16="http://schemas.microsoft.com/office/drawing/2014/main" id="{0D1BF6F3-A9D1-66B6-EEF6-899E312867F9}"/>
-            </a:ext>
-          </a:extLst>
-        </p:cNvPr>
-        <p:cNvGrpSpPr/>
-        <p:nvPr/>
-      </p:nvGrpSpPr>
-      <p:grpSpPr>
-        <a:xfrm>
-          <a:off x="0" y="0"/>
-          <a:ext cx="0" cy="0"/>
-          <a:chOff x="0" y="0"/>
-          <a:chExt cx="0" cy="0"/>
-        </a:xfrm>
-      </p:grpSpPr>
-      <p:sp>
-        <p:nvSpPr>
-          <p:cNvPr id="2" name="TextBox 1">
-            <a:extLst>
-              <a:ext uri="{FF2B5EF4-FFF2-40B4-BE49-F238E27FC236}">
-                <a16:creationId xmlns:a16="http://schemas.microsoft.com/office/drawing/2014/main" id="{1F435E69-4F83-A2E3-DECB-31E4E848A0B5}"/>
-              </a:ext>
-            </a:extLst>
-          </p:cNvPr>
-          <p:cNvSpPr txBox="1"/>
-          <p:nvPr/>
-        </p:nvSpPr>
-        <p:spPr>
-          <a:xfrm>
-            <a:off x="858669" y="1074507"/>
-            <a:ext cx="10474661" cy="4708981"/>
-          </a:xfrm>
-          <a:prstGeom prst="rect">
-            <a:avLst/>
-          </a:prstGeom>
-          <a:noFill/>
-        </p:spPr>
-        <p:txBody>
-          <a:bodyPr wrap="square">
-            <a:spAutoFit/>
-          </a:bodyPr>
-          <a:lstStyle/>
-          <a:p>
-            <a:pPr lvl="0" algn="ctr" defTabSz="914367">
-              <a:defRPr/>
-            </a:pPr>
-            <a:r>
-              <a:rPr lang="en" sz="6000" b="0" i="0" dirty="0">
-                <a:solidFill>
-                  <a:schemeClr val="accent1">
-                    <a:lumMod val="10000"/>
-                  </a:schemeClr>
-                </a:solidFill>
-                <a:effectLst/>
-                <a:latin typeface="Segoe UI" panose="020B0502040204020203" pitchFamily="34" charset="0"/>
-              </a:rPr>
-              <a:t>If you provide all services  and </a:t>
-            </a:r>
-            <a:r>
-              <a:rPr lang="en" sz="6000" b="1" dirty="0">
-                <a:solidFill>
-                  <a:schemeClr val="accent1">
-                    <a:lumMod val="10000"/>
-                  </a:schemeClr>
-                </a:solidFill>
-                <a:latin typeface="Segoe UI Semibold"/>
-              </a:rPr>
-              <a:t>add-ons</a:t>
-            </a:r>
-            <a:r>
-              <a:rPr lang="en" sz="6000" b="0" i="0" dirty="0">
-                <a:solidFill>
-                  <a:schemeClr val="accent1">
-                    <a:lumMod val="10000"/>
-                  </a:schemeClr>
-                </a:solidFill>
-                <a:effectLst/>
-                <a:latin typeface="Segoe UI" panose="020B0502040204020203" pitchFamily="34" charset="0"/>
-              </a:rPr>
-              <a:t> to the </a:t>
-            </a:r>
-            <a:r>
-              <a:rPr lang="en" sz="6000" b="1" dirty="0">
-                <a:solidFill>
-                  <a:schemeClr val="accent1">
-                    <a:lumMod val="10000"/>
-                  </a:schemeClr>
-                </a:solidFill>
-                <a:latin typeface="Segoe UI Semibold"/>
-              </a:rPr>
-              <a:t>kernel</a:t>
-            </a:r>
-            <a:r>
-              <a:rPr lang="en" sz="6000" b="0" i="0" dirty="0">
-                <a:solidFill>
-                  <a:schemeClr val="accent1">
-                    <a:lumMod val="10000"/>
-                  </a:schemeClr>
-                </a:solidFill>
-                <a:effectLst/>
-                <a:latin typeface="Segoe UI" panose="020B0502040204020203" pitchFamily="34" charset="0"/>
-              </a:rPr>
-              <a:t>, artificial intelligence </a:t>
-            </a:r>
-            <a:r>
-              <a:rPr lang="en" sz="6000" b="1" dirty="0">
-                <a:solidFill>
-                  <a:schemeClr val="accent1">
-                    <a:lumMod val="10000"/>
-                  </a:schemeClr>
-                </a:solidFill>
-                <a:latin typeface="Segoe UI Semibold"/>
-              </a:rPr>
-              <a:t>will seamlessly use</a:t>
-            </a:r>
-            <a:r>
-              <a:rPr lang="en" sz="6000" b="0" i="0" dirty="0">
-                <a:solidFill>
-                  <a:schemeClr val="accent1">
-                    <a:lumMod val="10000"/>
-                  </a:schemeClr>
-                </a:solidFill>
-                <a:effectLst/>
-                <a:latin typeface="Segoe UI" panose="020B0502040204020203" pitchFamily="34" charset="0"/>
-              </a:rPr>
-              <a:t> them  as needed.</a:t>
-            </a:r>
-            <a:endParaRPr kumimoji="0" lang="en-US" sz="6000" b="1" i="0" u="none" strike="noStrike" kern="1200" cap="none" spc="0" normalizeH="0" baseline="0" noProof="0" dirty="0">
-              <a:ln>
-                <a:noFill/>
-              </a:ln>
-              <a:solidFill>
-                <a:schemeClr val="accent1">
-                  <a:lumMod val="10000"/>
-                </a:schemeClr>
-              </a:solidFill>
-              <a:effectLst/>
-              <a:uLnTx/>
-              <a:uFillTx/>
-              <a:latin typeface="Segoe UI Semibold"/>
-            </a:endParaRPr>
-          </a:p>
-        </p:txBody>
-      </p:sp>
-    </p:spTree>
-    <p:extLst>
-      <p:ext uri="{BB962C8B-B14F-4D97-AF65-F5344CB8AC3E}">
-        <p14:creationId xmlns:p14="http://schemas.microsoft.com/office/powerpoint/2010/main" val="4238795652"/>
-      </p:ext>
-    </p:extLst>
-  </p:cSld>
-  <p:clrMapOvr>
-    <a:masterClrMapping/>
-  </p:clrMapOvr>
-</p:sld>
-</file>
-
-<file path=ppt/slides/slide12.xml><?xml version="1.0" encoding="utf-8"?>
-<p:sld xmlns:a="http://schemas.openxmlformats.org/drawingml/2006/main" xmlns:r="http://schemas.openxmlformats.org/officeDocument/2006/relationships" xmlns:p="http://schemas.openxmlformats.org/presentationml/2006/main">
-  <p:cSld>
-    <p:spTree>
-      <p:nvGrpSpPr>
-        <p:cNvPr id="1" name="">
-          <a:extLst>
-            <a:ext uri="{FF2B5EF4-FFF2-40B4-BE49-F238E27FC236}">
-              <a16:creationId xmlns:a16="http://schemas.microsoft.com/office/drawing/2014/main" id="{2B888A85-D823-6AE5-48BA-A50CD357EB43}"/>
-            </a:ext>
-          </a:extLst>
-        </p:cNvPr>
-        <p:cNvGrpSpPr/>
-        <p:nvPr/>
-      </p:nvGrpSpPr>
-      <p:grpSpPr>
-        <a:xfrm>
-          <a:off x="0" y="0"/>
-          <a:ext cx="0" cy="0"/>
-          <a:chOff x="0" y="0"/>
-          <a:chExt cx="0" cy="0"/>
-        </a:xfrm>
-      </p:grpSpPr>
-      <p:sp>
-        <p:nvSpPr>
-          <p:cNvPr id="2" name="Title 3">
-            <a:extLst>
-              <a:ext uri="{FF2B5EF4-FFF2-40B4-BE49-F238E27FC236}">
-                <a16:creationId xmlns:a16="http://schemas.microsoft.com/office/drawing/2014/main" id="{8E92556B-0692-C18A-8D73-B00F950A0D78}"/>
-              </a:ext>
-            </a:extLst>
-          </p:cNvPr>
-          <p:cNvSpPr>
-            <a:spLocks noGrp="1"/>
-          </p:cNvSpPr>
-          <p:nvPr>
-            <p:ph type="title"/>
-          </p:nvPr>
-        </p:nvSpPr>
-        <p:spPr>
-          <a:xfrm>
-            <a:off x="1842308" y="2605179"/>
-            <a:ext cx="8507383" cy="1107996"/>
-          </a:xfrm>
-        </p:spPr>
-        <p:txBody>
-          <a:bodyPr/>
-          <a:lstStyle/>
-          <a:p>
-            <a:pPr algn="ctr"/>
-            <a:r>
-              <a:rPr kumimoji="0" lang="en-GB" sz="7200" b="0" i="0" u="none" strike="noStrike" kern="1200" cap="none" spc="-50" normalizeH="0" baseline="0" noProof="0" dirty="0">
-                <a:ln w="3175">
-                  <a:noFill/>
-                </a:ln>
-                <a:effectLst/>
-                <a:uLnTx/>
-                <a:uFillTx/>
-                <a:latin typeface="Segoe UI Semibold"/>
-                <a:ea typeface="+mn-ea"/>
-                <a:cs typeface="Segoe UI" pitchFamily="34" charset="0"/>
-              </a:rPr>
-              <a:t>More code!</a:t>
-            </a:r>
-            <a:endParaRPr lang="en-US" sz="7200" dirty="0"/>
-          </a:p>
-        </p:txBody>
-      </p:sp>
-      <p:sp>
-        <p:nvSpPr>
-          <p:cNvPr id="3" name="TextBox 2">
-            <a:extLst>
-              <a:ext uri="{FF2B5EF4-FFF2-40B4-BE49-F238E27FC236}">
-                <a16:creationId xmlns:a16="http://schemas.microsoft.com/office/drawing/2014/main" id="{8B5E2C89-4276-38F2-0B06-D139F619514D}"/>
-              </a:ext>
-            </a:extLst>
-          </p:cNvPr>
-          <p:cNvSpPr txBox="1"/>
-          <p:nvPr/>
-        </p:nvSpPr>
-        <p:spPr>
-          <a:xfrm>
-            <a:off x="3972656" y="3713175"/>
-            <a:ext cx="4246685" cy="355482"/>
-          </a:xfrm>
-          <a:prstGeom prst="rect">
-            <a:avLst/>
-          </a:prstGeom>
-          <a:noFill/>
-        </p:spPr>
-        <p:txBody>
-          <a:bodyPr wrap="square">
-            <a:spAutoFit/>
-          </a:bodyPr>
-          <a:lstStyle/>
-          <a:p>
-            <a:pPr marR="0" lvl="0" indent="0" algn="ctr" fontAlgn="auto">
-              <a:lnSpc>
-                <a:spcPct val="95000"/>
-              </a:lnSpc>
-              <a:spcBef>
-                <a:spcPts val="0"/>
-              </a:spcBef>
-              <a:spcAft>
-                <a:spcPts val="0"/>
-              </a:spcAft>
-              <a:buClrTx/>
-              <a:buSzTx/>
-              <a:buFontTx/>
-              <a:buNone/>
-              <a:defRPr/>
-            </a:pPr>
-            <a:r>
-              <a:rPr lang="en-GB" sz="1800" b="1" dirty="0">
-                <a:solidFill>
-                  <a:schemeClr val="accent1">
-                    <a:lumMod val="10000"/>
-                  </a:schemeClr>
-                </a:solidFill>
-                <a:latin typeface="Segoe UI Semibold" panose="020F0502020204030204" pitchFamily="34" charset="0"/>
-              </a:rPr>
-              <a:t>Now let’s build good stuff!</a:t>
-            </a:r>
-            <a:endParaRPr lang="en-US" sz="1800" b="1" dirty="0">
-              <a:solidFill>
-                <a:schemeClr val="accent1">
-                  <a:lumMod val="10000"/>
-                </a:schemeClr>
-              </a:solidFill>
-              <a:latin typeface="Segoe UI Semibold" panose="020F0502020204030204" pitchFamily="34" charset="0"/>
-            </a:endParaRPr>
-          </a:p>
-        </p:txBody>
-      </p:sp>
-    </p:spTree>
-    <p:extLst>
-      <p:ext uri="{BB962C8B-B14F-4D97-AF65-F5344CB8AC3E}">
-        <p14:creationId xmlns:p14="http://schemas.microsoft.com/office/powerpoint/2010/main" val="381481514"/>
-      </p:ext>
-    </p:extLst>
-  </p:cSld>
-  <p:clrMapOvr>
-    <a:masterClrMapping/>
-  </p:clrMapOvr>
-</p:sld>
-</file>
-
-<file path=ppt/slides/slide13.xml><?xml version="1.0" encoding="utf-8"?>
-<p:sld xmlns:a="http://schemas.openxmlformats.org/drawingml/2006/main" xmlns:r="http://schemas.openxmlformats.org/officeDocument/2006/relationships" xmlns:p="http://schemas.openxmlformats.org/presentationml/2006/main">
-  <p:cSld>
-    <p:spTree>
-      <p:nvGrpSpPr>
-        <p:cNvPr id="1" name=""/>
-        <p:cNvGrpSpPr/>
-        <p:nvPr/>
-      </p:nvGrpSpPr>
-      <p:grpSpPr>
-        <a:xfrm>
-          <a:off x="0" y="0"/>
-          <a:ext cx="0" cy="0"/>
-          <a:chOff x="0" y="0"/>
-          <a:chExt cx="0" cy="0"/>
-        </a:xfrm>
-      </p:grpSpPr>
-      <p:sp>
-        <p:nvSpPr>
-          <p:cNvPr id="2" name="Title 1">
-            <a:extLst>
-              <a:ext uri="{FF2B5EF4-FFF2-40B4-BE49-F238E27FC236}">
-                <a16:creationId xmlns:a16="http://schemas.microsoft.com/office/drawing/2014/main" id="{90699EF5-7B05-3AB6-AFB3-45A03F9BBC50}"/>
-              </a:ext>
-            </a:extLst>
-          </p:cNvPr>
-          <p:cNvSpPr>
-            <a:spLocks noGrp="1"/>
-          </p:cNvSpPr>
-          <p:nvPr>
-            <p:ph type="title"/>
-          </p:nvPr>
-        </p:nvSpPr>
-        <p:spPr/>
-        <p:txBody>
-          <a:bodyPr/>
-          <a:lstStyle/>
-          <a:p>
-            <a:r>
-              <a:rPr lang="en-GB" dirty="0"/>
-              <a:t>References and useful links</a:t>
-            </a:r>
-          </a:p>
-        </p:txBody>
-      </p:sp>
-      <p:sp>
-        <p:nvSpPr>
-          <p:cNvPr id="3" name="Content Placeholder 2">
-            <a:extLst>
-              <a:ext uri="{FF2B5EF4-FFF2-40B4-BE49-F238E27FC236}">
-                <a16:creationId xmlns:a16="http://schemas.microsoft.com/office/drawing/2014/main" id="{8EDC59C6-E36A-169E-D724-4B21D3A31E42}"/>
-              </a:ext>
-            </a:extLst>
-          </p:cNvPr>
-          <p:cNvSpPr>
-            <a:spLocks noGrp="1"/>
-          </p:cNvSpPr>
-          <p:nvPr>
-            <p:ph sz="half" idx="1"/>
-          </p:nvPr>
-        </p:nvSpPr>
-        <p:spPr/>
-        <p:txBody>
-          <a:bodyPr/>
-          <a:lstStyle/>
-          <a:p>
-            <a:r>
-              <a:rPr lang="es-ES" dirty="0" err="1">
-                <a:hlinkClick r:id="rId2"/>
-              </a:rPr>
-              <a:t>emimontesdeoca</a:t>
-            </a:r>
-            <a:r>
-              <a:rPr lang="es-ES" dirty="0">
-                <a:hlinkClick r:id="rId2"/>
-              </a:rPr>
-              <a:t>/dday-sofia-2025-semantic-kernel-sql</a:t>
-            </a:r>
-            <a:endParaRPr lang="es-ES" dirty="0"/>
-          </a:p>
-          <a:p>
-            <a:r>
-              <a:rPr lang="en-US" dirty="0" err="1">
-                <a:hlinkClick r:id="rId3"/>
-              </a:rPr>
-              <a:t>microsoft</a:t>
-            </a:r>
-            <a:r>
-              <a:rPr lang="en-US" dirty="0">
-                <a:hlinkClick r:id="rId3"/>
-              </a:rPr>
-              <a:t>/semantic-kernel: Integrate cutting-edge LLM technology quickly and easily into your apps</a:t>
-            </a:r>
-            <a:endParaRPr lang="en-US" dirty="0"/>
-          </a:p>
-          <a:p>
-            <a:r>
-              <a:rPr lang="en-US" dirty="0">
-                <a:hlinkClick r:id="rId4"/>
-              </a:rPr>
-              <a:t>Introduction to Semantic Kernel | Microsoft Learn</a:t>
-            </a:r>
-            <a:endParaRPr lang="en-US" dirty="0"/>
-          </a:p>
-          <a:p>
-            <a:r>
-              <a:rPr lang="es-ES" dirty="0" err="1">
-                <a:hlinkClick r:id="rId5"/>
-              </a:rPr>
-              <a:t>emimontesdeoca</a:t>
-            </a:r>
-            <a:r>
-              <a:rPr lang="es-ES" dirty="0">
-                <a:hlinkClick r:id="rId5"/>
-              </a:rPr>
-              <a:t> (Emiliano Montesdeoca)</a:t>
-            </a:r>
-            <a:endParaRPr lang="es-ES" dirty="0"/>
-          </a:p>
-          <a:p>
-            <a:r>
-              <a:rPr lang="es-ES" dirty="0">
-                <a:hlinkClick r:id="rId6"/>
-              </a:rPr>
-              <a:t>Emiliano Montesdeoca (@emimontesdeocaa) / X</a:t>
-            </a:r>
-            <a:endParaRPr lang="es-ES" dirty="0"/>
-          </a:p>
-          <a:p>
-            <a:endParaRPr lang="en-GB" dirty="0"/>
-          </a:p>
-        </p:txBody>
-      </p:sp>
-    </p:spTree>
-    <p:extLst>
-      <p:ext uri="{BB962C8B-B14F-4D97-AF65-F5344CB8AC3E}">
-        <p14:creationId xmlns:p14="http://schemas.microsoft.com/office/powerpoint/2010/main" val="1674102189"/>
-      </p:ext>
-    </p:extLst>
-  </p:cSld>
-  <p:clrMapOvr>
-    <a:masterClrMapping/>
-  </p:clrMapOvr>
-</p:sld>
-</file>
-
-<file path=ppt/slides/slide14.xml><?xml version="1.0" encoding="utf-8"?>
-<p:sld xmlns:a="http://schemas.openxmlformats.org/drawingml/2006/main" xmlns:r="http://schemas.openxmlformats.org/officeDocument/2006/relationships" xmlns:p="http://schemas.openxmlformats.org/presentationml/2006/main">
-  <p:cSld>
-    <p:spTree>
-      <p:nvGrpSpPr>
-        <p:cNvPr id="1" name=""/>
-        <p:cNvGrpSpPr/>
-        <p:nvPr/>
-      </p:nvGrpSpPr>
-      <p:grpSpPr>
-        <a:xfrm>
-          <a:off x="0" y="0"/>
-          <a:ext cx="0" cy="0"/>
-          <a:chOff x="0" y="0"/>
-          <a:chExt cx="0" cy="0"/>
-        </a:xfrm>
-      </p:grpSpPr>
-      <p:sp>
-        <p:nvSpPr>
-          <p:cNvPr id="2" name="Picture Placeholder 1">
-            <a:extLst>
-              <a:ext uri="{FF2B5EF4-FFF2-40B4-BE49-F238E27FC236}">
-                <a16:creationId xmlns:a16="http://schemas.microsoft.com/office/drawing/2014/main" id="{B545471A-E772-65C0-FE07-E6AA45A98320}"/>
-              </a:ext>
-            </a:extLst>
-          </p:cNvPr>
-          <p:cNvSpPr>
-            <a:spLocks noGrp="1"/>
-          </p:cNvSpPr>
-          <p:nvPr>
-            <p:ph type="pic" sz="quarter" idx="10"/>
-          </p:nvPr>
-        </p:nvSpPr>
-        <p:spPr/>
-        <p:txBody>
-          <a:bodyPr/>
-          <a:lstStyle/>
-          <a:p>
-            <a:endParaRPr lang="en-GB"/>
-          </a:p>
-        </p:txBody>
-      </p:sp>
-      <p:sp>
-        <p:nvSpPr>
-          <p:cNvPr id="3" name="Text Placeholder 2">
-            <a:extLst>
-              <a:ext uri="{FF2B5EF4-FFF2-40B4-BE49-F238E27FC236}">
-                <a16:creationId xmlns:a16="http://schemas.microsoft.com/office/drawing/2014/main" id="{7B2D1DAA-D3C9-99B4-6F36-F1C494665D25}"/>
-              </a:ext>
-            </a:extLst>
-          </p:cNvPr>
-          <p:cNvSpPr>
-            <a:spLocks noGrp="1"/>
-          </p:cNvSpPr>
-          <p:nvPr>
-            <p:ph type="body" sz="quarter" idx="11"/>
-          </p:nvPr>
-        </p:nvSpPr>
-        <p:spPr/>
-        <p:txBody>
-          <a:bodyPr/>
-          <a:lstStyle/>
-          <a:p>
-            <a:endParaRPr lang="en-GB"/>
-          </a:p>
-        </p:txBody>
-      </p:sp>
-    </p:spTree>
-    <p:extLst>
-      <p:ext uri="{BB962C8B-B14F-4D97-AF65-F5344CB8AC3E}">
-        <p14:creationId xmlns:p14="http://schemas.microsoft.com/office/powerpoint/2010/main" val="514391034"/>
-      </p:ext>
-    </p:extLst>
-  </p:cSld>
-  <p:clrMapOvr>
-    <a:masterClrMapping/>
-  </p:clrMapOvr>
-</p:sld>
-</file>
-
-<file path=ppt/slides/slide15.xml><?xml version="1.0" encoding="utf-8"?>
-<p:sld xmlns:a="http://schemas.openxmlformats.org/drawingml/2006/main" xmlns:r="http://schemas.openxmlformats.org/officeDocument/2006/relationships" xmlns:p="http://schemas.openxmlformats.org/presentationml/2006/main" show="0">
-  <p:cSld>
-    <p:spTree>
-      <p:nvGrpSpPr>
-        <p:cNvPr id="1" name=""/>
-        <p:cNvGrpSpPr/>
-        <p:nvPr/>
-      </p:nvGrpSpPr>
-      <p:grpSpPr>
-        <a:xfrm>
-          <a:off x="0" y="0"/>
-          <a:ext cx="0" cy="0"/>
-          <a:chOff x="0" y="0"/>
-          <a:chExt cx="0" cy="0"/>
-        </a:xfrm>
-      </p:grpSpPr>
-      <p:sp>
-        <p:nvSpPr>
-          <p:cNvPr id="3" name="TextBox 2">
-            <a:extLst>
-              <a:ext uri="{FF2B5EF4-FFF2-40B4-BE49-F238E27FC236}">
-                <a16:creationId xmlns:a16="http://schemas.microsoft.com/office/drawing/2014/main" id="{5979CD37-3085-E014-DAA0-0FFA77E0DED3}"/>
-              </a:ext>
-            </a:extLst>
-          </p:cNvPr>
-          <p:cNvSpPr txBox="1"/>
-          <p:nvPr/>
-        </p:nvSpPr>
-        <p:spPr>
-          <a:xfrm>
-            <a:off x="2059258" y="774339"/>
-            <a:ext cx="6096000" cy="646331"/>
-          </a:xfrm>
-          <a:prstGeom prst="rect">
-            <a:avLst/>
-          </a:prstGeom>
-          <a:noFill/>
-        </p:spPr>
-        <p:txBody>
-          <a:bodyPr wrap="square">
-            <a:spAutoFit/>
-          </a:bodyPr>
-          <a:lstStyle/>
-          <a:p>
-            <a:pPr>
-              <a:buNone/>
-            </a:pPr>
-            <a:r>
-              <a:rPr lang="en-GB" b="1" dirty="0"/>
-              <a:t>This slide is to be shown by Kamil Nowinski Only</a:t>
-            </a:r>
-          </a:p>
-          <a:p>
-            <a:pPr>
-              <a:buNone/>
-            </a:pPr>
-            <a:r>
-              <a:rPr lang="en-US" b="1" dirty="0"/>
-              <a:t>SEE in notes!</a:t>
-            </a:r>
-            <a:endParaRPr lang="bg-BG" b="1" dirty="0"/>
-          </a:p>
-        </p:txBody>
-      </p:sp>
-    </p:spTree>
-    <p:extLst>
-      <p:ext uri="{BB962C8B-B14F-4D97-AF65-F5344CB8AC3E}">
-        <p14:creationId xmlns:p14="http://schemas.microsoft.com/office/powerpoint/2010/main" val="2744604960"/>
-      </p:ext>
-    </p:extLst>
-  </p:cSld>
-  <p:clrMapOvr>
-    <a:masterClrMapping/>
-  </p:clrMapOvr>
-</p:sld>
-</file>
-
-<file path=ppt/slides/slide2.xml><?xml version="1.0" encoding="utf-8"?>
-<p:sld xmlns:a="http://schemas.openxmlformats.org/drawingml/2006/main" xmlns:r="http://schemas.openxmlformats.org/officeDocument/2006/relationships" xmlns:p="http://schemas.openxmlformats.org/presentationml/2006/main">
-  <p:cSld>
-    <p:spTree>
-      <p:nvGrpSpPr>
-        <p:cNvPr id="1" name=""/>
-        <p:cNvGrpSpPr/>
-        <p:nvPr/>
-      </p:nvGrpSpPr>
-      <p:grpSpPr>
-        <a:xfrm>
-          <a:off x="0" y="0"/>
-          <a:ext cx="0" cy="0"/>
-          <a:chOff x="0" y="0"/>
-          <a:chExt cx="0" cy="0"/>
-        </a:xfrm>
-      </p:grpSpPr>
-      <p:sp>
-        <p:nvSpPr>
-          <p:cNvPr id="2" name="Text Placeholder 1">
-            <a:extLst>
-              <a:ext uri="{FF2B5EF4-FFF2-40B4-BE49-F238E27FC236}">
-                <a16:creationId xmlns:a16="http://schemas.microsoft.com/office/drawing/2014/main" id="{92083A72-23BA-41C4-DFE5-57981B333B37}"/>
-              </a:ext>
-            </a:extLst>
-          </p:cNvPr>
-          <p:cNvSpPr>
-            <a:spLocks noGrp="1"/>
-          </p:cNvSpPr>
-          <p:nvPr>
-            <p:ph type="body" sz="quarter" idx="10"/>
-          </p:nvPr>
-        </p:nvSpPr>
-        <p:spPr>
-          <a:xfrm>
-            <a:off x="1805748" y="1997849"/>
-            <a:ext cx="6408484" cy="2083421"/>
-          </a:xfrm>
-        </p:spPr>
-        <p:txBody>
-          <a:bodyPr>
-            <a:normAutofit lnSpcReduction="10000"/>
-          </a:bodyPr>
-          <a:lstStyle/>
-          <a:p>
-            <a:r>
-              <a:rPr lang="en-US" sz="4000" i="0" u="none" strike="noStrike" dirty="0">
-                <a:solidFill>
-                  <a:schemeClr val="bg1"/>
-                </a:solidFill>
-                <a:effectLst/>
-                <a:latin typeface="open sans" panose="020B0606030504020204" pitchFamily="34" charset="0"/>
-                <a:hlinkClick r:id="rId2">
-                  <a:extLst>
-                    <a:ext uri="{A12FA001-AC4F-418D-AE19-62706E023703}">
-                      <ahyp:hlinkClr xmlns:ahyp="http://schemas.microsoft.com/office/drawing/2018/hyperlinkcolor" val="tx"/>
-                    </a:ext>
-                  </a:extLst>
-                </a:hlinkClick>
-              </a:rPr>
-              <a:t>AI Meets SQL: Building a Smart Pizza Shop with .NET and Semantic Kernel</a:t>
-            </a:r>
-            <a:endParaRPr lang="en-GB" sz="4000" dirty="0">
-              <a:solidFill>
-                <a:schemeClr val="bg1"/>
-              </a:solidFill>
-            </a:endParaRPr>
-          </a:p>
-        </p:txBody>
-      </p:sp>
-      <p:sp>
-        <p:nvSpPr>
-          <p:cNvPr id="3" name="Text Placeholder 2">
-            <a:extLst>
-              <a:ext uri="{FF2B5EF4-FFF2-40B4-BE49-F238E27FC236}">
-                <a16:creationId xmlns:a16="http://schemas.microsoft.com/office/drawing/2014/main" id="{3B9A4CC7-DE3B-A1DF-5899-ABB75B2E1EC0}"/>
-              </a:ext>
-            </a:extLst>
-          </p:cNvPr>
-          <p:cNvSpPr>
-            <a:spLocks noGrp="1"/>
-          </p:cNvSpPr>
-          <p:nvPr>
-            <p:ph type="body" sz="quarter" idx="11"/>
-          </p:nvPr>
-        </p:nvSpPr>
-        <p:spPr/>
-        <p:txBody>
-          <a:bodyPr>
-            <a:normAutofit fontScale="85000" lnSpcReduction="10000"/>
-          </a:bodyPr>
-          <a:lstStyle/>
-          <a:p>
-            <a:r>
-              <a:rPr lang="en-GB" dirty="0"/>
-              <a:t>Emiliano Montesdeoca</a:t>
-            </a:r>
-          </a:p>
-        </p:txBody>
-      </p:sp>
-      <p:pic>
-        <p:nvPicPr>
-          <p:cNvPr id="5" name="Picture 2">
-            <a:extLst>
-              <a:ext uri="{FF2B5EF4-FFF2-40B4-BE49-F238E27FC236}">
-                <a16:creationId xmlns:a16="http://schemas.microsoft.com/office/drawing/2014/main" id="{14B26CE2-3AFD-5192-4872-E3C421378BD6}"/>
-              </a:ext>
-            </a:extLst>
-          </p:cNvPr>
-          <p:cNvPicPr>
-            <a:picLocks noGrp="1" noChangeAspect="1" noChangeArrowheads="1"/>
-          </p:cNvPicPr>
-          <p:nvPr>
-            <p:ph type="pic" sz="quarter" idx="12"/>
-          </p:nvPr>
-        </p:nvPicPr>
-        <p:blipFill>
-          <a:blip r:embed="rId3">
-            <a:extLst>
-              <a:ext uri="{28A0092B-C50C-407E-A947-70E740481C1C}">
-                <a14:useLocalDpi xmlns:a14="http://schemas.microsoft.com/office/drawing/2010/main" val="0"/>
-              </a:ext>
-            </a:extLst>
-          </a:blip>
-          <a:srcRect l="1066" r="1066"/>
-          <a:stretch>
-            <a:fillRect/>
-          </a:stretch>
-        </p:blipFill>
-        <p:spPr bwMode="auto">
-          <a:xfrm>
-            <a:off x="9099550" y="1779588"/>
-            <a:ext cx="2039938" cy="2084387"/>
-          </a:xfrm>
-          <a:prstGeom prst="rect">
-            <a:avLst/>
-          </a:prstGeom>
-          <a:noFill/>
-          <a:extLst>
-            <a:ext uri="{909E8E84-426E-40DD-AFC4-6F175D3DCCD1}">
-              <a14:hiddenFill xmlns:a14="http://schemas.microsoft.com/office/drawing/2010/main">
-                <a:solidFill>
-                  <a:srgbClr val="FFFFFF"/>
-                </a:solidFill>
-              </a14:hiddenFill>
-            </a:ext>
-          </a:extLst>
-        </p:spPr>
-      </p:pic>
-    </p:spTree>
-    <p:extLst>
-      <p:ext uri="{BB962C8B-B14F-4D97-AF65-F5344CB8AC3E}">
-        <p14:creationId xmlns:p14="http://schemas.microsoft.com/office/powerpoint/2010/main" val="858246612"/>
-      </p:ext>
-    </p:extLst>
-  </p:cSld>
-  <p:clrMapOvr>
-    <a:masterClrMapping/>
-  </p:clrMapOvr>
-</p:sld>
-</file>
-
-<file path=ppt/slides/slide3.xml><?xml version="1.0" encoding="utf-8"?>
-<p:sld xmlns:a="http://schemas.openxmlformats.org/drawingml/2006/main" xmlns:r="http://schemas.openxmlformats.org/officeDocument/2006/relationships" xmlns:p="http://schemas.openxmlformats.org/presentationml/2006/main">
-  <p:cSld>
-    <p:spTree>
-      <p:nvGrpSpPr>
-        <p:cNvPr id="1" name=""/>
-        <p:cNvGrpSpPr/>
-        <p:nvPr/>
-      </p:nvGrpSpPr>
-      <p:grpSpPr>
-        <a:xfrm>
-          <a:off x="0" y="0"/>
-          <a:ext cx="0" cy="0"/>
-          <a:chOff x="0" y="0"/>
-          <a:chExt cx="0" cy="0"/>
-        </a:xfrm>
-      </p:grpSpPr>
-      <p:sp>
-        <p:nvSpPr>
-          <p:cNvPr id="2" name="Text Placeholder 1">
-            <a:extLst>
-              <a:ext uri="{FF2B5EF4-FFF2-40B4-BE49-F238E27FC236}">
-                <a16:creationId xmlns:a16="http://schemas.microsoft.com/office/drawing/2014/main" id="{CEE8DB7E-804D-4DD4-D713-49F06DB3BEB1}"/>
-              </a:ext>
-            </a:extLst>
-          </p:cNvPr>
-          <p:cNvSpPr>
-            <a:spLocks noGrp="1"/>
-          </p:cNvSpPr>
-          <p:nvPr>
-            <p:ph type="body" sz="quarter" idx="10"/>
-          </p:nvPr>
-        </p:nvSpPr>
-        <p:spPr/>
-        <p:txBody>
-          <a:bodyPr anchor="ctr">
-            <a:normAutofit fontScale="85000" lnSpcReduction="10000"/>
-          </a:bodyPr>
-          <a:lstStyle/>
-          <a:p>
-            <a:pPr algn="ctr"/>
-            <a:r>
-              <a:rPr lang="en-GB" dirty="0"/>
-              <a:t>Emiliano Montesdeoca</a:t>
-            </a:r>
-          </a:p>
-        </p:txBody>
-      </p:sp>
-      <p:sp>
-        <p:nvSpPr>
-          <p:cNvPr id="3" name="Text Placeholder 2">
-            <a:extLst>
-              <a:ext uri="{FF2B5EF4-FFF2-40B4-BE49-F238E27FC236}">
-                <a16:creationId xmlns:a16="http://schemas.microsoft.com/office/drawing/2014/main" id="{E62176C5-1CEE-7D27-D562-11D8E5F33A10}"/>
-              </a:ext>
-            </a:extLst>
-          </p:cNvPr>
-          <p:cNvSpPr>
-            <a:spLocks noGrp="1"/>
-          </p:cNvSpPr>
-          <p:nvPr>
-            <p:ph type="body" sz="quarter" idx="11"/>
-          </p:nvPr>
-        </p:nvSpPr>
-        <p:spPr>
-          <a:xfrm>
-            <a:off x="741579" y="3955581"/>
-            <a:ext cx="4352935" cy="867131"/>
-          </a:xfrm>
-        </p:spPr>
-        <p:txBody>
-          <a:bodyPr>
-            <a:normAutofit/>
-          </a:bodyPr>
-          <a:lstStyle/>
-          <a:p>
-            <a:r>
-              <a:rPr lang="en-GB" sz="2100" dirty="0"/>
-              <a:t>Cloud Dev Team Lead @ </a:t>
-            </a:r>
-            <a:r>
-              <a:rPr lang="en-GB" sz="2100" dirty="0" err="1"/>
-              <a:t>Intelequia</a:t>
-            </a:r>
-            <a:endParaRPr lang="en-GB" sz="2100" dirty="0"/>
-          </a:p>
-          <a:p>
-            <a:r>
-              <a:rPr lang="en-GB" sz="2100" dirty="0"/>
-              <a:t>@emimontesdeocaa</a:t>
-            </a:r>
-          </a:p>
-        </p:txBody>
-      </p:sp>
-      <p:sp>
-        <p:nvSpPr>
-          <p:cNvPr id="8" name="AutoShape 6" descr="alt text">
-            <a:extLst>
-              <a:ext uri="{FF2B5EF4-FFF2-40B4-BE49-F238E27FC236}">
-                <a16:creationId xmlns:a16="http://schemas.microsoft.com/office/drawing/2014/main" id="{63164B40-1CDF-97C2-46EA-C0B04659C719}"/>
-              </a:ext>
-            </a:extLst>
-          </p:cNvPr>
-          <p:cNvSpPr>
-            <a:spLocks noChangeAspect="1" noChangeArrowheads="1"/>
-          </p:cNvSpPr>
-          <p:nvPr/>
-        </p:nvSpPr>
-        <p:spPr bwMode="auto">
-          <a:xfrm>
-            <a:off x="5943600" y="3276600"/>
-            <a:ext cx="304800" cy="304800"/>
-          </a:xfrm>
-          <a:prstGeom prst="rect">
-            <a:avLst/>
-          </a:prstGeom>
-          <a:noFill/>
-          <a:extLst>
-            <a:ext uri="{909E8E84-426E-40DD-AFC4-6F175D3DCCD1}">
-              <a14:hiddenFill xmlns:a14="http://schemas.microsoft.com/office/drawing/2010/main">
-                <a:solidFill>
-                  <a:srgbClr val="FFFFFF"/>
-                </a:solidFill>
-              </a14:hiddenFill>
-            </a:ext>
-          </a:extLst>
-        </p:spPr>
-        <p:txBody>
-          <a:bodyPr vert="horz" wrap="square" lIns="91440" tIns="45720" rIns="91440" bIns="45720" numCol="1" anchor="t" anchorCtr="0" compatLnSpc="1">
-            <a:prstTxWarp prst="textNoShape">
-              <a:avLst/>
-            </a:prstTxWarp>
-          </a:bodyPr>
-          <a:lstStyle/>
-          <a:p>
-            <a:endParaRPr lang="es-ES"/>
-          </a:p>
-        </p:txBody>
-      </p:sp>
-      <p:pic>
-        <p:nvPicPr>
-          <p:cNvPr id="10" name="Picture 9">
-            <a:extLst>
-              <a:ext uri="{FF2B5EF4-FFF2-40B4-BE49-F238E27FC236}">
-                <a16:creationId xmlns:a16="http://schemas.microsoft.com/office/drawing/2014/main" id="{0F67E1A7-6882-3C8F-D106-457052F4BE28}"/>
-              </a:ext>
-            </a:extLst>
-          </p:cNvPr>
-          <p:cNvPicPr>
-            <a:picLocks noChangeAspect="1"/>
-          </p:cNvPicPr>
-          <p:nvPr/>
-        </p:nvPicPr>
-        <p:blipFill>
-          <a:blip r:embed="rId2"/>
-          <a:stretch>
-            <a:fillRect/>
-          </a:stretch>
-        </p:blipFill>
-        <p:spPr>
-          <a:xfrm>
-            <a:off x="741579" y="5311677"/>
-            <a:ext cx="2371156" cy="950810"/>
-          </a:xfrm>
-          <a:prstGeom prst="rect">
-            <a:avLst/>
-          </a:prstGeom>
-        </p:spPr>
-      </p:pic>
-      <p:pic>
-        <p:nvPicPr>
-          <p:cNvPr id="11" name="Picture 10">
-            <a:extLst>
-              <a:ext uri="{FF2B5EF4-FFF2-40B4-BE49-F238E27FC236}">
-                <a16:creationId xmlns:a16="http://schemas.microsoft.com/office/drawing/2014/main" id="{9B800E55-C21F-A66B-B45F-45036CDA263B}"/>
-              </a:ext>
-            </a:extLst>
-          </p:cNvPr>
-          <p:cNvPicPr>
-            <a:picLocks noChangeAspect="1"/>
-          </p:cNvPicPr>
-          <p:nvPr/>
-        </p:nvPicPr>
-        <p:blipFill>
-          <a:blip r:embed="rId3"/>
-          <a:stretch>
-            <a:fillRect/>
-          </a:stretch>
-        </p:blipFill>
-        <p:spPr>
-          <a:xfrm>
-            <a:off x="3075114" y="5311677"/>
-            <a:ext cx="2159131" cy="950810"/>
-          </a:xfrm>
-          <a:prstGeom prst="rect">
-            <a:avLst/>
-          </a:prstGeom>
-        </p:spPr>
-      </p:pic>
-      <p:pic>
-        <p:nvPicPr>
-          <p:cNvPr id="12" name="Picture 2">
-            <a:extLst>
-              <a:ext uri="{FF2B5EF4-FFF2-40B4-BE49-F238E27FC236}">
-                <a16:creationId xmlns:a16="http://schemas.microsoft.com/office/drawing/2014/main" id="{97F80DED-0457-2D9E-0509-7AAF4201305D}"/>
-              </a:ext>
-            </a:extLst>
-          </p:cNvPr>
-          <p:cNvPicPr>
-            <a:picLocks noChangeAspect="1" noChangeArrowheads="1"/>
-          </p:cNvPicPr>
-          <p:nvPr/>
-        </p:nvPicPr>
-        <p:blipFill>
-          <a:blip r:embed="rId4">
-            <a:extLst>
-              <a:ext uri="{28A0092B-C50C-407E-A947-70E740481C1C}">
-                <a14:useLocalDpi xmlns:a14="http://schemas.microsoft.com/office/drawing/2010/main" val="0"/>
-              </a:ext>
-            </a:extLst>
-          </a:blip>
-          <a:srcRect/>
-          <a:stretch>
-            <a:fillRect/>
-          </a:stretch>
-        </p:blipFill>
-        <p:spPr bwMode="auto">
-          <a:xfrm>
-            <a:off x="5725409" y="1371602"/>
-            <a:ext cx="4267200" cy="4267200"/>
-          </a:xfrm>
-          <a:prstGeom prst="rect">
-            <a:avLst/>
-          </a:prstGeom>
-          <a:noFill/>
-          <a:extLst>
-            <a:ext uri="{909E8E84-426E-40DD-AFC4-6F175D3DCCD1}">
-              <a14:hiddenFill xmlns:a14="http://schemas.microsoft.com/office/drawing/2010/main">
-                <a:solidFill>
-                  <a:srgbClr val="FFFFFF"/>
-                </a:solidFill>
-              </a14:hiddenFill>
-            </a:ext>
-          </a:extLst>
-        </p:spPr>
-      </p:pic>
-    </p:spTree>
-    <p:extLst>
-      <p:ext uri="{BB962C8B-B14F-4D97-AF65-F5344CB8AC3E}">
-        <p14:creationId xmlns:p14="http://schemas.microsoft.com/office/powerpoint/2010/main" val="3682522082"/>
-      </p:ext>
-    </p:extLst>
-  </p:cSld>
-  <p:clrMapOvr>
-    <a:masterClrMapping/>
-  </p:clrMapOvr>
-</p:sld>
-</file>
-
-<file path=ppt/slides/slide4.xml><?xml version="1.0" encoding="utf-8"?>
-<p:sld xmlns:a="http://schemas.openxmlformats.org/drawingml/2006/main" xmlns:r="http://schemas.openxmlformats.org/officeDocument/2006/relationships" xmlns:p="http://schemas.openxmlformats.org/presentationml/2006/main">
-  <p:cSld>
-    <p:spTree>
-      <p:nvGrpSpPr>
-        <p:cNvPr id="1" name=""/>
-        <p:cNvGrpSpPr/>
-        <p:nvPr/>
-      </p:nvGrpSpPr>
-      <p:grpSpPr>
-        <a:xfrm>
-          <a:off x="0" y="0"/>
-          <a:ext cx="0" cy="0"/>
-          <a:chOff x="0" y="0"/>
-          <a:chExt cx="0" cy="0"/>
-        </a:xfrm>
-      </p:grpSpPr>
-      <p:sp>
-        <p:nvSpPr>
-          <p:cNvPr id="4" name="Title 3">
-            <a:extLst>
-              <a:ext uri="{FF2B5EF4-FFF2-40B4-BE49-F238E27FC236}">
-                <a16:creationId xmlns:a16="http://schemas.microsoft.com/office/drawing/2014/main" id="{A79EF43E-9478-6885-F549-BD98555A3A1F}"/>
-              </a:ext>
-            </a:extLst>
-          </p:cNvPr>
-          <p:cNvSpPr>
-            <a:spLocks noGrp="1"/>
-          </p:cNvSpPr>
-          <p:nvPr>
-            <p:ph type="title"/>
-          </p:nvPr>
-        </p:nvSpPr>
-        <p:spPr>
-          <a:xfrm>
-            <a:off x="1842306" y="1854805"/>
-            <a:ext cx="8507383" cy="2215991"/>
-          </a:xfrm>
-        </p:spPr>
-        <p:txBody>
-          <a:bodyPr/>
-          <a:lstStyle/>
-          <a:p>
-            <a:pPr algn="ctr"/>
-            <a:r>
-              <a:rPr kumimoji="0" lang="en-GB" sz="7200" b="0" i="0" u="none" strike="noStrike" kern="1200" cap="none" spc="-50" normalizeH="0" baseline="0" noProof="0" dirty="0">
-                <a:ln w="3175">
-                  <a:noFill/>
-                </a:ln>
-                <a:effectLst/>
-                <a:uLnTx/>
-                <a:uFillTx/>
-                <a:latin typeface="Segoe UI Semibold"/>
-                <a:ea typeface="+mn-ea"/>
-                <a:cs typeface="Segoe UI" pitchFamily="34" charset="0"/>
-              </a:rPr>
-              <a:t>How do I make my </a:t>
-            </a:r>
-            <a:r>
-              <a:rPr kumimoji="0" lang="en-GB" sz="7200" b="0" i="0" u="sng" strike="noStrike" kern="1200" cap="none" spc="-50" normalizeH="0" baseline="0" noProof="0" dirty="0">
-                <a:ln w="3175">
-                  <a:noFill/>
-                </a:ln>
-                <a:effectLst/>
-                <a:uLnTx/>
-                <a:uFillTx/>
-                <a:latin typeface="Segoe UI Semibold"/>
-                <a:ea typeface="+mn-ea"/>
-                <a:cs typeface="Segoe UI" pitchFamily="34" charset="0"/>
-              </a:rPr>
-              <a:t>dumb</a:t>
-            </a:r>
-            <a:r>
-              <a:rPr kumimoji="0" lang="en-GB" sz="7200" b="0" i="0" u="none" strike="noStrike" kern="1200" cap="none" spc="-50" normalizeH="0" baseline="0" noProof="0" dirty="0">
-                <a:ln w="3175">
-                  <a:noFill/>
-                </a:ln>
-                <a:effectLst/>
-                <a:uLnTx/>
-                <a:uFillTx/>
-                <a:latin typeface="Segoe UI Semibold"/>
-                <a:ea typeface="+mn-ea"/>
-                <a:cs typeface="Segoe UI" pitchFamily="34" charset="0"/>
-              </a:rPr>
-              <a:t> app </a:t>
-            </a:r>
-            <a:r>
-              <a:rPr kumimoji="0" lang="en-GB" sz="7200" b="0" i="0" u="sng" strike="noStrike" kern="1200" cap="none" spc="-50" normalizeH="0" baseline="0" noProof="0" dirty="0">
-                <a:ln w="3175">
-                  <a:noFill/>
-                </a:ln>
-                <a:effectLst/>
-                <a:uLnTx/>
-                <a:uFillTx/>
-                <a:latin typeface="Segoe UI Semibold"/>
-                <a:ea typeface="+mn-ea"/>
-                <a:cs typeface="Segoe UI" pitchFamily="34" charset="0"/>
-              </a:rPr>
-              <a:t>smart</a:t>
-            </a:r>
-            <a:r>
-              <a:rPr kumimoji="0" lang="en-GB" sz="7200" b="0" i="0" u="none" strike="noStrike" kern="1200" cap="none" spc="-50" normalizeH="0" baseline="0" noProof="0" dirty="0">
-                <a:ln w="3175">
-                  <a:noFill/>
-                </a:ln>
-                <a:effectLst/>
-                <a:uLnTx/>
-                <a:uFillTx/>
-                <a:latin typeface="Segoe UI Semibold"/>
-                <a:ea typeface="+mn-ea"/>
-                <a:cs typeface="Segoe UI" pitchFamily="34" charset="0"/>
-              </a:rPr>
-              <a:t>?</a:t>
-            </a:r>
-            <a:endParaRPr lang="en-US" sz="7200" dirty="0"/>
-          </a:p>
-        </p:txBody>
-      </p:sp>
-      <p:sp>
-        <p:nvSpPr>
-          <p:cNvPr id="5" name="TextBox 4">
-            <a:extLst>
-              <a:ext uri="{FF2B5EF4-FFF2-40B4-BE49-F238E27FC236}">
-                <a16:creationId xmlns:a16="http://schemas.microsoft.com/office/drawing/2014/main" id="{E003B38F-95F6-5EED-E3ED-EFAEA6254876}"/>
-              </a:ext>
-            </a:extLst>
-          </p:cNvPr>
-          <p:cNvSpPr txBox="1"/>
-          <p:nvPr/>
-        </p:nvSpPr>
-        <p:spPr>
-          <a:xfrm>
-            <a:off x="3972654" y="4170373"/>
-            <a:ext cx="4246685" cy="355482"/>
-          </a:xfrm>
-          <a:prstGeom prst="rect">
-            <a:avLst/>
-          </a:prstGeom>
-          <a:noFill/>
-        </p:spPr>
-        <p:txBody>
-          <a:bodyPr wrap="square">
-            <a:spAutoFit/>
-          </a:bodyPr>
-          <a:lstStyle/>
-          <a:p>
-            <a:pPr marR="0" lvl="0" indent="0" algn="ctr" fontAlgn="auto">
-              <a:lnSpc>
-                <a:spcPct val="95000"/>
-              </a:lnSpc>
-              <a:spcBef>
-                <a:spcPts val="0"/>
-              </a:spcBef>
-              <a:spcAft>
-                <a:spcPts val="0"/>
-              </a:spcAft>
-              <a:buClrTx/>
-              <a:buSzTx/>
-              <a:buFontTx/>
-              <a:buNone/>
-              <a:defRPr/>
-            </a:pPr>
-            <a:r>
-              <a:rPr lang="en-GB" sz="1800" b="1" dirty="0">
-                <a:solidFill>
-                  <a:schemeClr val="accent1">
-                    <a:lumMod val="10000"/>
-                  </a:schemeClr>
-                </a:solidFill>
-                <a:latin typeface="Segoe UI Semibold" panose="020F0502020204030204" pitchFamily="34" charset="0"/>
-              </a:rPr>
-              <a:t>Your boss would tell you that…</a:t>
-            </a:r>
-            <a:endParaRPr lang="en-US" sz="1800" b="1" dirty="0">
-              <a:solidFill>
-                <a:schemeClr val="accent1">
-                  <a:lumMod val="10000"/>
-                </a:schemeClr>
-              </a:solidFill>
-              <a:latin typeface="Segoe UI Semibold" panose="020F0502020204030204" pitchFamily="34" charset="0"/>
-            </a:endParaRPr>
-          </a:p>
-        </p:txBody>
-      </p:sp>
-      <p:sp>
-        <p:nvSpPr>
-          <p:cNvPr id="7" name="TextBox 6">
-            <a:extLst>
-              <a:ext uri="{FF2B5EF4-FFF2-40B4-BE49-F238E27FC236}">
-                <a16:creationId xmlns:a16="http://schemas.microsoft.com/office/drawing/2014/main" id="{63EE2071-70A4-ABFE-2011-66206EF1AF78}"/>
-              </a:ext>
-            </a:extLst>
-          </p:cNvPr>
-          <p:cNvSpPr txBox="1"/>
-          <p:nvPr/>
-        </p:nvSpPr>
-        <p:spPr>
-          <a:xfrm>
-            <a:off x="9829316" y="6457136"/>
-            <a:ext cx="2399470" cy="369332"/>
-          </a:xfrm>
-          <a:prstGeom prst="rect">
-            <a:avLst/>
-          </a:prstGeom>
-          <a:noFill/>
-        </p:spPr>
-        <p:txBody>
-          <a:bodyPr wrap="square">
-            <a:spAutoFit/>
-          </a:bodyPr>
-          <a:lstStyle/>
-          <a:p>
-            <a:r>
-              <a:rPr lang="en-GB" sz="1800" dirty="0"/>
-              <a:t>@emimontesdeocaa</a:t>
-            </a:r>
-          </a:p>
-        </p:txBody>
-      </p:sp>
-    </p:spTree>
-    <p:extLst>
-      <p:ext uri="{BB962C8B-B14F-4D97-AF65-F5344CB8AC3E}">
-        <p14:creationId xmlns:p14="http://schemas.microsoft.com/office/powerpoint/2010/main" val="1777033561"/>
-      </p:ext>
-    </p:extLst>
-  </p:cSld>
-  <p:clrMapOvr>
-    <a:masterClrMapping/>
-  </p:clrMapOvr>
-</p:sld>
-</file>
-
-<file path=ppt/slides/slide5.xml><?xml version="1.0" encoding="utf-8"?>
-<p:sld xmlns:a="http://schemas.openxmlformats.org/drawingml/2006/main" xmlns:r="http://schemas.openxmlformats.org/officeDocument/2006/relationships" xmlns:p="http://schemas.openxmlformats.org/presentationml/2006/main">
-  <p:cSld>
-    <p:spTree>
-      <p:nvGrpSpPr>
-        <p:cNvPr id="1" name="">
-          <a:extLst>
-            <a:ext uri="{FF2B5EF4-FFF2-40B4-BE49-F238E27FC236}">
-              <a16:creationId xmlns:a16="http://schemas.microsoft.com/office/drawing/2014/main" id="{A3A0F944-653A-6F6B-5070-31F70E93FEBA}"/>
+              <a16:creationId xmlns:a16="http://schemas.microsoft.com/office/drawing/2014/main" id="{4F354ABD-5746-CE9D-810E-382E7F26A126}"/>
             </a:ext>
           </a:extLst>
         </p:cNvPr>
@@ -8117,7 +6576,7 @@
           <p:cNvPr id="2" name="Title 1">
             <a:extLst>
               <a:ext uri="{FF2B5EF4-FFF2-40B4-BE49-F238E27FC236}">
-                <a16:creationId xmlns:a16="http://schemas.microsoft.com/office/drawing/2014/main" id="{AE9D5C62-D677-2DB0-365F-F25C2B92FEC5}"/>
+                <a16:creationId xmlns:a16="http://schemas.microsoft.com/office/drawing/2014/main" id="{67E31954-765A-6011-695B-67FF3FE447EF}"/>
               </a:ext>
             </a:extLst>
           </p:cNvPr>
@@ -8130,20 +6589,17 @@
         </p:nvSpPr>
         <p:spPr>
           <a:xfrm>
-            <a:off x="586740" y="390553"/>
-            <a:ext cx="11018520" cy="923330"/>
+            <a:off x="838200" y="365125"/>
+            <a:ext cx="10515600" cy="1325563"/>
           </a:xfrm>
         </p:spPr>
         <p:txBody>
-          <a:bodyPr>
-            <a:normAutofit fontScale="90000"/>
+          <a:bodyPr anchor="ctr">
+            <a:normAutofit/>
           </a:bodyPr>
           <a:lstStyle/>
           <a:p>
-            <a:pPr marL="0" marR="0" lvl="0" indent="0" algn="ctr" defTabSz="932742" rtl="0" eaLnBrk="1" fontAlgn="auto" latinLnBrk="0" hangingPunct="1">
-              <a:lnSpc>
-                <a:spcPct val="100000"/>
-              </a:lnSpc>
+            <a:pPr marL="0" marR="0" lvl="0" indent="0" defTabSz="932742" rtl="0" eaLnBrk="1" fontAlgn="auto" latinLnBrk="0" hangingPunct="1">
               <a:spcBef>
                 <a:spcPct val="0"/>
               </a:spcBef>
@@ -8158,53 +6614,26 @@
               <a:defRPr/>
             </a:pPr>
             <a:r>
-              <a:rPr kumimoji="0" lang="en-GB" sz="6000" b="0" i="0" u="none" strike="noStrike" kern="1200" cap="none" spc="-50" normalizeH="0" baseline="0" noProof="0" dirty="0">
-                <a:ln w="3175">
-                  <a:noFill/>
-                </a:ln>
-                <a:effectLst/>
-                <a:uLnTx/>
-                <a:uFillTx/>
-                <a:latin typeface="Segoe UI Semibold"/>
-                <a:ea typeface="+mn-ea"/>
-                <a:cs typeface="Segoe UI" pitchFamily="34" charset="0"/>
-              </a:rPr>
-              <a:t>How</a:t>
-            </a:r>
-            <a:r>
-              <a:rPr kumimoji="0" lang="en-GB" sz="6000" b="0" i="0" u="none" strike="noStrike" kern="1200" cap="none" spc="-50" normalizeH="0" noProof="0" dirty="0">
-                <a:ln w="3175">
-                  <a:noFill/>
-                </a:ln>
-                <a:effectLst/>
-                <a:uLnTx/>
-                <a:uFillTx/>
-                <a:latin typeface="Segoe UI Semibold"/>
-                <a:ea typeface="+mn-ea"/>
-                <a:cs typeface="Segoe UI" pitchFamily="34" charset="0"/>
-              </a:rPr>
-              <a:t> are our apps today?</a:t>
-            </a:r>
-            <a:endParaRPr kumimoji="0" lang="en-GB" sz="6000" b="0" i="0" u="none" strike="noStrike" kern="1200" cap="none" spc="-50" normalizeH="0" baseline="0" noProof="0" dirty="0">
+              <a:rPr lang="en-GB" sz="5400" b="1" dirty="0"/>
+              <a:t>What is Semantic Kernel?</a:t>
+            </a:r>
+            <a:endParaRPr kumimoji="0" lang="en-GB" sz="5400" b="1" i="0" u="none" strike="noStrike" kern="1200" cap="none" spc="-50" normalizeH="0" baseline="0" noProof="0" dirty="0">
               <a:ln w="3175">
                 <a:noFill/>
               </a:ln>
               <a:effectLst/>
               <a:uLnTx/>
               <a:uFillTx/>
-              <a:latin typeface="Segoe UI Semibold"/>
-              <a:ea typeface="+mn-ea"/>
-              <a:cs typeface="Segoe UI" pitchFamily="34" charset="0"/>
             </a:endParaRPr>
           </a:p>
         </p:txBody>
       </p:sp>
       <p:sp>
         <p:nvSpPr>
-          <p:cNvPr id="4" name="Text Placeholder 7">
-            <a:extLst>
-              <a:ext uri="{FF2B5EF4-FFF2-40B4-BE49-F238E27FC236}">
-                <a16:creationId xmlns:a16="http://schemas.microsoft.com/office/drawing/2014/main" id="{4D23D090-9257-E1F6-EF5C-2A24A6EE6CF7}"/>
+          <p:cNvPr id="3" name="Text Placeholder 7">
+            <a:extLst>
+              <a:ext uri="{FF2B5EF4-FFF2-40B4-BE49-F238E27FC236}">
+                <a16:creationId xmlns:a16="http://schemas.microsoft.com/office/drawing/2014/main" id="{15E816FF-B601-4D5B-4C6A-CCD7165E36BE}"/>
               </a:ext>
             </a:extLst>
           </p:cNvPr>
@@ -8215,15 +6644,17 @@
         </p:nvSpPr>
         <p:spPr>
           <a:xfrm>
-            <a:off x="1903751" y="1858780"/>
-            <a:ext cx="8739264" cy="3934918"/>
+            <a:off x="6191248" y="1825625"/>
+            <a:ext cx="5162549" cy="4351338"/>
           </a:xfrm>
           <a:prstGeom prst="rect">
             <a:avLst/>
           </a:prstGeom>
         </p:spPr>
         <p:txBody>
-          <a:bodyPr/>
+          <a:bodyPr vert="horz" lIns="91440" tIns="45720" rIns="91440" bIns="45720" rtlCol="0">
+            <a:normAutofit lnSpcReduction="10000"/>
+          </a:bodyPr>
           <a:lstStyle>
             <a:lvl1pPr marL="0" marR="0" indent="0" algn="l" defTabSz="932742" rtl="0" eaLnBrk="1" fontAlgn="auto" latinLnBrk="0" hangingPunct="1">
               <a:lnSpc>
@@ -8437,204 +6868,491 @@
             </a:lvl9pPr>
           </a:lstStyle>
           <a:p>
-            <a:pPr marL="457200" marR="0" lvl="1" indent="-457200" algn="l" defTabSz="932719" rtl="0" eaLnBrk="1" fontAlgn="auto" latinLnBrk="0" hangingPunct="1">
-              <a:lnSpc>
-                <a:spcPct val="100000"/>
-              </a:lnSpc>
+            <a:pPr marR="0" lvl="1" defTabSz="914400" fontAlgn="auto">
               <a:spcBef>
-                <a:spcPts val="0"/>
+                <a:spcPts val="1000"/>
               </a:spcBef>
               <a:spcAft>
                 <a:spcPts val="600"/>
               </a:spcAft>
               <a:buClrTx/>
               <a:buSzPct val="90000"/>
-              <a:buFont typeface="Arial" panose="020B0604020202020204" pitchFamily="34" charset="0"/>
-              <a:buChar char="•"/>
               <a:tabLst/>
               <a:defRPr/>
             </a:pPr>
             <a:r>
-              <a:rPr lang="en-GB" sz="4400" b="1" dirty="0">
+              <a:rPr kumimoji="0" lang="en-US" sz="3600" b="1" i="0" u="none" strike="noStrike" kern="1200" cap="none" spc="0" normalizeH="0" baseline="0" noProof="0" dirty="0">
+                <a:ln>
+                  <a:noFill/>
+                </a:ln>
                 <a:solidFill>
                   <a:schemeClr val="accent1">
                     <a:lumMod val="10000"/>
                   </a:schemeClr>
                 </a:solidFill>
-                <a:latin typeface="Segoe UI"/>
-                <a:sym typeface="Arial"/>
+                <a:effectLst/>
+                <a:uLnTx/>
+                <a:uFillTx/>
               </a:rPr>
-              <a:t>Robotic</a:t>
-            </a:r>
-            <a:r>
-              <a:rPr lang="en-GB" sz="4400" dirty="0">
+              <a:t>Semantic Kernel</a:t>
+            </a:r>
+            <a:r>
+              <a:rPr kumimoji="0" lang="en-US" sz="3600" b="0" i="0" u="none" strike="noStrike" kern="1200" cap="none" spc="0" normalizeH="0" baseline="0" noProof="0" dirty="0">
+                <a:ln>
+                  <a:noFill/>
+                </a:ln>
                 <a:solidFill>
                   <a:schemeClr val="accent1">
                     <a:lumMod val="10000"/>
                   </a:schemeClr>
                 </a:solidFill>
-                <a:latin typeface="Segoe UI"/>
-                <a:sym typeface="Arial"/>
+                <a:effectLst/>
+                <a:uLnTx/>
+                <a:uFillTx/>
               </a:rPr>
-              <a:t> interactions</a:t>
-            </a:r>
-          </a:p>
-          <a:p>
-            <a:pPr marL="457200" marR="0" lvl="1" indent="-457200" algn="l" defTabSz="932719" rtl="0" eaLnBrk="1" fontAlgn="auto" latinLnBrk="0" hangingPunct="1">
+              <a:t> is a lightweight, open-source development kit that lets you easily </a:t>
+            </a:r>
+            <a:r>
+              <a:rPr kumimoji="0" lang="en-US" sz="3600" b="1" i="0" u="none" strike="noStrike" kern="1200" cap="none" spc="0" normalizeH="0" baseline="0" noProof="0" dirty="0">
+                <a:ln>
+                  <a:noFill/>
+                </a:ln>
+                <a:solidFill>
+                  <a:schemeClr val="accent1">
+                    <a:lumMod val="10000"/>
+                  </a:schemeClr>
+                </a:solidFill>
+                <a:effectLst/>
+                <a:uLnTx/>
+                <a:uFillTx/>
+              </a:rPr>
+              <a:t>build AI agents </a:t>
+            </a:r>
+            <a:r>
+              <a:rPr kumimoji="0" lang="en-US" sz="3600" b="0" i="0" u="none" strike="noStrike" kern="1200" cap="none" spc="0" normalizeH="0" baseline="0" noProof="0" dirty="0">
+                <a:ln>
+                  <a:noFill/>
+                </a:ln>
+                <a:solidFill>
+                  <a:schemeClr val="accent1">
+                    <a:lumMod val="10000"/>
+                  </a:schemeClr>
+                </a:solidFill>
+                <a:effectLst/>
+                <a:uLnTx/>
+                <a:uFillTx/>
+              </a:rPr>
+              <a:t>and integrate the latest AI models into your C#, Python, or Java codebase. </a:t>
+            </a:r>
+          </a:p>
+        </p:txBody>
+      </p:sp>
+      <p:pic>
+        <p:nvPicPr>
+          <p:cNvPr id="2054" name="Picture 6" descr="Imagen de introducción">
+            <a:extLst>
+              <a:ext uri="{FF2B5EF4-FFF2-40B4-BE49-F238E27FC236}">
+                <a16:creationId xmlns:a16="http://schemas.microsoft.com/office/drawing/2014/main" id="{37ACD524-F91C-5E5C-9379-392AB46221B1}"/>
+              </a:ext>
+            </a:extLst>
+          </p:cNvPr>
+          <p:cNvPicPr>
+            <a:picLocks noChangeAspect="1" noChangeArrowheads="1"/>
+          </p:cNvPicPr>
+          <p:nvPr/>
+        </p:nvPicPr>
+        <p:blipFill>
+          <a:blip r:embed="rId3">
+            <a:extLst>
+              <a:ext uri="{28A0092B-C50C-407E-A947-70E740481C1C}">
+                <a14:useLocalDpi xmlns:a14="http://schemas.microsoft.com/office/drawing/2010/main" val="0"/>
+              </a:ext>
+            </a:extLst>
+          </a:blip>
+          <a:srcRect/>
+          <a:stretch>
+            <a:fillRect/>
+          </a:stretch>
+        </p:blipFill>
+        <p:spPr bwMode="auto">
+          <a:xfrm>
+            <a:off x="838200" y="1618969"/>
+            <a:ext cx="4809246" cy="4486275"/>
+          </a:xfrm>
+          <a:prstGeom prst="rect">
+            <a:avLst/>
+          </a:prstGeom>
+          <a:noFill/>
+          <a:extLst>
+            <a:ext uri="{909E8E84-426E-40DD-AFC4-6F175D3DCCD1}">
+              <a14:hiddenFill xmlns:a14="http://schemas.microsoft.com/office/drawing/2010/main">
+                <a:solidFill>
+                  <a:srgbClr val="FFFFFF"/>
+                </a:solidFill>
+              </a14:hiddenFill>
+            </a:ext>
+          </a:extLst>
+        </p:spPr>
+      </p:pic>
+    </p:spTree>
+    <p:extLst>
+      <p:ext uri="{BB962C8B-B14F-4D97-AF65-F5344CB8AC3E}">
+        <p14:creationId xmlns:p14="http://schemas.microsoft.com/office/powerpoint/2010/main" val="564408210"/>
+      </p:ext>
+    </p:extLst>
+  </p:cSld>
+  <p:clrMapOvr>
+    <a:masterClrMapping/>
+  </p:clrMapOvr>
+</p:sld>
+</file>
+
+<file path=ppt/slides/slide11.xml><?xml version="1.0" encoding="utf-8"?>
+<p:sld xmlns:a="http://schemas.openxmlformats.org/drawingml/2006/main" xmlns:r="http://schemas.openxmlformats.org/officeDocument/2006/relationships" xmlns:p="http://schemas.openxmlformats.org/presentationml/2006/main">
+  <p:cSld>
+    <p:spTree>
+      <p:nvGrpSpPr>
+        <p:cNvPr id="1" name="">
+          <a:extLst>
+            <a:ext uri="{FF2B5EF4-FFF2-40B4-BE49-F238E27FC236}">
+              <a16:creationId xmlns:a16="http://schemas.microsoft.com/office/drawing/2014/main" id="{215B0ACB-F89C-7036-FE4D-8E6E16BBCFD5}"/>
+            </a:ext>
+          </a:extLst>
+        </p:cNvPr>
+        <p:cNvGrpSpPr/>
+        <p:nvPr/>
+      </p:nvGrpSpPr>
+      <p:grpSpPr>
+        <a:xfrm>
+          <a:off x="0" y="0"/>
+          <a:ext cx="0" cy="0"/>
+          <a:chOff x="0" y="0"/>
+          <a:chExt cx="0" cy="0"/>
+        </a:xfrm>
+      </p:grpSpPr>
+      <p:sp>
+        <p:nvSpPr>
+          <p:cNvPr id="2" name="Title 3">
+            <a:extLst>
+              <a:ext uri="{FF2B5EF4-FFF2-40B4-BE49-F238E27FC236}">
+                <a16:creationId xmlns:a16="http://schemas.microsoft.com/office/drawing/2014/main" id="{F318DA55-4B4D-0501-54E0-192F184974D0}"/>
+              </a:ext>
+            </a:extLst>
+          </p:cNvPr>
+          <p:cNvSpPr>
+            <a:spLocks noGrp="1"/>
+          </p:cNvSpPr>
+          <p:nvPr>
+            <p:ph type="title"/>
+          </p:nvPr>
+        </p:nvSpPr>
+        <p:spPr>
+          <a:xfrm>
+            <a:off x="1842308" y="2605179"/>
+            <a:ext cx="8507383" cy="1107996"/>
+          </a:xfrm>
+        </p:spPr>
+        <p:txBody>
+          <a:bodyPr/>
+          <a:lstStyle/>
+          <a:p>
+            <a:pPr algn="ctr"/>
+            <a:r>
+              <a:rPr kumimoji="0" lang="en-GB" sz="7200" b="0" i="0" u="none" strike="noStrike" kern="1200" cap="none" spc="-50" normalizeH="0" baseline="0" noProof="0" dirty="0">
+                <a:ln w="3175">
+                  <a:noFill/>
+                </a:ln>
+                <a:effectLst/>
+                <a:uLnTx/>
+                <a:uFillTx/>
+                <a:latin typeface="Segoe UI Semibold"/>
+                <a:ea typeface="+mn-ea"/>
+                <a:cs typeface="Segoe UI" pitchFamily="34" charset="0"/>
+              </a:rPr>
+              <a:t>Let’s do some code!</a:t>
+            </a:r>
+            <a:endParaRPr lang="en-US" sz="7200" dirty="0"/>
+          </a:p>
+        </p:txBody>
+      </p:sp>
+      <p:sp>
+        <p:nvSpPr>
+          <p:cNvPr id="3" name="TextBox 2">
+            <a:extLst>
+              <a:ext uri="{FF2B5EF4-FFF2-40B4-BE49-F238E27FC236}">
+                <a16:creationId xmlns:a16="http://schemas.microsoft.com/office/drawing/2014/main" id="{C68F9C5C-D130-F682-38A5-5F8B69F38FA0}"/>
+              </a:ext>
+            </a:extLst>
+          </p:cNvPr>
+          <p:cNvSpPr txBox="1"/>
+          <p:nvPr/>
+        </p:nvSpPr>
+        <p:spPr>
+          <a:xfrm>
+            <a:off x="3972656" y="3713175"/>
+            <a:ext cx="4246685" cy="355482"/>
+          </a:xfrm>
+          <a:prstGeom prst="rect">
+            <a:avLst/>
+          </a:prstGeom>
+          <a:noFill/>
+        </p:spPr>
+        <p:txBody>
+          <a:bodyPr wrap="square">
+            <a:spAutoFit/>
+          </a:bodyPr>
+          <a:lstStyle/>
+          <a:p>
+            <a:pPr marR="0" lvl="0" indent="0" algn="ctr" fontAlgn="auto">
               <a:lnSpc>
-                <a:spcPct val="100000"/>
+                <a:spcPct val="95000"/>
               </a:lnSpc>
               <a:spcBef>
                 <a:spcPts val="0"/>
               </a:spcBef>
               <a:spcAft>
-                <a:spcPts val="600"/>
+                <a:spcPts val="0"/>
               </a:spcAft>
               <a:buClrTx/>
-              <a:buSzPct val="90000"/>
-              <a:buFont typeface="Arial" panose="020B0604020202020204" pitchFamily="34" charset="0"/>
-              <a:buChar char="•"/>
-              <a:tabLst/>
+              <a:buSzTx/>
+              <a:buFontTx/>
+              <a:buNone/>
               <a:defRPr/>
             </a:pPr>
             <a:r>
-              <a:rPr lang="en-GB" sz="4400" b="1" dirty="0">
+              <a:rPr lang="en-GB" sz="1800" b="1" dirty="0">
                 <a:solidFill>
                   <a:schemeClr val="accent1">
                     <a:lumMod val="10000"/>
                   </a:schemeClr>
                 </a:solidFill>
-                <a:latin typeface="Segoe UI"/>
-                <a:sym typeface="Arial"/>
+                <a:latin typeface="Segoe UI Semibold" panose="020F0502020204030204" pitchFamily="34" charset="0"/>
               </a:rPr>
-              <a:t>Fixed</a:t>
-            </a:r>
-            <a:r>
-              <a:rPr lang="en-GB" sz="4400" dirty="0">
-                <a:solidFill>
-                  <a:schemeClr val="accent1">
-                    <a:lumMod val="10000"/>
-                  </a:schemeClr>
-                </a:solidFill>
-                <a:latin typeface="Segoe UI"/>
-                <a:sym typeface="Arial"/>
-              </a:rPr>
-              <a:t> code</a:t>
-            </a:r>
-          </a:p>
-          <a:p>
-            <a:pPr marL="457200" marR="0" lvl="1" indent="-457200" algn="l" defTabSz="932719" rtl="0" eaLnBrk="1" fontAlgn="auto" latinLnBrk="0" hangingPunct="1">
-              <a:lnSpc>
-                <a:spcPct val="100000"/>
-              </a:lnSpc>
+              <a:t>That’s why you’re here…. Right?</a:t>
+            </a:r>
+            <a:endParaRPr lang="en-US" sz="1800" b="1" dirty="0">
+              <a:solidFill>
+                <a:schemeClr val="accent1">
+                  <a:lumMod val="10000"/>
+                </a:schemeClr>
+              </a:solidFill>
+              <a:latin typeface="Segoe UI Semibold" panose="020F0502020204030204" pitchFamily="34" charset="0"/>
+            </a:endParaRPr>
+          </a:p>
+        </p:txBody>
+      </p:sp>
+    </p:spTree>
+    <p:extLst>
+      <p:ext uri="{BB962C8B-B14F-4D97-AF65-F5344CB8AC3E}">
+        <p14:creationId xmlns:p14="http://schemas.microsoft.com/office/powerpoint/2010/main" val="907192003"/>
+      </p:ext>
+    </p:extLst>
+  </p:cSld>
+  <p:clrMapOvr>
+    <a:masterClrMapping/>
+  </p:clrMapOvr>
+</p:sld>
+</file>
+
+<file path=ppt/slides/slide12.xml><?xml version="1.0" encoding="utf-8"?>
+<p:sld xmlns:a="http://schemas.openxmlformats.org/drawingml/2006/main" xmlns:r="http://schemas.openxmlformats.org/officeDocument/2006/relationships" xmlns:p="http://schemas.openxmlformats.org/presentationml/2006/main">
+  <p:cSld>
+    <p:spTree>
+      <p:nvGrpSpPr>
+        <p:cNvPr id="1" name="">
+          <a:extLst>
+            <a:ext uri="{FF2B5EF4-FFF2-40B4-BE49-F238E27FC236}">
+              <a16:creationId xmlns:a16="http://schemas.microsoft.com/office/drawing/2014/main" id="{BE389FE3-5C21-8EED-18B9-686590454C75}"/>
+            </a:ext>
+          </a:extLst>
+        </p:cNvPr>
+        <p:cNvGrpSpPr/>
+        <p:nvPr/>
+      </p:nvGrpSpPr>
+      <p:grpSpPr>
+        <a:xfrm>
+          <a:off x="0" y="0"/>
+          <a:ext cx="0" cy="0"/>
+          <a:chOff x="0" y="0"/>
+          <a:chExt cx="0" cy="0"/>
+        </a:xfrm>
+      </p:grpSpPr>
+      <p:sp>
+        <p:nvSpPr>
+          <p:cNvPr id="3" name="TextBox 2">
+            <a:extLst>
+              <a:ext uri="{FF2B5EF4-FFF2-40B4-BE49-F238E27FC236}">
+                <a16:creationId xmlns:a16="http://schemas.microsoft.com/office/drawing/2014/main" id="{A88CB40B-F1E4-7176-B1F8-49FB34B61D0C}"/>
+              </a:ext>
+            </a:extLst>
+          </p:cNvPr>
+          <p:cNvSpPr txBox="1"/>
+          <p:nvPr/>
+        </p:nvSpPr>
+        <p:spPr>
+          <a:xfrm>
+            <a:off x="838200" y="365125"/>
+            <a:ext cx="10515600" cy="1325563"/>
+          </a:xfrm>
+          <a:prstGeom prst="rect">
+            <a:avLst/>
+          </a:prstGeom>
+        </p:spPr>
+        <p:txBody>
+          <a:bodyPr vert="horz" lIns="91440" tIns="45720" rIns="91440" bIns="45720" rtlCol="0" anchor="ctr">
+            <a:normAutofit/>
+          </a:bodyPr>
+          <a:lstStyle/>
+          <a:p>
+            <a:pPr marL="0" marR="0" lvl="0" indent="0" fontAlgn="auto">
               <a:spcBef>
-                <a:spcPts val="0"/>
+                <a:spcPct val="0"/>
               </a:spcBef>
               <a:spcAft>
                 <a:spcPts val="600"/>
               </a:spcAft>
               <a:buClrTx/>
-              <a:buSzPct val="90000"/>
-              <a:buFont typeface="Arial" panose="020B0604020202020204" pitchFamily="34" charset="0"/>
-              <a:buChar char="•"/>
+              <a:buSzTx/>
               <a:tabLst/>
               <a:defRPr/>
             </a:pPr>
             <a:r>
-              <a:rPr lang="en-GB" sz="4400" b="1" dirty="0">
+              <a:rPr kumimoji="0" lang="en-US" sz="5400" b="1" i="0" u="none" strike="noStrike" kern="1200" cap="none" spc="-50" normalizeH="0" baseline="0" noProof="0" dirty="0">
+                <a:ln w="3175">
+                  <a:noFill/>
+                </a:ln>
                 <a:solidFill>
                   <a:schemeClr val="accent1">
                     <a:lumMod val="10000"/>
                   </a:schemeClr>
                 </a:solidFill>
-                <a:latin typeface="Segoe UI"/>
-                <a:sym typeface="Arial"/>
+                <a:effectLst/>
+                <a:uLnTx/>
+                <a:uFillTx/>
               </a:rPr>
-              <a:t>No natural intelligence</a:t>
-            </a:r>
-          </a:p>
-          <a:p>
-            <a:pPr marL="457200" marR="0" lvl="1" indent="-457200" algn="l" defTabSz="932719" rtl="0" eaLnBrk="1" fontAlgn="auto" latinLnBrk="0" hangingPunct="1">
-              <a:lnSpc>
-                <a:spcPct val="100000"/>
-              </a:lnSpc>
+              <a:t>Kernel?</a:t>
+            </a:r>
+          </a:p>
+        </p:txBody>
+      </p:sp>
+      <p:sp>
+        <p:nvSpPr>
+          <p:cNvPr id="2" name="TextBox 1">
+            <a:extLst>
+              <a:ext uri="{FF2B5EF4-FFF2-40B4-BE49-F238E27FC236}">
+                <a16:creationId xmlns:a16="http://schemas.microsoft.com/office/drawing/2014/main" id="{5A13FEE8-DD6A-EEA4-BB9C-061E96A25F1C}"/>
+              </a:ext>
+            </a:extLst>
+          </p:cNvPr>
+          <p:cNvSpPr txBox="1"/>
+          <p:nvPr/>
+        </p:nvSpPr>
+        <p:spPr>
+          <a:xfrm>
+            <a:off x="6191251" y="1404283"/>
+            <a:ext cx="5162549" cy="4351338"/>
+          </a:xfrm>
+          <a:prstGeom prst="rect">
+            <a:avLst/>
+          </a:prstGeom>
+        </p:spPr>
+        <p:txBody>
+          <a:bodyPr vert="horz" lIns="91440" tIns="45720" rIns="91440" bIns="45720" rtlCol="0">
+            <a:normAutofit fontScale="92500"/>
+          </a:bodyPr>
+          <a:lstStyle/>
+          <a:p>
+            <a:pPr lvl="0">
               <a:spcBef>
-                <a:spcPts val="0"/>
+                <a:spcPts val="1000"/>
               </a:spcBef>
-              <a:spcAft>
-                <a:spcPts val="600"/>
-              </a:spcAft>
-              <a:buClrTx/>
-              <a:buSzPct val="90000"/>
-              <a:buFont typeface="Arial" panose="020B0604020202020204" pitchFamily="34" charset="0"/>
-              <a:buChar char="•"/>
-              <a:tabLst/>
               <a:defRPr/>
             </a:pPr>
             <a:r>
-              <a:rPr lang="en-GB" sz="4400" dirty="0">
+              <a:rPr lang="en-US" sz="4000" b="0" i="0" kern="1200" dirty="0">
                 <a:solidFill>
                   <a:schemeClr val="accent1">
                     <a:lumMod val="10000"/>
                   </a:schemeClr>
                 </a:solidFill>
-                <a:latin typeface="Segoe UI"/>
-                <a:sym typeface="Arial"/>
+                <a:effectLst/>
               </a:rPr>
-              <a:t>Any change is </a:t>
-            </a:r>
-            <a:r>
-              <a:rPr lang="en-GB" sz="4400" b="1" dirty="0">
+              <a:t>In its simplest form, the kernel is a </a:t>
+            </a:r>
+            <a:r>
+              <a:rPr lang="en-US" sz="4000" b="1" kern="1200" dirty="0">
                 <a:solidFill>
                   <a:schemeClr val="accent1">
                     <a:lumMod val="10000"/>
                   </a:schemeClr>
                 </a:solidFill>
-                <a:latin typeface="Segoe UI"/>
-                <a:sym typeface="Arial"/>
               </a:rPr>
-              <a:t>complex</a:t>
-            </a:r>
-          </a:p>
-          <a:p>
-            <a:pPr marL="457200" marR="0" lvl="1" indent="-457200" algn="l" defTabSz="932719" rtl="0" eaLnBrk="1" fontAlgn="auto" latinLnBrk="0" hangingPunct="1">
-              <a:lnSpc>
-                <a:spcPct val="100000"/>
-              </a:lnSpc>
-              <a:spcBef>
-                <a:spcPts val="0"/>
-              </a:spcBef>
-              <a:spcAft>
-                <a:spcPts val="600"/>
-              </a:spcAft>
-              <a:buClrTx/>
-              <a:buSzPct val="90000"/>
-              <a:buFont typeface="Arial" panose="020B0604020202020204" pitchFamily="34" charset="0"/>
-              <a:buChar char="•"/>
-              <a:tabLst/>
-              <a:defRPr/>
-            </a:pPr>
-            <a:r>
-              <a:rPr kumimoji="0" lang="en-GB" sz="4400" b="0" i="0" u="none" strike="noStrike" kern="1200" cap="none" spc="0" normalizeH="0" baseline="0" noProof="0" dirty="0">
-                <a:ln>
-                  <a:noFill/>
-                </a:ln>
+              <a:t>dependency injection container </a:t>
+            </a:r>
+            <a:r>
+              <a:rPr lang="en-US" sz="4000" b="0" i="0" kern="1200" dirty="0">
                 <a:solidFill>
                   <a:schemeClr val="accent1">
                     <a:lumMod val="10000"/>
                   </a:schemeClr>
                 </a:solidFill>
                 <a:effectLst/>
-                <a:uLnTx/>
-                <a:uFillTx/>
-                <a:latin typeface="Segoe UI"/>
-                <a:ea typeface="+mn-ea"/>
-                <a:cs typeface="+mn-cs"/>
-                <a:sym typeface="Arial"/>
               </a:rPr>
-              <a:t>It costs money</a:t>
-            </a:r>
-            <a:endParaRPr kumimoji="0" lang="en-US" sz="4400" b="0" i="0" u="none" strike="noStrike" kern="1200" cap="none" spc="0" normalizeH="0" baseline="0" noProof="0" dirty="0">
+              <a:t>that manages all the </a:t>
+            </a:r>
+            <a:r>
+              <a:rPr lang="en-US" sz="4000" b="1" kern="1200" dirty="0">
+                <a:solidFill>
+                  <a:schemeClr val="accent1">
+                    <a:lumMod val="10000"/>
+                  </a:schemeClr>
+                </a:solidFill>
+              </a:rPr>
+              <a:t>services</a:t>
+            </a:r>
+            <a:r>
+              <a:rPr lang="en-US" sz="4000" b="0" i="0" kern="1200" dirty="0">
+                <a:solidFill>
+                  <a:schemeClr val="accent1">
+                    <a:lumMod val="10000"/>
+                  </a:schemeClr>
+                </a:solidFill>
+                <a:effectLst/>
+              </a:rPr>
+              <a:t> and </a:t>
+            </a:r>
+            <a:r>
+              <a:rPr lang="en-US" sz="4000" b="1" kern="1200" dirty="0">
+                <a:solidFill>
+                  <a:schemeClr val="accent1">
+                    <a:lumMod val="10000"/>
+                  </a:schemeClr>
+                </a:solidFill>
+              </a:rPr>
+              <a:t>plug-ins</a:t>
+            </a:r>
+            <a:r>
+              <a:rPr lang="en-US" sz="4000" b="0" i="0" kern="1200" dirty="0">
+                <a:solidFill>
+                  <a:schemeClr val="accent1">
+                    <a:lumMod val="10000"/>
+                  </a:schemeClr>
+                </a:solidFill>
+                <a:effectLst/>
+              </a:rPr>
+              <a:t> required to run the </a:t>
+            </a:r>
+            <a:r>
+              <a:rPr lang="en-US" sz="4000" b="1" kern="1200" dirty="0">
+                <a:solidFill>
+                  <a:schemeClr val="accent1">
+                    <a:lumMod val="10000"/>
+                  </a:schemeClr>
+                </a:solidFill>
+              </a:rPr>
+              <a:t>AI application.</a:t>
+            </a:r>
+            <a:endParaRPr kumimoji="0" lang="en-US" sz="4000" b="1" i="0" u="none" strike="noStrike" kern="1200" cap="none" spc="0" normalizeH="0" baseline="0" noProof="0" dirty="0">
               <a:ln>
                 <a:noFill/>
               </a:ln>
@@ -8646,18 +7364,61 @@
               <a:effectLst/>
               <a:uLnTx/>
               <a:uFillTx/>
-              <a:latin typeface="Segoe UI"/>
-              <a:ea typeface="+mn-ea"/>
-              <a:cs typeface="+mn-cs"/>
-              <a:sym typeface="Arial"/>
             </a:endParaRPr>
           </a:p>
         </p:txBody>
       </p:sp>
+      <p:pic>
+        <p:nvPicPr>
+          <p:cNvPr id="4104" name="Picture 8" descr="Extensibilidad modular">
+            <a:extLst>
+              <a:ext uri="{FF2B5EF4-FFF2-40B4-BE49-F238E27FC236}">
+                <a16:creationId xmlns:a16="http://schemas.microsoft.com/office/drawing/2014/main" id="{D3F05429-8517-2133-3E12-4AA6169D774C}"/>
+              </a:ext>
+            </a:extLst>
+          </p:cNvPr>
+          <p:cNvPicPr>
+            <a:picLocks noChangeAspect="1" noChangeArrowheads="1"/>
+          </p:cNvPicPr>
+          <p:nvPr/>
+        </p:nvPicPr>
+        <p:blipFill>
+          <a:blip r:embed="rId2">
+            <a:extLst>
+              <a:ext uri="{28A0092B-C50C-407E-A947-70E740481C1C}">
+                <a14:useLocalDpi xmlns:a14="http://schemas.microsoft.com/office/drawing/2010/main" val="0"/>
+              </a:ext>
+            </a:extLst>
+          </a:blip>
+          <a:srcRect/>
+          <a:stretch>
+            <a:fillRect/>
+          </a:stretch>
+        </p:blipFill>
+        <p:spPr bwMode="auto">
+          <a:xfrm>
+            <a:off x="901993" y="2740359"/>
+            <a:ext cx="4210050" cy="1838325"/>
+          </a:xfrm>
+          <a:prstGeom prst="rect">
+            <a:avLst/>
+          </a:prstGeom>
+          <a:noFill/>
+          <a:extLst>
+            <a:ext uri="{909E8E84-426E-40DD-AFC4-6F175D3DCCD1}">
+              <a14:hiddenFill xmlns:a14="http://schemas.microsoft.com/office/drawing/2010/main">
+                <a:solidFill>
+                  <a:srgbClr val="FFFFFF"/>
+                </a:solidFill>
+              </a14:hiddenFill>
+            </a:ext>
+          </a:extLst>
+        </p:spPr>
+      </p:pic>
     </p:spTree>
     <p:extLst>
       <p:ext uri="{BB962C8B-B14F-4D97-AF65-F5344CB8AC3E}">
-        <p14:creationId xmlns:p14="http://schemas.microsoft.com/office/powerpoint/2010/main" val="47503800"/>
+        <p14:creationId xmlns:p14="http://schemas.microsoft.com/office/powerpoint/2010/main" val="1879224398"/>
       </p:ext>
     </p:extLst>
   </p:cSld>
@@ -8667,7 +7428,319 @@
 </p:sld>
 </file>
 
-<file path=ppt/slides/slide6.xml><?xml version="1.0" encoding="utf-8"?>
+<file path=ppt/slides/slide13.xml><?xml version="1.0" encoding="utf-8"?>
+<p:sld xmlns:a="http://schemas.openxmlformats.org/drawingml/2006/main" xmlns:r="http://schemas.openxmlformats.org/officeDocument/2006/relationships" xmlns:p="http://schemas.openxmlformats.org/presentationml/2006/main">
+  <p:cSld>
+    <p:spTree>
+      <p:nvGrpSpPr>
+        <p:cNvPr id="1" name="">
+          <a:extLst>
+            <a:ext uri="{FF2B5EF4-FFF2-40B4-BE49-F238E27FC236}">
+              <a16:creationId xmlns:a16="http://schemas.microsoft.com/office/drawing/2014/main" id="{0D1BF6F3-A9D1-66B6-EEF6-899E312867F9}"/>
+            </a:ext>
+          </a:extLst>
+        </p:cNvPr>
+        <p:cNvGrpSpPr/>
+        <p:nvPr/>
+      </p:nvGrpSpPr>
+      <p:grpSpPr>
+        <a:xfrm>
+          <a:off x="0" y="0"/>
+          <a:ext cx="0" cy="0"/>
+          <a:chOff x="0" y="0"/>
+          <a:chExt cx="0" cy="0"/>
+        </a:xfrm>
+      </p:grpSpPr>
+      <p:sp>
+        <p:nvSpPr>
+          <p:cNvPr id="2" name="TextBox 1">
+            <a:extLst>
+              <a:ext uri="{FF2B5EF4-FFF2-40B4-BE49-F238E27FC236}">
+                <a16:creationId xmlns:a16="http://schemas.microsoft.com/office/drawing/2014/main" id="{1F435E69-4F83-A2E3-DECB-31E4E848A0B5}"/>
+              </a:ext>
+            </a:extLst>
+          </p:cNvPr>
+          <p:cNvSpPr txBox="1"/>
+          <p:nvPr/>
+        </p:nvSpPr>
+        <p:spPr>
+          <a:xfrm>
+            <a:off x="858669" y="1074507"/>
+            <a:ext cx="10474661" cy="4708981"/>
+          </a:xfrm>
+          <a:prstGeom prst="rect">
+            <a:avLst/>
+          </a:prstGeom>
+          <a:noFill/>
+        </p:spPr>
+        <p:txBody>
+          <a:bodyPr wrap="square">
+            <a:spAutoFit/>
+          </a:bodyPr>
+          <a:lstStyle/>
+          <a:p>
+            <a:pPr lvl="0" algn="ctr" defTabSz="914367">
+              <a:defRPr/>
+            </a:pPr>
+            <a:r>
+              <a:rPr lang="en" sz="6000" b="0" i="0" dirty="0">
+                <a:solidFill>
+                  <a:schemeClr val="accent1">
+                    <a:lumMod val="10000"/>
+                  </a:schemeClr>
+                </a:solidFill>
+                <a:effectLst/>
+                <a:latin typeface="Segoe UI" panose="020B0502040204020203" pitchFamily="34" charset="0"/>
+              </a:rPr>
+              <a:t>If you provide all services  and </a:t>
+            </a:r>
+            <a:r>
+              <a:rPr lang="en" sz="6000" b="1" dirty="0">
+                <a:solidFill>
+                  <a:schemeClr val="accent1">
+                    <a:lumMod val="10000"/>
+                  </a:schemeClr>
+                </a:solidFill>
+                <a:latin typeface="Segoe UI Semibold"/>
+              </a:rPr>
+              <a:t>add-ons</a:t>
+            </a:r>
+            <a:r>
+              <a:rPr lang="en" sz="6000" b="0" i="0" dirty="0">
+                <a:solidFill>
+                  <a:schemeClr val="accent1">
+                    <a:lumMod val="10000"/>
+                  </a:schemeClr>
+                </a:solidFill>
+                <a:effectLst/>
+                <a:latin typeface="Segoe UI" panose="020B0502040204020203" pitchFamily="34" charset="0"/>
+              </a:rPr>
+              <a:t> to the </a:t>
+            </a:r>
+            <a:r>
+              <a:rPr lang="en" sz="6000" b="1" dirty="0">
+                <a:solidFill>
+                  <a:schemeClr val="accent1">
+                    <a:lumMod val="10000"/>
+                  </a:schemeClr>
+                </a:solidFill>
+                <a:latin typeface="Segoe UI Semibold"/>
+              </a:rPr>
+              <a:t>kernel</a:t>
+            </a:r>
+            <a:r>
+              <a:rPr lang="en" sz="6000" b="0" i="0" dirty="0">
+                <a:solidFill>
+                  <a:schemeClr val="accent1">
+                    <a:lumMod val="10000"/>
+                  </a:schemeClr>
+                </a:solidFill>
+                <a:effectLst/>
+                <a:latin typeface="Segoe UI" panose="020B0502040204020203" pitchFamily="34" charset="0"/>
+              </a:rPr>
+              <a:t>, artificial intelligence </a:t>
+            </a:r>
+            <a:r>
+              <a:rPr lang="en" sz="6000" b="1" dirty="0">
+                <a:solidFill>
+                  <a:schemeClr val="accent1">
+                    <a:lumMod val="10000"/>
+                  </a:schemeClr>
+                </a:solidFill>
+                <a:latin typeface="Segoe UI Semibold"/>
+              </a:rPr>
+              <a:t>will seamlessly use</a:t>
+            </a:r>
+            <a:r>
+              <a:rPr lang="en" sz="6000" b="0" i="0" dirty="0">
+                <a:solidFill>
+                  <a:schemeClr val="accent1">
+                    <a:lumMod val="10000"/>
+                  </a:schemeClr>
+                </a:solidFill>
+                <a:effectLst/>
+                <a:latin typeface="Segoe UI" panose="020B0502040204020203" pitchFamily="34" charset="0"/>
+              </a:rPr>
+              <a:t> them  as needed.</a:t>
+            </a:r>
+            <a:endParaRPr kumimoji="0" lang="en-US" sz="6000" b="1" i="0" u="none" strike="noStrike" kern="1200" cap="none" spc="0" normalizeH="0" baseline="0" noProof="0" dirty="0">
+              <a:ln>
+                <a:noFill/>
+              </a:ln>
+              <a:solidFill>
+                <a:schemeClr val="accent1">
+                  <a:lumMod val="10000"/>
+                </a:schemeClr>
+              </a:solidFill>
+              <a:effectLst/>
+              <a:uLnTx/>
+              <a:uFillTx/>
+              <a:latin typeface="Segoe UI Semibold"/>
+            </a:endParaRPr>
+          </a:p>
+        </p:txBody>
+      </p:sp>
+    </p:spTree>
+    <p:extLst>
+      <p:ext uri="{BB962C8B-B14F-4D97-AF65-F5344CB8AC3E}">
+        <p14:creationId xmlns:p14="http://schemas.microsoft.com/office/powerpoint/2010/main" val="4238795652"/>
+      </p:ext>
+    </p:extLst>
+  </p:cSld>
+  <p:clrMapOvr>
+    <a:masterClrMapping/>
+  </p:clrMapOvr>
+</p:sld>
+</file>
+
+<file path=ppt/slides/slide14.xml><?xml version="1.0" encoding="utf-8"?>
+<p:sld xmlns:a="http://schemas.openxmlformats.org/drawingml/2006/main" xmlns:r="http://schemas.openxmlformats.org/officeDocument/2006/relationships" xmlns:p="http://schemas.openxmlformats.org/presentationml/2006/main">
+  <p:cSld>
+    <p:spTree>
+      <p:nvGrpSpPr>
+        <p:cNvPr id="1" name="">
+          <a:extLst>
+            <a:ext uri="{FF2B5EF4-FFF2-40B4-BE49-F238E27FC236}">
+              <a16:creationId xmlns:a16="http://schemas.microsoft.com/office/drawing/2014/main" id="{2B888A85-D823-6AE5-48BA-A50CD357EB43}"/>
+            </a:ext>
+          </a:extLst>
+        </p:cNvPr>
+        <p:cNvGrpSpPr/>
+        <p:nvPr/>
+      </p:nvGrpSpPr>
+      <p:grpSpPr>
+        <a:xfrm>
+          <a:off x="0" y="0"/>
+          <a:ext cx="0" cy="0"/>
+          <a:chOff x="0" y="0"/>
+          <a:chExt cx="0" cy="0"/>
+        </a:xfrm>
+      </p:grpSpPr>
+      <p:sp>
+        <p:nvSpPr>
+          <p:cNvPr id="2" name="Title 3">
+            <a:extLst>
+              <a:ext uri="{FF2B5EF4-FFF2-40B4-BE49-F238E27FC236}">
+                <a16:creationId xmlns:a16="http://schemas.microsoft.com/office/drawing/2014/main" id="{8E92556B-0692-C18A-8D73-B00F950A0D78}"/>
+              </a:ext>
+            </a:extLst>
+          </p:cNvPr>
+          <p:cNvSpPr>
+            <a:spLocks noGrp="1"/>
+          </p:cNvSpPr>
+          <p:nvPr>
+            <p:ph type="title"/>
+          </p:nvPr>
+        </p:nvSpPr>
+        <p:spPr>
+          <a:xfrm>
+            <a:off x="1842308" y="2605179"/>
+            <a:ext cx="8507383" cy="1107996"/>
+          </a:xfrm>
+        </p:spPr>
+        <p:txBody>
+          <a:bodyPr/>
+          <a:lstStyle/>
+          <a:p>
+            <a:pPr algn="ctr"/>
+            <a:r>
+              <a:rPr kumimoji="0" lang="en-GB" sz="7200" b="0" i="0" u="none" strike="noStrike" kern="1200" cap="none" spc="-50" normalizeH="0" baseline="0" noProof="0" dirty="0">
+                <a:ln w="3175">
+                  <a:noFill/>
+                </a:ln>
+                <a:effectLst/>
+                <a:uLnTx/>
+                <a:uFillTx/>
+                <a:latin typeface="Segoe UI Semibold"/>
+                <a:ea typeface="+mn-ea"/>
+                <a:cs typeface="Segoe UI" pitchFamily="34" charset="0"/>
+              </a:rPr>
+              <a:t>More code!</a:t>
+            </a:r>
+            <a:endParaRPr lang="en-US" sz="7200" dirty="0"/>
+          </a:p>
+        </p:txBody>
+      </p:sp>
+      <p:sp>
+        <p:nvSpPr>
+          <p:cNvPr id="3" name="TextBox 2">
+            <a:extLst>
+              <a:ext uri="{FF2B5EF4-FFF2-40B4-BE49-F238E27FC236}">
+                <a16:creationId xmlns:a16="http://schemas.microsoft.com/office/drawing/2014/main" id="{8B5E2C89-4276-38F2-0B06-D139F619514D}"/>
+              </a:ext>
+            </a:extLst>
+          </p:cNvPr>
+          <p:cNvSpPr txBox="1"/>
+          <p:nvPr/>
+        </p:nvSpPr>
+        <p:spPr>
+          <a:xfrm>
+            <a:off x="3972656" y="3713175"/>
+            <a:ext cx="4246685" cy="355482"/>
+          </a:xfrm>
+          <a:prstGeom prst="rect">
+            <a:avLst/>
+          </a:prstGeom>
+          <a:noFill/>
+        </p:spPr>
+        <p:txBody>
+          <a:bodyPr wrap="square">
+            <a:spAutoFit/>
+          </a:bodyPr>
+          <a:lstStyle/>
+          <a:p>
+            <a:pPr marR="0" lvl="0" indent="0" algn="ctr" fontAlgn="auto">
+              <a:lnSpc>
+                <a:spcPct val="95000"/>
+              </a:lnSpc>
+              <a:spcBef>
+                <a:spcPts val="0"/>
+              </a:spcBef>
+              <a:spcAft>
+                <a:spcPts val="0"/>
+              </a:spcAft>
+              <a:buClrTx/>
+              <a:buSzTx/>
+              <a:buFontTx/>
+              <a:buNone/>
+              <a:defRPr/>
+            </a:pPr>
+            <a:r>
+              <a:rPr lang="en-GB" sz="1800" b="1" dirty="0">
+                <a:solidFill>
+                  <a:schemeClr val="accent1">
+                    <a:lumMod val="10000"/>
+                  </a:schemeClr>
+                </a:solidFill>
+                <a:latin typeface="Segoe UI Semibold" panose="020F0502020204030204" pitchFamily="34" charset="0"/>
+              </a:rPr>
+              <a:t>Now let’s build good stuff!</a:t>
+            </a:r>
+            <a:endParaRPr lang="en-US" sz="1800" b="1" dirty="0">
+              <a:solidFill>
+                <a:schemeClr val="accent1">
+                  <a:lumMod val="10000"/>
+                </a:schemeClr>
+              </a:solidFill>
+              <a:latin typeface="Segoe UI Semibold" panose="020F0502020204030204" pitchFamily="34" charset="0"/>
+            </a:endParaRPr>
+          </a:p>
+        </p:txBody>
+      </p:sp>
+    </p:spTree>
+    <p:extLst>
+      <p:ext uri="{BB962C8B-B14F-4D97-AF65-F5344CB8AC3E}">
+        <p14:creationId xmlns:p14="http://schemas.microsoft.com/office/powerpoint/2010/main" val="381481514"/>
+      </p:ext>
+    </p:extLst>
+  </p:cSld>
+  <p:clrMapOvr>
+    <a:masterClrMapping/>
+  </p:clrMapOvr>
+</p:sld>
+</file>
+
+<file path=ppt/slides/slide15.xml><?xml version="1.0" encoding="utf-8"?>
 <p:sld xmlns:a="http://schemas.openxmlformats.org/drawingml/2006/main" xmlns:r="http://schemas.openxmlformats.org/officeDocument/2006/relationships" xmlns:p="http://schemas.openxmlformats.org/presentationml/2006/main">
   <p:cSld>
     <p:spTree>
@@ -8686,10 +7759,10 @@
       </p:grpSpPr>
       <p:sp>
         <p:nvSpPr>
-          <p:cNvPr id="4" name="Title 1">
-            <a:extLst>
-              <a:ext uri="{FF2B5EF4-FFF2-40B4-BE49-F238E27FC236}">
-                <a16:creationId xmlns:a16="http://schemas.microsoft.com/office/drawing/2014/main" id="{45AB27C6-91EE-7660-E722-4B847682D784}"/>
+          <p:cNvPr id="2" name="Title 1">
+            <a:extLst>
+              <a:ext uri="{FF2B5EF4-FFF2-40B4-BE49-F238E27FC236}">
+                <a16:creationId xmlns:a16="http://schemas.microsoft.com/office/drawing/2014/main" id="{90699EF5-7B05-3AB6-AFB3-45A03F9BBC50}"/>
               </a:ext>
             </a:extLst>
           </p:cNvPr>
@@ -8702,8 +7775,982 @@
         </p:nvSpPr>
         <p:spPr/>
         <p:txBody>
+          <a:bodyPr/>
+          <a:lstStyle/>
+          <a:p>
+            <a:r>
+              <a:rPr lang="en-GB" dirty="0"/>
+              <a:t>References and useful links</a:t>
+            </a:r>
+          </a:p>
+        </p:txBody>
+      </p:sp>
+      <p:sp>
+        <p:nvSpPr>
+          <p:cNvPr id="3" name="Content Placeholder 2">
+            <a:extLst>
+              <a:ext uri="{FF2B5EF4-FFF2-40B4-BE49-F238E27FC236}">
+                <a16:creationId xmlns:a16="http://schemas.microsoft.com/office/drawing/2014/main" id="{8EDC59C6-E36A-169E-D724-4B21D3A31E42}"/>
+              </a:ext>
+            </a:extLst>
+          </p:cNvPr>
+          <p:cNvSpPr>
+            <a:spLocks noGrp="1"/>
+          </p:cNvSpPr>
+          <p:nvPr>
+            <p:ph sz="half" idx="1"/>
+          </p:nvPr>
+        </p:nvSpPr>
+        <p:spPr/>
+        <p:txBody>
+          <a:bodyPr/>
+          <a:lstStyle/>
+          <a:p>
+            <a:r>
+              <a:rPr lang="es-ES" dirty="0" err="1">
+                <a:hlinkClick r:id="rId2"/>
+              </a:rPr>
+              <a:t>emimontesdeoca</a:t>
+            </a:r>
+            <a:r>
+              <a:rPr lang="es-ES" dirty="0">
+                <a:hlinkClick r:id="rId2"/>
+              </a:rPr>
+              <a:t>/dday-sofia-2025-semantic-kernel-sql</a:t>
+            </a:r>
+            <a:endParaRPr lang="es-ES" dirty="0"/>
+          </a:p>
+          <a:p>
+            <a:r>
+              <a:rPr lang="en-US" dirty="0" err="1">
+                <a:hlinkClick r:id="rId3"/>
+              </a:rPr>
+              <a:t>microsoft</a:t>
+            </a:r>
+            <a:r>
+              <a:rPr lang="en-US" dirty="0">
+                <a:hlinkClick r:id="rId3"/>
+              </a:rPr>
+              <a:t>/semantic-kernel: Integrate cutting-edge LLM technology quickly and easily into your apps</a:t>
+            </a:r>
+            <a:endParaRPr lang="en-US" dirty="0"/>
+          </a:p>
+          <a:p>
+            <a:r>
+              <a:rPr lang="en-US" dirty="0">
+                <a:hlinkClick r:id="rId4"/>
+              </a:rPr>
+              <a:t>Introduction to Semantic Kernel | Microsoft Learn</a:t>
+            </a:r>
+            <a:endParaRPr lang="en-US" dirty="0"/>
+          </a:p>
+          <a:p>
+            <a:r>
+              <a:rPr lang="es-ES" dirty="0" err="1">
+                <a:hlinkClick r:id="rId5"/>
+              </a:rPr>
+              <a:t>emimontesdeoca</a:t>
+            </a:r>
+            <a:r>
+              <a:rPr lang="es-ES" dirty="0">
+                <a:hlinkClick r:id="rId5"/>
+              </a:rPr>
+              <a:t> (Emiliano Montesdeoca)</a:t>
+            </a:r>
+            <a:endParaRPr lang="es-ES" dirty="0"/>
+          </a:p>
+          <a:p>
+            <a:r>
+              <a:rPr lang="es-ES" dirty="0">
+                <a:hlinkClick r:id="rId6"/>
+              </a:rPr>
+              <a:t>Emiliano Montesdeoca (@emimontesdeocaa) / X</a:t>
+            </a:r>
+            <a:endParaRPr lang="es-ES" dirty="0"/>
+          </a:p>
+          <a:p>
+            <a:endParaRPr lang="en-GB" dirty="0"/>
+          </a:p>
+        </p:txBody>
+      </p:sp>
+    </p:spTree>
+    <p:extLst>
+      <p:ext uri="{BB962C8B-B14F-4D97-AF65-F5344CB8AC3E}">
+        <p14:creationId xmlns:p14="http://schemas.microsoft.com/office/powerpoint/2010/main" val="1674102189"/>
+      </p:ext>
+    </p:extLst>
+  </p:cSld>
+  <p:clrMapOvr>
+    <a:masterClrMapping/>
+  </p:clrMapOvr>
+</p:sld>
+</file>
+
+<file path=ppt/slides/slide16.xml><?xml version="1.0" encoding="utf-8"?>
+<p:sld xmlns:a="http://schemas.openxmlformats.org/drawingml/2006/main" xmlns:r="http://schemas.openxmlformats.org/officeDocument/2006/relationships" xmlns:p="http://schemas.openxmlformats.org/presentationml/2006/main">
+  <p:cSld>
+    <p:spTree>
+      <p:nvGrpSpPr>
+        <p:cNvPr id="1" name=""/>
+        <p:cNvGrpSpPr/>
+        <p:nvPr/>
+      </p:nvGrpSpPr>
+      <p:grpSpPr>
+        <a:xfrm>
+          <a:off x="0" y="0"/>
+          <a:ext cx="0" cy="0"/>
+          <a:chOff x="0" y="0"/>
+          <a:chExt cx="0" cy="0"/>
+        </a:xfrm>
+      </p:grpSpPr>
+      <p:pic>
+        <p:nvPicPr>
+          <p:cNvPr id="5" name="Picture Placeholder 4">
+            <a:extLst>
+              <a:ext uri="{FF2B5EF4-FFF2-40B4-BE49-F238E27FC236}">
+                <a16:creationId xmlns:a16="http://schemas.microsoft.com/office/drawing/2014/main" id="{2059856A-3E77-3B05-E485-DAA3BC1ED9F6}"/>
+              </a:ext>
+            </a:extLst>
+          </p:cNvPr>
+          <p:cNvPicPr>
+            <a:picLocks noGrp="1" noChangeAspect="1"/>
+          </p:cNvPicPr>
+          <p:nvPr>
+            <p:ph type="pic" sz="quarter" idx="10"/>
+          </p:nvPr>
+        </p:nvPicPr>
+        <p:blipFill>
+          <a:blip r:embed="rId2"/>
+          <a:srcRect t="2719" b="2719"/>
+          <a:stretch/>
+        </p:blipFill>
+        <p:spPr/>
+      </p:pic>
+      <p:sp>
+        <p:nvSpPr>
+          <p:cNvPr id="3" name="Text Placeholder 2">
+            <a:extLst>
+              <a:ext uri="{FF2B5EF4-FFF2-40B4-BE49-F238E27FC236}">
+                <a16:creationId xmlns:a16="http://schemas.microsoft.com/office/drawing/2014/main" id="{7B2D1DAA-D3C9-99B4-6F36-F1C494665D25}"/>
+              </a:ext>
+            </a:extLst>
+          </p:cNvPr>
+          <p:cNvSpPr>
+            <a:spLocks noGrp="1"/>
+          </p:cNvSpPr>
+          <p:nvPr>
+            <p:ph type="body" sz="quarter" idx="11"/>
+          </p:nvPr>
+        </p:nvSpPr>
+        <p:spPr/>
+        <p:txBody>
+          <a:bodyPr>
+            <a:normAutofit lnSpcReduction="10000"/>
+          </a:bodyPr>
+          <a:lstStyle/>
+          <a:p>
+            <a:r>
+              <a:rPr lang="en-GB" dirty="0"/>
+              <a:t>Feedback is always appreciated!</a:t>
+            </a:r>
+          </a:p>
+          <a:p>
+            <a:endParaRPr lang="en-GB" dirty="0"/>
+          </a:p>
+        </p:txBody>
+      </p:sp>
+    </p:spTree>
+    <p:extLst>
+      <p:ext uri="{BB962C8B-B14F-4D97-AF65-F5344CB8AC3E}">
+        <p14:creationId xmlns:p14="http://schemas.microsoft.com/office/powerpoint/2010/main" val="514391034"/>
+      </p:ext>
+    </p:extLst>
+  </p:cSld>
+  <p:clrMapOvr>
+    <a:masterClrMapping/>
+  </p:clrMapOvr>
+</p:sld>
+</file>
+
+<file path=ppt/slides/slide17.xml><?xml version="1.0" encoding="utf-8"?>
+<p:sld xmlns:a="http://schemas.openxmlformats.org/drawingml/2006/main" xmlns:r="http://schemas.openxmlformats.org/officeDocument/2006/relationships" xmlns:p="http://schemas.openxmlformats.org/presentationml/2006/main" show="0">
+  <p:cSld>
+    <p:spTree>
+      <p:nvGrpSpPr>
+        <p:cNvPr id="1" name=""/>
+        <p:cNvGrpSpPr/>
+        <p:nvPr/>
+      </p:nvGrpSpPr>
+      <p:grpSpPr>
+        <a:xfrm>
+          <a:off x="0" y="0"/>
+          <a:ext cx="0" cy="0"/>
+          <a:chOff x="0" y="0"/>
+          <a:chExt cx="0" cy="0"/>
+        </a:xfrm>
+      </p:grpSpPr>
+      <p:sp>
+        <p:nvSpPr>
+          <p:cNvPr id="3" name="TextBox 2">
+            <a:extLst>
+              <a:ext uri="{FF2B5EF4-FFF2-40B4-BE49-F238E27FC236}">
+                <a16:creationId xmlns:a16="http://schemas.microsoft.com/office/drawing/2014/main" id="{5979CD37-3085-E014-DAA0-0FFA77E0DED3}"/>
+              </a:ext>
+            </a:extLst>
+          </p:cNvPr>
+          <p:cNvSpPr txBox="1"/>
+          <p:nvPr/>
+        </p:nvSpPr>
+        <p:spPr>
+          <a:xfrm>
+            <a:off x="2059258" y="774339"/>
+            <a:ext cx="6096000" cy="646331"/>
+          </a:xfrm>
+          <a:prstGeom prst="rect">
+            <a:avLst/>
+          </a:prstGeom>
+          <a:noFill/>
+        </p:spPr>
+        <p:txBody>
+          <a:bodyPr wrap="square">
+            <a:spAutoFit/>
+          </a:bodyPr>
+          <a:lstStyle/>
+          <a:p>
+            <a:pPr>
+              <a:buNone/>
+            </a:pPr>
+            <a:r>
+              <a:rPr lang="en-GB" b="1" dirty="0"/>
+              <a:t>This slide is to be shown by Kamil Nowinski Only</a:t>
+            </a:r>
+          </a:p>
+          <a:p>
+            <a:pPr>
+              <a:buNone/>
+            </a:pPr>
+            <a:r>
+              <a:rPr lang="en-US" b="1" dirty="0"/>
+              <a:t>SEE in notes!</a:t>
+            </a:r>
+            <a:endParaRPr lang="bg-BG" b="1" dirty="0"/>
+          </a:p>
+        </p:txBody>
+      </p:sp>
+    </p:spTree>
+    <p:extLst>
+      <p:ext uri="{BB962C8B-B14F-4D97-AF65-F5344CB8AC3E}">
+        <p14:creationId xmlns:p14="http://schemas.microsoft.com/office/powerpoint/2010/main" val="2744604960"/>
+      </p:ext>
+    </p:extLst>
+  </p:cSld>
+  <p:clrMapOvr>
+    <a:masterClrMapping/>
+  </p:clrMapOvr>
+</p:sld>
+</file>
+
+<file path=ppt/slides/slide2.xml><?xml version="1.0" encoding="utf-8"?>
+<p:sld xmlns:a="http://schemas.openxmlformats.org/drawingml/2006/main" xmlns:r="http://schemas.openxmlformats.org/officeDocument/2006/relationships" xmlns:p="http://schemas.openxmlformats.org/presentationml/2006/main">
+  <p:cSld>
+    <p:spTree>
+      <p:nvGrpSpPr>
+        <p:cNvPr id="1" name=""/>
+        <p:cNvGrpSpPr/>
+        <p:nvPr/>
+      </p:nvGrpSpPr>
+      <p:grpSpPr>
+        <a:xfrm>
+          <a:off x="0" y="0"/>
+          <a:ext cx="0" cy="0"/>
+          <a:chOff x="0" y="0"/>
+          <a:chExt cx="0" cy="0"/>
+        </a:xfrm>
+      </p:grpSpPr>
+      <p:sp>
+        <p:nvSpPr>
+          <p:cNvPr id="2" name="Text Placeholder 1">
+            <a:extLst>
+              <a:ext uri="{FF2B5EF4-FFF2-40B4-BE49-F238E27FC236}">
+                <a16:creationId xmlns:a16="http://schemas.microsoft.com/office/drawing/2014/main" id="{92083A72-23BA-41C4-DFE5-57981B333B37}"/>
+              </a:ext>
+            </a:extLst>
+          </p:cNvPr>
+          <p:cNvSpPr>
+            <a:spLocks noGrp="1"/>
+          </p:cNvSpPr>
+          <p:nvPr>
+            <p:ph type="body" sz="quarter" idx="10"/>
+          </p:nvPr>
+        </p:nvSpPr>
+        <p:spPr>
+          <a:xfrm>
+            <a:off x="1805748" y="1997849"/>
+            <a:ext cx="6408484" cy="2083421"/>
+          </a:xfrm>
+        </p:spPr>
+        <p:txBody>
+          <a:bodyPr>
+            <a:normAutofit lnSpcReduction="10000"/>
+          </a:bodyPr>
+          <a:lstStyle/>
+          <a:p>
+            <a:r>
+              <a:rPr lang="en-US" sz="4000" i="0" u="none" strike="noStrike" dirty="0">
+                <a:solidFill>
+                  <a:schemeClr val="bg1"/>
+                </a:solidFill>
+                <a:effectLst/>
+                <a:latin typeface="open sans" panose="020B0606030504020204" pitchFamily="34" charset="0"/>
+                <a:hlinkClick r:id="rId2">
+                  <a:extLst>
+                    <a:ext uri="{A12FA001-AC4F-418D-AE19-62706E023703}">
+                      <ahyp:hlinkClr xmlns:ahyp="http://schemas.microsoft.com/office/drawing/2018/hyperlinkcolor" val="tx"/>
+                    </a:ext>
+                  </a:extLst>
+                </a:hlinkClick>
+              </a:rPr>
+              <a:t>AI Meets SQL: Building a Smart Pizza Shop with .NET and Semantic Kernel</a:t>
+            </a:r>
+            <a:endParaRPr lang="en-GB" sz="4000" dirty="0">
+              <a:solidFill>
+                <a:schemeClr val="bg1"/>
+              </a:solidFill>
+            </a:endParaRPr>
+          </a:p>
+        </p:txBody>
+      </p:sp>
+      <p:sp>
+        <p:nvSpPr>
+          <p:cNvPr id="3" name="Text Placeholder 2">
+            <a:extLst>
+              <a:ext uri="{FF2B5EF4-FFF2-40B4-BE49-F238E27FC236}">
+                <a16:creationId xmlns:a16="http://schemas.microsoft.com/office/drawing/2014/main" id="{3B9A4CC7-DE3B-A1DF-5899-ABB75B2E1EC0}"/>
+              </a:ext>
+            </a:extLst>
+          </p:cNvPr>
+          <p:cNvSpPr>
+            <a:spLocks noGrp="1"/>
+          </p:cNvSpPr>
+          <p:nvPr>
+            <p:ph type="body" sz="quarter" idx="11"/>
+          </p:nvPr>
+        </p:nvSpPr>
+        <p:spPr/>
+        <p:txBody>
+          <a:bodyPr>
+            <a:normAutofit fontScale="85000" lnSpcReduction="10000"/>
+          </a:bodyPr>
+          <a:lstStyle/>
+          <a:p>
+            <a:r>
+              <a:rPr lang="en-GB" dirty="0"/>
+              <a:t>Emiliano Montesdeoca</a:t>
+            </a:r>
+          </a:p>
+        </p:txBody>
+      </p:sp>
+      <p:pic>
+        <p:nvPicPr>
+          <p:cNvPr id="5" name="Picture 2">
+            <a:extLst>
+              <a:ext uri="{FF2B5EF4-FFF2-40B4-BE49-F238E27FC236}">
+                <a16:creationId xmlns:a16="http://schemas.microsoft.com/office/drawing/2014/main" id="{14B26CE2-3AFD-5192-4872-E3C421378BD6}"/>
+              </a:ext>
+            </a:extLst>
+          </p:cNvPr>
+          <p:cNvPicPr>
+            <a:picLocks noGrp="1" noChangeAspect="1" noChangeArrowheads="1"/>
+          </p:cNvPicPr>
+          <p:nvPr>
+            <p:ph type="pic" sz="quarter" idx="12"/>
+          </p:nvPr>
+        </p:nvPicPr>
+        <p:blipFill>
+          <a:blip r:embed="rId3">
+            <a:extLst>
+              <a:ext uri="{28A0092B-C50C-407E-A947-70E740481C1C}">
+                <a14:useLocalDpi xmlns:a14="http://schemas.microsoft.com/office/drawing/2010/main" val="0"/>
+              </a:ext>
+            </a:extLst>
+          </a:blip>
+          <a:srcRect l="1066" r="1066"/>
+          <a:stretch>
+            <a:fillRect/>
+          </a:stretch>
+        </p:blipFill>
+        <p:spPr bwMode="auto">
+          <a:xfrm>
+            <a:off x="9099550" y="1779588"/>
+            <a:ext cx="2039938" cy="2084387"/>
+          </a:xfrm>
+          <a:prstGeom prst="rect">
+            <a:avLst/>
+          </a:prstGeom>
+          <a:noFill/>
+          <a:extLst>
+            <a:ext uri="{909E8E84-426E-40DD-AFC4-6F175D3DCCD1}">
+              <a14:hiddenFill xmlns:a14="http://schemas.microsoft.com/office/drawing/2010/main">
+                <a:solidFill>
+                  <a:srgbClr val="FFFFFF"/>
+                </a:solidFill>
+              </a14:hiddenFill>
+            </a:ext>
+          </a:extLst>
+        </p:spPr>
+      </p:pic>
+    </p:spTree>
+    <p:extLst>
+      <p:ext uri="{BB962C8B-B14F-4D97-AF65-F5344CB8AC3E}">
+        <p14:creationId xmlns:p14="http://schemas.microsoft.com/office/powerpoint/2010/main" val="858246612"/>
+      </p:ext>
+    </p:extLst>
+  </p:cSld>
+  <p:clrMapOvr>
+    <a:masterClrMapping/>
+  </p:clrMapOvr>
+</p:sld>
+</file>
+
+<file path=ppt/slides/slide3.xml><?xml version="1.0" encoding="utf-8"?>
+<p:sld xmlns:a="http://schemas.openxmlformats.org/drawingml/2006/main" xmlns:r="http://schemas.openxmlformats.org/officeDocument/2006/relationships" xmlns:p="http://schemas.openxmlformats.org/presentationml/2006/main">
+  <p:cSld>
+    <p:spTree>
+      <p:nvGrpSpPr>
+        <p:cNvPr id="1" name=""/>
+        <p:cNvGrpSpPr/>
+        <p:nvPr/>
+      </p:nvGrpSpPr>
+      <p:grpSpPr>
+        <a:xfrm>
+          <a:off x="0" y="0"/>
+          <a:ext cx="0" cy="0"/>
+          <a:chOff x="0" y="0"/>
+          <a:chExt cx="0" cy="0"/>
+        </a:xfrm>
+      </p:grpSpPr>
+      <p:sp>
+        <p:nvSpPr>
+          <p:cNvPr id="2" name="Text Placeholder 1">
+            <a:extLst>
+              <a:ext uri="{FF2B5EF4-FFF2-40B4-BE49-F238E27FC236}">
+                <a16:creationId xmlns:a16="http://schemas.microsoft.com/office/drawing/2014/main" id="{CEE8DB7E-804D-4DD4-D713-49F06DB3BEB1}"/>
+              </a:ext>
+            </a:extLst>
+          </p:cNvPr>
+          <p:cNvSpPr>
+            <a:spLocks noGrp="1"/>
+          </p:cNvSpPr>
+          <p:nvPr>
+            <p:ph type="body" sz="quarter" idx="10"/>
+          </p:nvPr>
+        </p:nvSpPr>
+        <p:spPr/>
+        <p:txBody>
+          <a:bodyPr anchor="ctr">
+            <a:normAutofit fontScale="85000" lnSpcReduction="10000"/>
+          </a:bodyPr>
+          <a:lstStyle/>
+          <a:p>
+            <a:pPr algn="ctr"/>
+            <a:r>
+              <a:rPr lang="en-GB" dirty="0"/>
+              <a:t>Emiliano Montesdeoca</a:t>
+            </a:r>
+          </a:p>
+        </p:txBody>
+      </p:sp>
+      <p:sp>
+        <p:nvSpPr>
+          <p:cNvPr id="3" name="Text Placeholder 2">
+            <a:extLst>
+              <a:ext uri="{FF2B5EF4-FFF2-40B4-BE49-F238E27FC236}">
+                <a16:creationId xmlns:a16="http://schemas.microsoft.com/office/drawing/2014/main" id="{E62176C5-1CEE-7D27-D562-11D8E5F33A10}"/>
+              </a:ext>
+            </a:extLst>
+          </p:cNvPr>
+          <p:cNvSpPr>
+            <a:spLocks noGrp="1"/>
+          </p:cNvSpPr>
+          <p:nvPr>
+            <p:ph type="body" sz="quarter" idx="11"/>
+          </p:nvPr>
+        </p:nvSpPr>
+        <p:spPr>
+          <a:xfrm>
+            <a:off x="741579" y="3955581"/>
+            <a:ext cx="4352935" cy="867131"/>
+          </a:xfrm>
+        </p:spPr>
+        <p:txBody>
           <a:bodyPr>
             <a:normAutofit/>
+          </a:bodyPr>
+          <a:lstStyle/>
+          <a:p>
+            <a:r>
+              <a:rPr lang="en-GB" sz="2100" dirty="0"/>
+              <a:t>Cloud Dev Team Lead @ </a:t>
+            </a:r>
+            <a:r>
+              <a:rPr lang="en-GB" sz="2100" dirty="0" err="1"/>
+              <a:t>Intelequia</a:t>
+            </a:r>
+            <a:endParaRPr lang="en-GB" sz="2100" dirty="0"/>
+          </a:p>
+          <a:p>
+            <a:r>
+              <a:rPr lang="en-GB" sz="2100" dirty="0"/>
+              <a:t>@emimontesdeocaa</a:t>
+            </a:r>
+          </a:p>
+        </p:txBody>
+      </p:sp>
+      <p:sp>
+        <p:nvSpPr>
+          <p:cNvPr id="8" name="AutoShape 6" descr="alt text">
+            <a:extLst>
+              <a:ext uri="{FF2B5EF4-FFF2-40B4-BE49-F238E27FC236}">
+                <a16:creationId xmlns:a16="http://schemas.microsoft.com/office/drawing/2014/main" id="{63164B40-1CDF-97C2-46EA-C0B04659C719}"/>
+              </a:ext>
+            </a:extLst>
+          </p:cNvPr>
+          <p:cNvSpPr>
+            <a:spLocks noChangeAspect="1" noChangeArrowheads="1"/>
+          </p:cNvSpPr>
+          <p:nvPr/>
+        </p:nvSpPr>
+        <p:spPr bwMode="auto">
+          <a:xfrm>
+            <a:off x="5943600" y="3276600"/>
+            <a:ext cx="304800" cy="304800"/>
+          </a:xfrm>
+          <a:prstGeom prst="rect">
+            <a:avLst/>
+          </a:prstGeom>
+          <a:noFill/>
+          <a:extLst>
+            <a:ext uri="{909E8E84-426E-40DD-AFC4-6F175D3DCCD1}">
+              <a14:hiddenFill xmlns:a14="http://schemas.microsoft.com/office/drawing/2010/main">
+                <a:solidFill>
+                  <a:srgbClr val="FFFFFF"/>
+                </a:solidFill>
+              </a14:hiddenFill>
+            </a:ext>
+          </a:extLst>
+        </p:spPr>
+        <p:txBody>
+          <a:bodyPr vert="horz" wrap="square" lIns="91440" tIns="45720" rIns="91440" bIns="45720" numCol="1" anchor="t" anchorCtr="0" compatLnSpc="1">
+            <a:prstTxWarp prst="textNoShape">
+              <a:avLst/>
+            </a:prstTxWarp>
+          </a:bodyPr>
+          <a:lstStyle/>
+          <a:p>
+            <a:endParaRPr lang="es-ES"/>
+          </a:p>
+        </p:txBody>
+      </p:sp>
+      <p:pic>
+        <p:nvPicPr>
+          <p:cNvPr id="10" name="Picture 9">
+            <a:extLst>
+              <a:ext uri="{FF2B5EF4-FFF2-40B4-BE49-F238E27FC236}">
+                <a16:creationId xmlns:a16="http://schemas.microsoft.com/office/drawing/2014/main" id="{0F67E1A7-6882-3C8F-D106-457052F4BE28}"/>
+              </a:ext>
+            </a:extLst>
+          </p:cNvPr>
+          <p:cNvPicPr>
+            <a:picLocks noChangeAspect="1"/>
+          </p:cNvPicPr>
+          <p:nvPr/>
+        </p:nvPicPr>
+        <p:blipFill>
+          <a:blip r:embed="rId2"/>
+          <a:stretch>
+            <a:fillRect/>
+          </a:stretch>
+        </p:blipFill>
+        <p:spPr>
+          <a:xfrm>
+            <a:off x="741579" y="5311677"/>
+            <a:ext cx="2371156" cy="950810"/>
+          </a:xfrm>
+          <a:prstGeom prst="rect">
+            <a:avLst/>
+          </a:prstGeom>
+        </p:spPr>
+      </p:pic>
+      <p:pic>
+        <p:nvPicPr>
+          <p:cNvPr id="11" name="Picture 10">
+            <a:extLst>
+              <a:ext uri="{FF2B5EF4-FFF2-40B4-BE49-F238E27FC236}">
+                <a16:creationId xmlns:a16="http://schemas.microsoft.com/office/drawing/2014/main" id="{9B800E55-C21F-A66B-B45F-45036CDA263B}"/>
+              </a:ext>
+            </a:extLst>
+          </p:cNvPr>
+          <p:cNvPicPr>
+            <a:picLocks noChangeAspect="1"/>
+          </p:cNvPicPr>
+          <p:nvPr/>
+        </p:nvPicPr>
+        <p:blipFill>
+          <a:blip r:embed="rId3"/>
+          <a:stretch>
+            <a:fillRect/>
+          </a:stretch>
+        </p:blipFill>
+        <p:spPr>
+          <a:xfrm>
+            <a:off x="3075114" y="5311677"/>
+            <a:ext cx="2159131" cy="950810"/>
+          </a:xfrm>
+          <a:prstGeom prst="rect">
+            <a:avLst/>
+          </a:prstGeom>
+        </p:spPr>
+      </p:pic>
+      <p:pic>
+        <p:nvPicPr>
+          <p:cNvPr id="12" name="Picture 2">
+            <a:extLst>
+              <a:ext uri="{FF2B5EF4-FFF2-40B4-BE49-F238E27FC236}">
+                <a16:creationId xmlns:a16="http://schemas.microsoft.com/office/drawing/2014/main" id="{97F80DED-0457-2D9E-0509-7AAF4201305D}"/>
+              </a:ext>
+            </a:extLst>
+          </p:cNvPr>
+          <p:cNvPicPr>
+            <a:picLocks noChangeAspect="1" noChangeArrowheads="1"/>
+          </p:cNvPicPr>
+          <p:nvPr/>
+        </p:nvPicPr>
+        <p:blipFill>
+          <a:blip r:embed="rId4">
+            <a:extLst>
+              <a:ext uri="{28A0092B-C50C-407E-A947-70E740481C1C}">
+                <a14:useLocalDpi xmlns:a14="http://schemas.microsoft.com/office/drawing/2010/main" val="0"/>
+              </a:ext>
+            </a:extLst>
+          </a:blip>
+          <a:srcRect/>
+          <a:stretch>
+            <a:fillRect/>
+          </a:stretch>
+        </p:blipFill>
+        <p:spPr bwMode="auto">
+          <a:xfrm>
+            <a:off x="5725409" y="1371602"/>
+            <a:ext cx="4267200" cy="4267200"/>
+          </a:xfrm>
+          <a:prstGeom prst="rect">
+            <a:avLst/>
+          </a:prstGeom>
+          <a:noFill/>
+          <a:extLst>
+            <a:ext uri="{909E8E84-426E-40DD-AFC4-6F175D3DCCD1}">
+              <a14:hiddenFill xmlns:a14="http://schemas.microsoft.com/office/drawing/2010/main">
+                <a:solidFill>
+                  <a:srgbClr val="FFFFFF"/>
+                </a:solidFill>
+              </a14:hiddenFill>
+            </a:ext>
+          </a:extLst>
+        </p:spPr>
+      </p:pic>
+    </p:spTree>
+    <p:extLst>
+      <p:ext uri="{BB962C8B-B14F-4D97-AF65-F5344CB8AC3E}">
+        <p14:creationId xmlns:p14="http://schemas.microsoft.com/office/powerpoint/2010/main" val="3682522082"/>
+      </p:ext>
+    </p:extLst>
+  </p:cSld>
+  <p:clrMapOvr>
+    <a:masterClrMapping/>
+  </p:clrMapOvr>
+</p:sld>
+</file>
+
+<file path=ppt/slides/slide4.xml><?xml version="1.0" encoding="utf-8"?>
+<p:sld xmlns:a="http://schemas.openxmlformats.org/drawingml/2006/main" xmlns:r="http://schemas.openxmlformats.org/officeDocument/2006/relationships" xmlns:p="http://schemas.openxmlformats.org/presentationml/2006/main">
+  <p:cSld>
+    <p:spTree>
+      <p:nvGrpSpPr>
+        <p:cNvPr id="1" name=""/>
+        <p:cNvGrpSpPr/>
+        <p:nvPr/>
+      </p:nvGrpSpPr>
+      <p:grpSpPr>
+        <a:xfrm>
+          <a:off x="0" y="0"/>
+          <a:ext cx="0" cy="0"/>
+          <a:chOff x="0" y="0"/>
+          <a:chExt cx="0" cy="0"/>
+        </a:xfrm>
+      </p:grpSpPr>
+      <p:sp>
+        <p:nvSpPr>
+          <p:cNvPr id="4" name="Title 3">
+            <a:extLst>
+              <a:ext uri="{FF2B5EF4-FFF2-40B4-BE49-F238E27FC236}">
+                <a16:creationId xmlns:a16="http://schemas.microsoft.com/office/drawing/2014/main" id="{A79EF43E-9478-6885-F549-BD98555A3A1F}"/>
+              </a:ext>
+            </a:extLst>
+          </p:cNvPr>
+          <p:cNvSpPr>
+            <a:spLocks noGrp="1"/>
+          </p:cNvSpPr>
+          <p:nvPr>
+            <p:ph type="title"/>
+          </p:nvPr>
+        </p:nvSpPr>
+        <p:spPr>
+          <a:xfrm>
+            <a:off x="1842306" y="1854805"/>
+            <a:ext cx="8507383" cy="2215991"/>
+          </a:xfrm>
+        </p:spPr>
+        <p:txBody>
+          <a:bodyPr/>
+          <a:lstStyle/>
+          <a:p>
+            <a:pPr algn="ctr"/>
+            <a:r>
+              <a:rPr kumimoji="0" lang="en-GB" sz="7200" b="0" i="0" u="none" strike="noStrike" kern="1200" cap="none" spc="-50" normalizeH="0" baseline="0" noProof="0" dirty="0">
+                <a:ln w="3175">
+                  <a:noFill/>
+                </a:ln>
+                <a:effectLst/>
+                <a:uLnTx/>
+                <a:uFillTx/>
+                <a:latin typeface="Segoe UI Semibold"/>
+                <a:ea typeface="+mn-ea"/>
+                <a:cs typeface="Segoe UI" pitchFamily="34" charset="0"/>
+              </a:rPr>
+              <a:t>How do I make my </a:t>
+            </a:r>
+            <a:r>
+              <a:rPr kumimoji="0" lang="en-GB" sz="7200" b="0" i="0" u="sng" strike="noStrike" kern="1200" cap="none" spc="-50" normalizeH="0" baseline="0" noProof="0" dirty="0">
+                <a:ln w="3175">
+                  <a:noFill/>
+                </a:ln>
+                <a:effectLst/>
+                <a:uLnTx/>
+                <a:uFillTx/>
+                <a:latin typeface="Segoe UI Semibold"/>
+                <a:ea typeface="+mn-ea"/>
+                <a:cs typeface="Segoe UI" pitchFamily="34" charset="0"/>
+              </a:rPr>
+              <a:t>dumb</a:t>
+            </a:r>
+            <a:r>
+              <a:rPr kumimoji="0" lang="en-GB" sz="7200" b="0" i="0" u="none" strike="noStrike" kern="1200" cap="none" spc="-50" normalizeH="0" baseline="0" noProof="0" dirty="0">
+                <a:ln w="3175">
+                  <a:noFill/>
+                </a:ln>
+                <a:effectLst/>
+                <a:uLnTx/>
+                <a:uFillTx/>
+                <a:latin typeface="Segoe UI Semibold"/>
+                <a:ea typeface="+mn-ea"/>
+                <a:cs typeface="Segoe UI" pitchFamily="34" charset="0"/>
+              </a:rPr>
+              <a:t> app </a:t>
+            </a:r>
+            <a:r>
+              <a:rPr kumimoji="0" lang="en-GB" sz="7200" b="0" i="0" u="sng" strike="noStrike" kern="1200" cap="none" spc="-50" normalizeH="0" baseline="0" noProof="0" dirty="0">
+                <a:ln w="3175">
+                  <a:noFill/>
+                </a:ln>
+                <a:effectLst/>
+                <a:uLnTx/>
+                <a:uFillTx/>
+                <a:latin typeface="Segoe UI Semibold"/>
+                <a:ea typeface="+mn-ea"/>
+                <a:cs typeface="Segoe UI" pitchFamily="34" charset="0"/>
+              </a:rPr>
+              <a:t>smart</a:t>
+            </a:r>
+            <a:r>
+              <a:rPr kumimoji="0" lang="en-GB" sz="7200" b="0" i="0" u="none" strike="noStrike" kern="1200" cap="none" spc="-50" normalizeH="0" baseline="0" noProof="0" dirty="0">
+                <a:ln w="3175">
+                  <a:noFill/>
+                </a:ln>
+                <a:effectLst/>
+                <a:uLnTx/>
+                <a:uFillTx/>
+                <a:latin typeface="Segoe UI Semibold"/>
+                <a:ea typeface="+mn-ea"/>
+                <a:cs typeface="Segoe UI" pitchFamily="34" charset="0"/>
+              </a:rPr>
+              <a:t>?</a:t>
+            </a:r>
+            <a:endParaRPr lang="en-US" sz="7200" dirty="0"/>
+          </a:p>
+        </p:txBody>
+      </p:sp>
+      <p:sp>
+        <p:nvSpPr>
+          <p:cNvPr id="5" name="TextBox 4">
+            <a:extLst>
+              <a:ext uri="{FF2B5EF4-FFF2-40B4-BE49-F238E27FC236}">
+                <a16:creationId xmlns:a16="http://schemas.microsoft.com/office/drawing/2014/main" id="{E003B38F-95F6-5EED-E3ED-EFAEA6254876}"/>
+              </a:ext>
+            </a:extLst>
+          </p:cNvPr>
+          <p:cNvSpPr txBox="1"/>
+          <p:nvPr/>
+        </p:nvSpPr>
+        <p:spPr>
+          <a:xfrm>
+            <a:off x="3972654" y="4170373"/>
+            <a:ext cx="4246685" cy="355482"/>
+          </a:xfrm>
+          <a:prstGeom prst="rect">
+            <a:avLst/>
+          </a:prstGeom>
+          <a:noFill/>
+        </p:spPr>
+        <p:txBody>
+          <a:bodyPr wrap="square">
+            <a:spAutoFit/>
+          </a:bodyPr>
+          <a:lstStyle/>
+          <a:p>
+            <a:pPr marR="0" lvl="0" indent="0" algn="ctr" fontAlgn="auto">
+              <a:lnSpc>
+                <a:spcPct val="95000"/>
+              </a:lnSpc>
+              <a:spcBef>
+                <a:spcPts val="0"/>
+              </a:spcBef>
+              <a:spcAft>
+                <a:spcPts val="0"/>
+              </a:spcAft>
+              <a:buClrTx/>
+              <a:buSzTx/>
+              <a:buFontTx/>
+              <a:buNone/>
+              <a:defRPr/>
+            </a:pPr>
+            <a:r>
+              <a:rPr lang="en-GB" sz="1800" b="1" dirty="0">
+                <a:solidFill>
+                  <a:schemeClr val="accent1">
+                    <a:lumMod val="10000"/>
+                  </a:schemeClr>
+                </a:solidFill>
+                <a:latin typeface="Segoe UI Semibold" panose="020F0502020204030204" pitchFamily="34" charset="0"/>
+              </a:rPr>
+              <a:t>Your boss would tell you that…</a:t>
+            </a:r>
+            <a:endParaRPr lang="en-US" sz="1800" b="1" dirty="0">
+              <a:solidFill>
+                <a:schemeClr val="accent1">
+                  <a:lumMod val="10000"/>
+                </a:schemeClr>
+              </a:solidFill>
+              <a:latin typeface="Segoe UI Semibold" panose="020F0502020204030204" pitchFamily="34" charset="0"/>
+            </a:endParaRPr>
+          </a:p>
+        </p:txBody>
+      </p:sp>
+      <p:sp>
+        <p:nvSpPr>
+          <p:cNvPr id="7" name="TextBox 6">
+            <a:extLst>
+              <a:ext uri="{FF2B5EF4-FFF2-40B4-BE49-F238E27FC236}">
+                <a16:creationId xmlns:a16="http://schemas.microsoft.com/office/drawing/2014/main" id="{63EE2071-70A4-ABFE-2011-66206EF1AF78}"/>
+              </a:ext>
+            </a:extLst>
+          </p:cNvPr>
+          <p:cNvSpPr txBox="1"/>
+          <p:nvPr/>
+        </p:nvSpPr>
+        <p:spPr>
+          <a:xfrm>
+            <a:off x="9829316" y="6457136"/>
+            <a:ext cx="2399470" cy="369332"/>
+          </a:xfrm>
+          <a:prstGeom prst="rect">
+            <a:avLst/>
+          </a:prstGeom>
+          <a:noFill/>
+        </p:spPr>
+        <p:txBody>
+          <a:bodyPr wrap="square">
+            <a:spAutoFit/>
+          </a:bodyPr>
+          <a:lstStyle/>
+          <a:p>
+            <a:r>
+              <a:rPr lang="en-GB" sz="1800" dirty="0"/>
+              <a:t>@emimontesdeocaa</a:t>
+            </a:r>
+          </a:p>
+        </p:txBody>
+      </p:sp>
+    </p:spTree>
+    <p:extLst>
+      <p:ext uri="{BB962C8B-B14F-4D97-AF65-F5344CB8AC3E}">
+        <p14:creationId xmlns:p14="http://schemas.microsoft.com/office/powerpoint/2010/main" val="1777033561"/>
+      </p:ext>
+    </p:extLst>
+  </p:cSld>
+  <p:clrMapOvr>
+    <a:masterClrMapping/>
+  </p:clrMapOvr>
+</p:sld>
+</file>
+
+<file path=ppt/slides/slide5.xml><?xml version="1.0" encoding="utf-8"?>
+<p:sld xmlns:a="http://schemas.openxmlformats.org/drawingml/2006/main" xmlns:r="http://schemas.openxmlformats.org/officeDocument/2006/relationships" xmlns:p="http://schemas.openxmlformats.org/presentationml/2006/main">
+  <p:cSld>
+    <p:spTree>
+      <p:nvGrpSpPr>
+        <p:cNvPr id="1" name="">
+          <a:extLst>
+            <a:ext uri="{FF2B5EF4-FFF2-40B4-BE49-F238E27FC236}">
+              <a16:creationId xmlns:a16="http://schemas.microsoft.com/office/drawing/2014/main" id="{A3A0F944-653A-6F6B-5070-31F70E93FEBA}"/>
+            </a:ext>
+          </a:extLst>
+        </p:cNvPr>
+        <p:cNvGrpSpPr/>
+        <p:nvPr/>
+      </p:nvGrpSpPr>
+      <p:grpSpPr>
+        <a:xfrm>
+          <a:off x="0" y="0"/>
+          <a:ext cx="0" cy="0"/>
+          <a:chOff x="0" y="0"/>
+          <a:chExt cx="0" cy="0"/>
+        </a:xfrm>
+      </p:grpSpPr>
+      <p:sp>
+        <p:nvSpPr>
+          <p:cNvPr id="2" name="Title 1">
+            <a:extLst>
+              <a:ext uri="{FF2B5EF4-FFF2-40B4-BE49-F238E27FC236}">
+                <a16:creationId xmlns:a16="http://schemas.microsoft.com/office/drawing/2014/main" id="{AE9D5C62-D677-2DB0-365F-F25C2B92FEC5}"/>
+              </a:ext>
+            </a:extLst>
+          </p:cNvPr>
+          <p:cNvSpPr>
+            <a:spLocks noGrp="1"/>
+          </p:cNvSpPr>
+          <p:nvPr>
+            <p:ph type="title"/>
+          </p:nvPr>
+        </p:nvSpPr>
+        <p:spPr>
+          <a:xfrm>
+            <a:off x="586740" y="390553"/>
+            <a:ext cx="11018520" cy="923330"/>
+          </a:xfrm>
+        </p:spPr>
+        <p:txBody>
+          <a:bodyPr>
+            <a:normAutofit fontScale="90000"/>
           </a:bodyPr>
           <a:lstStyle/>
           <a:p>
@@ -8750,7 +8797,7 @@
                 <a:ea typeface="+mn-ea"/>
                 <a:cs typeface="Segoe UI" pitchFamily="34" charset="0"/>
               </a:rPr>
-              <a:t> should they apps be?</a:t>
+              <a:t> are our apps today?</a:t>
             </a:r>
             <a:endParaRPr kumimoji="0" lang="en-GB" sz="6000" b="0" i="0" u="none" strike="noStrike" kern="1200" cap="none" spc="-50" normalizeH="0" baseline="0" noProof="0" dirty="0">
               <a:ln w="3175">
@@ -8768,10 +8815,10 @@
       </p:sp>
       <p:sp>
         <p:nvSpPr>
-          <p:cNvPr id="5" name="Text Placeholder 7">
-            <a:extLst>
-              <a:ext uri="{FF2B5EF4-FFF2-40B4-BE49-F238E27FC236}">
-                <a16:creationId xmlns:a16="http://schemas.microsoft.com/office/drawing/2014/main" id="{9FD38C88-4342-0879-1A70-3C26E44F8814}"/>
+          <p:cNvPr id="4" name="Text Placeholder 7">
+            <a:extLst>
+              <a:ext uri="{FF2B5EF4-FFF2-40B4-BE49-F238E27FC236}">
+                <a16:creationId xmlns:a16="http://schemas.microsoft.com/office/drawing/2014/main" id="{4D23D090-9257-E1F6-EF5C-2A24A6EE6CF7}"/>
               </a:ext>
             </a:extLst>
           </p:cNvPr>
@@ -9031,7 +9078,19 @@
                 <a:latin typeface="Segoe UI"/>
                 <a:sym typeface="Arial"/>
               </a:rPr>
-              <a:t>“Human” interactions</a:t>
+              <a:t>Robotic</a:t>
+            </a:r>
+            <a:r>
+              <a:rPr lang="en-GB" sz="4400" dirty="0">
+                <a:solidFill>
+                  <a:schemeClr val="accent1">
+                    <a:lumMod val="10000"/>
+                  </a:schemeClr>
+                </a:solidFill>
+                <a:latin typeface="Segoe UI"/>
+                <a:sym typeface="Arial"/>
+              </a:rPr>
+              <a:t> interactions</a:t>
             </a:r>
           </a:p>
           <a:p>
@@ -9062,7 +9121,7 @@
                 <a:latin typeface="Segoe UI"/>
                 <a:sym typeface="Arial"/>
               </a:rPr>
-              <a:t>Personalized</a:t>
+              <a:t>Fixed</a:t>
             </a:r>
             <a:r>
               <a:rPr lang="en-GB" sz="4400" dirty="0">
@@ -9074,7 +9133,7 @@
                 <a:latin typeface="Segoe UI"/>
                 <a:sym typeface="Arial"/>
               </a:rPr>
-              <a:t> experience</a:t>
+              <a:t> code</a:t>
             </a:r>
           </a:p>
           <a:p>
@@ -9096,7 +9155,7 @@
               <a:defRPr/>
             </a:pPr>
             <a:r>
-              <a:rPr lang="en-GB" sz="4400" dirty="0">
+              <a:rPr lang="en-GB" sz="4400" b="1" dirty="0">
                 <a:solidFill>
                   <a:schemeClr val="accent1">
                     <a:lumMod val="10000"/>
@@ -9105,7 +9164,7 @@
                 <a:latin typeface="Segoe UI"/>
                 <a:sym typeface="Arial"/>
               </a:rPr>
-              <a:t>Our data and our logic</a:t>
+              <a:t>No natural intelligence</a:t>
             </a:r>
           </a:p>
           <a:p>
@@ -9127,7 +9186,7 @@
               <a:defRPr/>
             </a:pPr>
             <a:r>
-              <a:rPr lang="en-GB" sz="4400" b="1" dirty="0">
+              <a:rPr lang="en-GB" sz="4400" dirty="0">
                 <a:solidFill>
                   <a:schemeClr val="accent1">
                     <a:lumMod val="10000"/>
@@ -9136,10 +9195,10 @@
                 <a:latin typeface="Segoe UI"/>
                 <a:sym typeface="Arial"/>
               </a:rPr>
-              <a:t>Keeps</a:t>
-            </a:r>
-            <a:r>
-              <a:rPr lang="en-GB" sz="4400" dirty="0">
+              <a:t>Any change is </a:t>
+            </a:r>
+            <a:r>
+              <a:rPr lang="en-GB" sz="4400" b="1" dirty="0">
                 <a:solidFill>
                   <a:schemeClr val="accent1">
                     <a:lumMod val="10000"/>
@@ -9148,19 +9207,7 @@
                 <a:latin typeface="Segoe UI"/>
                 <a:sym typeface="Arial"/>
               </a:rPr>
-              <a:t> </a:t>
-            </a:r>
-            <a:r>
-              <a:rPr lang="en-GB" sz="4400" b="1" dirty="0">
-                <a:solidFill>
-                  <a:schemeClr val="accent1">
-                    <a:lumMod val="10000"/>
-                  </a:schemeClr>
-                </a:solidFill>
-                <a:latin typeface="Segoe UI"/>
-                <a:sym typeface="Arial"/>
-              </a:rPr>
-              <a:t>improving</a:t>
+              <a:t>complex</a:t>
             </a:r>
           </a:p>
           <a:p>
@@ -9182,36 +9229,25 @@
               <a:defRPr/>
             </a:pPr>
             <a:r>
-              <a:rPr lang="en-GB" sz="4400" dirty="0">
+              <a:rPr kumimoji="0" lang="en-GB" sz="4400" b="0" i="0" u="none" strike="noStrike" kern="1200" cap="none" spc="0" normalizeH="0" baseline="0" noProof="0" dirty="0">
+                <a:ln>
+                  <a:noFill/>
+                </a:ln>
                 <a:solidFill>
                   <a:schemeClr val="accent1">
                     <a:lumMod val="10000"/>
                   </a:schemeClr>
                 </a:solidFill>
+                <a:effectLst/>
+                <a:uLnTx/>
+                <a:uFillTx/>
                 <a:latin typeface="Segoe UI"/>
+                <a:ea typeface="+mn-ea"/>
+                <a:cs typeface="+mn-cs"/>
                 <a:sym typeface="Arial"/>
               </a:rPr>
-              <a:t>Easy to use</a:t>
-            </a:r>
-          </a:p>
-          <a:p>
-            <a:pPr marL="457200" marR="0" lvl="1" indent="-457200" algn="l" defTabSz="932719" rtl="0" eaLnBrk="1" fontAlgn="auto" latinLnBrk="0" hangingPunct="1">
-              <a:lnSpc>
-                <a:spcPct val="100000"/>
-              </a:lnSpc>
-              <a:spcBef>
-                <a:spcPts val="0"/>
-              </a:spcBef>
-              <a:spcAft>
-                <a:spcPts val="600"/>
-              </a:spcAft>
-              <a:buClrTx/>
-              <a:buSzPct val="90000"/>
-              <a:buFont typeface="Arial" panose="020B0604020202020204" pitchFamily="34" charset="0"/>
-              <a:buChar char="•"/>
-              <a:tabLst/>
-              <a:defRPr/>
-            </a:pPr>
+              <a:t>It costs money</a:t>
+            </a:r>
             <a:endParaRPr kumimoji="0" lang="en-US" sz="4400" b="0" i="0" u="none" strike="noStrike" kern="1200" cap="none" spc="0" normalizeH="0" baseline="0" noProof="0" dirty="0">
               <a:ln>
                 <a:noFill/>
@@ -9235,7 +9271,7 @@
     </p:spTree>
     <p:extLst>
       <p:ext uri="{BB962C8B-B14F-4D97-AF65-F5344CB8AC3E}">
-        <p14:creationId xmlns:p14="http://schemas.microsoft.com/office/powerpoint/2010/main" val="2683661030"/>
+        <p14:creationId xmlns:p14="http://schemas.microsoft.com/office/powerpoint/2010/main" val="47503800"/>
       </p:ext>
     </p:extLst>
   </p:cSld>
@@ -9245,18 +9281,12 @@
 </p:sld>
 </file>
 
-<file path=ppt/slides/slide7.xml><?xml version="1.0" encoding="utf-8"?>
+<file path=ppt/slides/slide6.xml><?xml version="1.0" encoding="utf-8"?>
 <p:sld xmlns:a="http://schemas.openxmlformats.org/drawingml/2006/main" xmlns:r="http://schemas.openxmlformats.org/officeDocument/2006/relationships" xmlns:p="http://schemas.openxmlformats.org/presentationml/2006/main">
   <p:cSld>
     <p:spTree>
       <p:nvGrpSpPr>
-        <p:cNvPr id="1" name="">
-          <a:extLst>
-            <a:ext uri="{FF2B5EF4-FFF2-40B4-BE49-F238E27FC236}">
-              <a16:creationId xmlns:a16="http://schemas.microsoft.com/office/drawing/2014/main" id="{0C6EAB66-808E-AAC2-21CB-D4B302FB194D}"/>
-            </a:ext>
-          </a:extLst>
-        </p:cNvPr>
+        <p:cNvPr id="1" name=""/>
         <p:cNvGrpSpPr/>
         <p:nvPr/>
       </p:nvGrpSpPr>
@@ -9270,10 +9300,10 @@
       </p:grpSpPr>
       <p:sp>
         <p:nvSpPr>
-          <p:cNvPr id="2" name="Title 3">
-            <a:extLst>
-              <a:ext uri="{FF2B5EF4-FFF2-40B4-BE49-F238E27FC236}">
-                <a16:creationId xmlns:a16="http://schemas.microsoft.com/office/drawing/2014/main" id="{3810E90C-3371-A449-BA31-8675097BADA5}"/>
+          <p:cNvPr id="4" name="Title 1">
+            <a:extLst>
+              <a:ext uri="{FF2B5EF4-FFF2-40B4-BE49-F238E27FC236}">
+                <a16:creationId xmlns:a16="http://schemas.microsoft.com/office/drawing/2014/main" id="{45AB27C6-91EE-7660-E722-4B847682D784}"/>
               </a:ext>
             </a:extLst>
           </p:cNvPr>
@@ -9284,213 +9314,17 @@
             <p:ph type="title"/>
           </p:nvPr>
         </p:nvSpPr>
-        <p:spPr>
-          <a:xfrm>
-            <a:off x="1842308" y="3189791"/>
-            <a:ext cx="8507383" cy="1107996"/>
-          </a:xfrm>
-        </p:spPr>
+        <p:spPr/>
         <p:txBody>
-          <a:bodyPr/>
-          <a:lstStyle/>
-          <a:p>
-            <a:pPr algn="ctr"/>
-            <a:r>
-              <a:rPr kumimoji="0" lang="en-GB" sz="7200" b="0" i="0" u="none" strike="noStrike" kern="1200" cap="none" spc="-50" normalizeH="0" baseline="0" noProof="0" dirty="0">
-                <a:ln w="3175">
-                  <a:noFill/>
-                </a:ln>
-                <a:effectLst/>
-                <a:uLnTx/>
-                <a:uFillTx/>
-                <a:latin typeface="Segoe UI Semibold"/>
-                <a:ea typeface="+mn-ea"/>
-                <a:cs typeface="Segoe UI" pitchFamily="34" charset="0"/>
-              </a:rPr>
-              <a:t>Semantic Kernel</a:t>
-            </a:r>
-            <a:endParaRPr lang="en-US" sz="7200" dirty="0"/>
-          </a:p>
-        </p:txBody>
-      </p:sp>
-      <p:sp>
-        <p:nvSpPr>
-          <p:cNvPr id="3" name="TextBox 2">
-            <a:extLst>
-              <a:ext uri="{FF2B5EF4-FFF2-40B4-BE49-F238E27FC236}">
-                <a16:creationId xmlns:a16="http://schemas.microsoft.com/office/drawing/2014/main" id="{39D114D9-06D9-7C07-5C01-7B6211E16B8E}"/>
-              </a:ext>
-            </a:extLst>
-          </p:cNvPr>
-          <p:cNvSpPr txBox="1"/>
-          <p:nvPr/>
-        </p:nvSpPr>
-        <p:spPr>
-          <a:xfrm>
-            <a:off x="3972656" y="4297787"/>
-            <a:ext cx="4246685" cy="355482"/>
-          </a:xfrm>
-          <a:prstGeom prst="rect">
-            <a:avLst/>
-          </a:prstGeom>
-          <a:noFill/>
-        </p:spPr>
-        <p:txBody>
-          <a:bodyPr wrap="square">
-            <a:spAutoFit/>
-          </a:bodyPr>
-          <a:lstStyle/>
-          <a:p>
-            <a:pPr marR="0" lvl="0" indent="0" algn="ctr" fontAlgn="auto">
-              <a:lnSpc>
-                <a:spcPct val="95000"/>
-              </a:lnSpc>
-              <a:spcBef>
-                <a:spcPts val="0"/>
-              </a:spcBef>
-              <a:spcAft>
-                <a:spcPts val="0"/>
-              </a:spcAft>
-              <a:buClrTx/>
-              <a:buSzTx/>
-              <a:buFontTx/>
-              <a:buNone/>
-              <a:defRPr/>
-            </a:pPr>
-            <a:r>
-              <a:rPr lang="en-GB" sz="1800" b="1" dirty="0">
-                <a:solidFill>
-                  <a:schemeClr val="accent1">
-                    <a:lumMod val="10000"/>
-                  </a:schemeClr>
-                </a:solidFill>
-                <a:latin typeface="Segoe UI Semibold" panose="020F0502020204030204" pitchFamily="34" charset="0"/>
-              </a:rPr>
-              <a:t>AI for you made easy!</a:t>
-            </a:r>
-            <a:endParaRPr lang="en-US" sz="1800" b="1" dirty="0">
-              <a:solidFill>
-                <a:schemeClr val="accent1">
-                  <a:lumMod val="10000"/>
-                </a:schemeClr>
-              </a:solidFill>
-              <a:latin typeface="Segoe UI Semibold" panose="020F0502020204030204" pitchFamily="34" charset="0"/>
-            </a:endParaRPr>
-          </a:p>
-        </p:txBody>
-      </p:sp>
-      <p:pic>
-        <p:nvPicPr>
-          <p:cNvPr id="4" name="Picture 2" descr="Semantic Kernel's new icon and the art of teamwork | Semantic Kernel">
-            <a:extLst>
-              <a:ext uri="{FF2B5EF4-FFF2-40B4-BE49-F238E27FC236}">
-                <a16:creationId xmlns:a16="http://schemas.microsoft.com/office/drawing/2014/main" id="{BF80D82A-604C-C970-9EBF-3F73C8E0BDD9}"/>
-              </a:ext>
-            </a:extLst>
-          </p:cNvPr>
-          <p:cNvPicPr>
-            <a:picLocks noChangeAspect="1" noChangeArrowheads="1"/>
-          </p:cNvPicPr>
-          <p:nvPr/>
-        </p:nvPicPr>
-        <p:blipFill>
-          <a:blip r:embed="rId2">
-            <a:extLst>
-              <a:ext uri="{28A0092B-C50C-407E-A947-70E740481C1C}">
-                <a14:useLocalDpi xmlns:a14="http://schemas.microsoft.com/office/drawing/2010/main" val="0"/>
-              </a:ext>
-            </a:extLst>
-          </a:blip>
-          <a:srcRect/>
-          <a:stretch>
-            <a:fillRect/>
-          </a:stretch>
-        </p:blipFill>
-        <p:spPr bwMode="auto">
-          <a:xfrm>
-            <a:off x="5374929" y="1603196"/>
-            <a:ext cx="1442142" cy="1442142"/>
-          </a:xfrm>
-          <a:prstGeom prst="rect">
-            <a:avLst/>
-          </a:prstGeom>
-          <a:noFill/>
-          <a:extLst>
-            <a:ext uri="{909E8E84-426E-40DD-AFC4-6F175D3DCCD1}">
-              <a14:hiddenFill xmlns:a14="http://schemas.microsoft.com/office/drawing/2010/main">
-                <a:solidFill>
-                  <a:srgbClr val="FFFFFF"/>
-                </a:solidFill>
-              </a14:hiddenFill>
-            </a:ext>
-          </a:extLst>
-        </p:spPr>
-      </p:pic>
-    </p:spTree>
-    <p:extLst>
-      <p:ext uri="{BB962C8B-B14F-4D97-AF65-F5344CB8AC3E}">
-        <p14:creationId xmlns:p14="http://schemas.microsoft.com/office/powerpoint/2010/main" val="1374722259"/>
-      </p:ext>
-    </p:extLst>
-  </p:cSld>
-  <p:clrMapOvr>
-    <a:masterClrMapping/>
-  </p:clrMapOvr>
-</p:sld>
-</file>
-
-<file path=ppt/slides/slide8.xml><?xml version="1.0" encoding="utf-8"?>
-<p:sld xmlns:a="http://schemas.openxmlformats.org/drawingml/2006/main" xmlns:r="http://schemas.openxmlformats.org/officeDocument/2006/relationships" xmlns:p="http://schemas.openxmlformats.org/presentationml/2006/main">
-  <p:cSld>
-    <p:spTree>
-      <p:nvGrpSpPr>
-        <p:cNvPr id="1" name="">
-          <a:extLst>
-            <a:ext uri="{FF2B5EF4-FFF2-40B4-BE49-F238E27FC236}">
-              <a16:creationId xmlns:a16="http://schemas.microsoft.com/office/drawing/2014/main" id="{4F354ABD-5746-CE9D-810E-382E7F26A126}"/>
-            </a:ext>
-          </a:extLst>
-        </p:cNvPr>
-        <p:cNvGrpSpPr/>
-        <p:nvPr/>
-      </p:nvGrpSpPr>
-      <p:grpSpPr>
-        <a:xfrm>
-          <a:off x="0" y="0"/>
-          <a:ext cx="0" cy="0"/>
-          <a:chOff x="0" y="0"/>
-          <a:chExt cx="0" cy="0"/>
-        </a:xfrm>
-      </p:grpSpPr>
-      <p:sp>
-        <p:nvSpPr>
-          <p:cNvPr id="2" name="Title 1">
-            <a:extLst>
-              <a:ext uri="{FF2B5EF4-FFF2-40B4-BE49-F238E27FC236}">
-                <a16:creationId xmlns:a16="http://schemas.microsoft.com/office/drawing/2014/main" id="{67E31954-765A-6011-695B-67FF3FE447EF}"/>
-              </a:ext>
-            </a:extLst>
-          </p:cNvPr>
-          <p:cNvSpPr>
-            <a:spLocks noGrp="1"/>
-          </p:cNvSpPr>
-          <p:nvPr>
-            <p:ph type="title"/>
-          </p:nvPr>
-        </p:nvSpPr>
-        <p:spPr>
-          <a:xfrm>
-            <a:off x="838200" y="365125"/>
-            <a:ext cx="10515600" cy="1325563"/>
-          </a:xfrm>
-        </p:spPr>
-        <p:txBody>
-          <a:bodyPr anchor="ctr">
+          <a:bodyPr>
             <a:normAutofit/>
           </a:bodyPr>
           <a:lstStyle/>
           <a:p>
-            <a:pPr marL="0" marR="0" lvl="0" indent="0" defTabSz="932742" rtl="0" eaLnBrk="1" fontAlgn="auto" latinLnBrk="0" hangingPunct="1">
+            <a:pPr marL="0" marR="0" lvl="0" indent="0" algn="ctr" defTabSz="932742" rtl="0" eaLnBrk="1" fontAlgn="auto" latinLnBrk="0" hangingPunct="1">
+              <a:lnSpc>
+                <a:spcPct val="100000"/>
+              </a:lnSpc>
               <a:spcBef>
                 <a:spcPct val="0"/>
               </a:spcBef>
@@ -9505,26 +9339,53 @@
               <a:defRPr/>
             </a:pPr>
             <a:r>
-              <a:rPr lang="en-GB" sz="5400" b="1" dirty="0"/>
-              <a:t>What is Semantic Kernel?</a:t>
-            </a:r>
-            <a:endParaRPr kumimoji="0" lang="en-GB" sz="5400" b="1" i="0" u="none" strike="noStrike" kern="1200" cap="none" spc="-50" normalizeH="0" baseline="0" noProof="0" dirty="0">
+              <a:rPr kumimoji="0" lang="en-GB" sz="6000" b="0" i="0" u="none" strike="noStrike" kern="1200" cap="none" spc="-50" normalizeH="0" baseline="0" noProof="0" dirty="0">
+                <a:ln w="3175">
+                  <a:noFill/>
+                </a:ln>
+                <a:effectLst/>
+                <a:uLnTx/>
+                <a:uFillTx/>
+                <a:latin typeface="Segoe UI Semibold"/>
+                <a:ea typeface="+mn-ea"/>
+                <a:cs typeface="Segoe UI" pitchFamily="34" charset="0"/>
+              </a:rPr>
+              <a:t>How</a:t>
+            </a:r>
+            <a:r>
+              <a:rPr kumimoji="0" lang="en-GB" sz="6000" b="0" i="0" u="none" strike="noStrike" kern="1200" cap="none" spc="-50" normalizeH="0" noProof="0" dirty="0">
+                <a:ln w="3175">
+                  <a:noFill/>
+                </a:ln>
+                <a:effectLst/>
+                <a:uLnTx/>
+                <a:uFillTx/>
+                <a:latin typeface="Segoe UI Semibold"/>
+                <a:ea typeface="+mn-ea"/>
+                <a:cs typeface="Segoe UI" pitchFamily="34" charset="0"/>
+              </a:rPr>
+              <a:t> should they apps be?</a:t>
+            </a:r>
+            <a:endParaRPr kumimoji="0" lang="en-GB" sz="6000" b="0" i="0" u="none" strike="noStrike" kern="1200" cap="none" spc="-50" normalizeH="0" baseline="0" noProof="0" dirty="0">
               <a:ln w="3175">
                 <a:noFill/>
               </a:ln>
               <a:effectLst/>
               <a:uLnTx/>
               <a:uFillTx/>
+              <a:latin typeface="Segoe UI Semibold"/>
+              <a:ea typeface="+mn-ea"/>
+              <a:cs typeface="Segoe UI" pitchFamily="34" charset="0"/>
             </a:endParaRPr>
           </a:p>
         </p:txBody>
       </p:sp>
       <p:sp>
         <p:nvSpPr>
-          <p:cNvPr id="3" name="Text Placeholder 7">
-            <a:extLst>
-              <a:ext uri="{FF2B5EF4-FFF2-40B4-BE49-F238E27FC236}">
-                <a16:creationId xmlns:a16="http://schemas.microsoft.com/office/drawing/2014/main" id="{15E816FF-B601-4D5B-4C6A-CCD7165E36BE}"/>
+          <p:cNvPr id="5" name="Text Placeholder 7">
+            <a:extLst>
+              <a:ext uri="{FF2B5EF4-FFF2-40B4-BE49-F238E27FC236}">
+                <a16:creationId xmlns:a16="http://schemas.microsoft.com/office/drawing/2014/main" id="{9FD38C88-4342-0879-1A70-3C26E44F8814}"/>
               </a:ext>
             </a:extLst>
           </p:cNvPr>
@@ -9535,17 +9396,15 @@
         </p:nvSpPr>
         <p:spPr>
           <a:xfrm>
-            <a:off x="6191248" y="1825625"/>
-            <a:ext cx="5162549" cy="4351338"/>
+            <a:off x="1903751" y="1858780"/>
+            <a:ext cx="8739264" cy="3934918"/>
           </a:xfrm>
           <a:prstGeom prst="rect">
             <a:avLst/>
           </a:prstGeom>
         </p:spPr>
         <p:txBody>
-          <a:bodyPr vert="horz" lIns="91440" tIns="45720" rIns="91440" bIns="45720" rtlCol="0">
-            <a:normAutofit lnSpcReduction="10000"/>
-          </a:bodyPr>
+          <a:bodyPr/>
           <a:lstStyle>
             <a:lvl1pPr marL="0" marR="0" indent="0" algn="l" defTabSz="932742" rtl="0" eaLnBrk="1" fontAlgn="auto" latinLnBrk="0" hangingPunct="1">
               <a:lnSpc>
@@ -9759,136 +9618,662 @@
             </a:lvl9pPr>
           </a:lstStyle>
           <a:p>
-            <a:pPr marR="0" lvl="1" defTabSz="914400" fontAlgn="auto">
+            <a:pPr marL="457200" marR="0" lvl="1" indent="-457200" algn="l" defTabSz="932719" rtl="0" eaLnBrk="1" fontAlgn="auto" latinLnBrk="0" hangingPunct="1">
+              <a:lnSpc>
+                <a:spcPct val="100000"/>
+              </a:lnSpc>
               <a:spcBef>
-                <a:spcPts val="1000"/>
+                <a:spcPts val="0"/>
               </a:spcBef>
               <a:spcAft>
                 <a:spcPts val="600"/>
               </a:spcAft>
               <a:buClrTx/>
               <a:buSzPct val="90000"/>
+              <a:buFont typeface="Arial" panose="020B0604020202020204" pitchFamily="34" charset="0"/>
+              <a:buChar char="•"/>
               <a:tabLst/>
               <a:defRPr/>
             </a:pPr>
             <a:r>
-              <a:rPr kumimoji="0" lang="en-US" sz="3600" b="1" i="0" u="none" strike="noStrike" kern="1200" cap="none" spc="0" normalizeH="0" baseline="0" noProof="0" dirty="0">
-                <a:ln>
-                  <a:noFill/>
-                </a:ln>
+              <a:rPr lang="en-GB" sz="4400" b="1" dirty="0">
                 <a:solidFill>
                   <a:schemeClr val="accent1">
                     <a:lumMod val="10000"/>
                   </a:schemeClr>
                 </a:solidFill>
+                <a:latin typeface="Segoe UI"/>
+                <a:sym typeface="Arial"/>
+              </a:rPr>
+              <a:t>“Human” interactions</a:t>
+            </a:r>
+          </a:p>
+          <a:p>
+            <a:pPr marL="457200" marR="0" lvl="1" indent="-457200" algn="l" defTabSz="932719" rtl="0" eaLnBrk="1" fontAlgn="auto" latinLnBrk="0" hangingPunct="1">
+              <a:lnSpc>
+                <a:spcPct val="100000"/>
+              </a:lnSpc>
+              <a:spcBef>
+                <a:spcPts val="0"/>
+              </a:spcBef>
+              <a:spcAft>
+                <a:spcPts val="600"/>
+              </a:spcAft>
+              <a:buClrTx/>
+              <a:buSzPct val="90000"/>
+              <a:buFont typeface="Arial" panose="020B0604020202020204" pitchFamily="34" charset="0"/>
+              <a:buChar char="•"/>
+              <a:tabLst/>
+              <a:defRPr/>
+            </a:pPr>
+            <a:r>
+              <a:rPr lang="en-GB" sz="4400" b="1" dirty="0">
+                <a:solidFill>
+                  <a:schemeClr val="accent1">
+                    <a:lumMod val="10000"/>
+                  </a:schemeClr>
+                </a:solidFill>
+                <a:latin typeface="Segoe UI"/>
+                <a:sym typeface="Arial"/>
+              </a:rPr>
+              <a:t>Personalized</a:t>
+            </a:r>
+            <a:r>
+              <a:rPr lang="en-GB" sz="4400" dirty="0">
+                <a:solidFill>
+                  <a:schemeClr val="accent1">
+                    <a:lumMod val="10000"/>
+                  </a:schemeClr>
+                </a:solidFill>
+                <a:latin typeface="Segoe UI"/>
+                <a:sym typeface="Arial"/>
+              </a:rPr>
+              <a:t> experience</a:t>
+            </a:r>
+          </a:p>
+          <a:p>
+            <a:pPr marL="457200" marR="0" lvl="1" indent="-457200" algn="l" defTabSz="932719" rtl="0" eaLnBrk="1" fontAlgn="auto" latinLnBrk="0" hangingPunct="1">
+              <a:lnSpc>
+                <a:spcPct val="100000"/>
+              </a:lnSpc>
+              <a:spcBef>
+                <a:spcPts val="0"/>
+              </a:spcBef>
+              <a:spcAft>
+                <a:spcPts val="600"/>
+              </a:spcAft>
+              <a:buClrTx/>
+              <a:buSzPct val="90000"/>
+              <a:buFont typeface="Arial" panose="020B0604020202020204" pitchFamily="34" charset="0"/>
+              <a:buChar char="•"/>
+              <a:tabLst/>
+              <a:defRPr/>
+            </a:pPr>
+            <a:r>
+              <a:rPr lang="en-GB" sz="4400" dirty="0">
+                <a:solidFill>
+                  <a:schemeClr val="accent1">
+                    <a:lumMod val="10000"/>
+                  </a:schemeClr>
+                </a:solidFill>
+                <a:latin typeface="Segoe UI"/>
+                <a:sym typeface="Arial"/>
+              </a:rPr>
+              <a:t>Our data and our logic</a:t>
+            </a:r>
+          </a:p>
+          <a:p>
+            <a:pPr marL="457200" marR="0" lvl="1" indent="-457200" algn="l" defTabSz="932719" rtl="0" eaLnBrk="1" fontAlgn="auto" latinLnBrk="0" hangingPunct="1">
+              <a:lnSpc>
+                <a:spcPct val="100000"/>
+              </a:lnSpc>
+              <a:spcBef>
+                <a:spcPts val="0"/>
+              </a:spcBef>
+              <a:spcAft>
+                <a:spcPts val="600"/>
+              </a:spcAft>
+              <a:buClrTx/>
+              <a:buSzPct val="90000"/>
+              <a:buFont typeface="Arial" panose="020B0604020202020204" pitchFamily="34" charset="0"/>
+              <a:buChar char="•"/>
+              <a:tabLst/>
+              <a:defRPr/>
+            </a:pPr>
+            <a:r>
+              <a:rPr lang="en-GB" sz="4400" b="1" dirty="0">
+                <a:solidFill>
+                  <a:schemeClr val="accent1">
+                    <a:lumMod val="10000"/>
+                  </a:schemeClr>
+                </a:solidFill>
+                <a:latin typeface="Segoe UI"/>
+                <a:sym typeface="Arial"/>
+              </a:rPr>
+              <a:t>Keeps</a:t>
+            </a:r>
+            <a:r>
+              <a:rPr lang="en-GB" sz="4400" dirty="0">
+                <a:solidFill>
+                  <a:schemeClr val="accent1">
+                    <a:lumMod val="10000"/>
+                  </a:schemeClr>
+                </a:solidFill>
+                <a:latin typeface="Segoe UI"/>
+                <a:sym typeface="Arial"/>
+              </a:rPr>
+              <a:t> </a:t>
+            </a:r>
+            <a:r>
+              <a:rPr lang="en-GB" sz="4400" b="1" dirty="0">
+                <a:solidFill>
+                  <a:schemeClr val="accent1">
+                    <a:lumMod val="10000"/>
+                  </a:schemeClr>
+                </a:solidFill>
+                <a:latin typeface="Segoe UI"/>
+                <a:sym typeface="Arial"/>
+              </a:rPr>
+              <a:t>improving</a:t>
+            </a:r>
+          </a:p>
+          <a:p>
+            <a:pPr marL="457200" marR="0" lvl="1" indent="-457200" algn="l" defTabSz="932719" rtl="0" eaLnBrk="1" fontAlgn="auto" latinLnBrk="0" hangingPunct="1">
+              <a:lnSpc>
+                <a:spcPct val="100000"/>
+              </a:lnSpc>
+              <a:spcBef>
+                <a:spcPts val="0"/>
+              </a:spcBef>
+              <a:spcAft>
+                <a:spcPts val="600"/>
+              </a:spcAft>
+              <a:buClrTx/>
+              <a:buSzPct val="90000"/>
+              <a:buFont typeface="Arial" panose="020B0604020202020204" pitchFamily="34" charset="0"/>
+              <a:buChar char="•"/>
+              <a:tabLst/>
+              <a:defRPr/>
+            </a:pPr>
+            <a:r>
+              <a:rPr lang="en-GB" sz="4400" dirty="0">
+                <a:solidFill>
+                  <a:schemeClr val="accent1">
+                    <a:lumMod val="10000"/>
+                  </a:schemeClr>
+                </a:solidFill>
+                <a:latin typeface="Segoe UI"/>
+                <a:sym typeface="Arial"/>
+              </a:rPr>
+              <a:t>Easy to use</a:t>
+            </a:r>
+          </a:p>
+          <a:p>
+            <a:pPr marL="457200" marR="0" lvl="1" indent="-457200" algn="l" defTabSz="932719" rtl="0" eaLnBrk="1" fontAlgn="auto" latinLnBrk="0" hangingPunct="1">
+              <a:lnSpc>
+                <a:spcPct val="100000"/>
+              </a:lnSpc>
+              <a:spcBef>
+                <a:spcPts val="0"/>
+              </a:spcBef>
+              <a:spcAft>
+                <a:spcPts val="600"/>
+              </a:spcAft>
+              <a:buClrTx/>
+              <a:buSzPct val="90000"/>
+              <a:buFont typeface="Arial" panose="020B0604020202020204" pitchFamily="34" charset="0"/>
+              <a:buChar char="•"/>
+              <a:tabLst/>
+              <a:defRPr/>
+            </a:pPr>
+            <a:endParaRPr kumimoji="0" lang="en-US" sz="4400" b="0" i="0" u="none" strike="noStrike" kern="1200" cap="none" spc="0" normalizeH="0" baseline="0" noProof="0" dirty="0">
+              <a:ln>
+                <a:noFill/>
+              </a:ln>
+              <a:solidFill>
+                <a:schemeClr val="accent1">
+                  <a:lumMod val="10000"/>
+                </a:schemeClr>
+              </a:solidFill>
+              <a:effectLst/>
+              <a:uLnTx/>
+              <a:uFillTx/>
+              <a:latin typeface="Segoe UI"/>
+              <a:ea typeface="+mn-ea"/>
+              <a:cs typeface="+mn-cs"/>
+              <a:sym typeface="Arial"/>
+            </a:endParaRPr>
+          </a:p>
+        </p:txBody>
+      </p:sp>
+    </p:spTree>
+    <p:extLst>
+      <p:ext uri="{BB962C8B-B14F-4D97-AF65-F5344CB8AC3E}">
+        <p14:creationId xmlns:p14="http://schemas.microsoft.com/office/powerpoint/2010/main" val="2683661030"/>
+      </p:ext>
+    </p:extLst>
+  </p:cSld>
+  <p:clrMapOvr>
+    <a:masterClrMapping/>
+  </p:clrMapOvr>
+</p:sld>
+</file>
+
+<file path=ppt/slides/slide7.xml><?xml version="1.0" encoding="utf-8"?>
+<p:sld xmlns:a="http://schemas.openxmlformats.org/drawingml/2006/main" xmlns:r="http://schemas.openxmlformats.org/officeDocument/2006/relationships" xmlns:p="http://schemas.openxmlformats.org/presentationml/2006/main">
+  <p:cSld>
+    <p:spTree>
+      <p:nvGrpSpPr>
+        <p:cNvPr id="1" name="">
+          <a:extLst>
+            <a:ext uri="{FF2B5EF4-FFF2-40B4-BE49-F238E27FC236}">
+              <a16:creationId xmlns:a16="http://schemas.microsoft.com/office/drawing/2014/main" id="{2683F679-4AC4-5F36-6A46-BFA2212B26C7}"/>
+            </a:ext>
+          </a:extLst>
+        </p:cNvPr>
+        <p:cNvGrpSpPr/>
+        <p:nvPr/>
+      </p:nvGrpSpPr>
+      <p:grpSpPr>
+        <a:xfrm>
+          <a:off x="0" y="0"/>
+          <a:ext cx="0" cy="0"/>
+          <a:chOff x="0" y="0"/>
+          <a:chExt cx="0" cy="0"/>
+        </a:xfrm>
+      </p:grpSpPr>
+      <p:sp>
+        <p:nvSpPr>
+          <p:cNvPr id="4" name="Title 3">
+            <a:extLst>
+              <a:ext uri="{FF2B5EF4-FFF2-40B4-BE49-F238E27FC236}">
+                <a16:creationId xmlns:a16="http://schemas.microsoft.com/office/drawing/2014/main" id="{1EDD61A4-C65A-5833-5C3B-D2EB027F0DF2}"/>
+              </a:ext>
+            </a:extLst>
+          </p:cNvPr>
+          <p:cNvSpPr>
+            <a:spLocks noGrp="1"/>
+          </p:cNvSpPr>
+          <p:nvPr>
+            <p:ph type="title"/>
+          </p:nvPr>
+        </p:nvSpPr>
+        <p:spPr>
+          <a:xfrm>
+            <a:off x="1842306" y="1854805"/>
+            <a:ext cx="8507383" cy="2215991"/>
+          </a:xfrm>
+        </p:spPr>
+        <p:txBody>
+          <a:bodyPr>
+            <a:normAutofit fontScale="90000"/>
+          </a:bodyPr>
+          <a:lstStyle/>
+          <a:p>
+            <a:pPr algn="ctr"/>
+            <a:r>
+              <a:rPr kumimoji="0" lang="en-GB" sz="7200" b="0" i="0" u="none" strike="noStrike" kern="1200" cap="none" spc="-50" normalizeH="0" baseline="0" noProof="0" dirty="0">
+                <a:ln w="3175">
+                  <a:noFill/>
+                </a:ln>
                 <a:effectLst/>
                 <a:uLnTx/>
                 <a:uFillTx/>
+                <a:latin typeface="Segoe UI Semibold"/>
+                <a:ea typeface="+mn-ea"/>
+                <a:cs typeface="Segoe UI" pitchFamily="34" charset="0"/>
               </a:rPr>
-              <a:t>Semantic Kernel</a:t>
-            </a:r>
-            <a:r>
-              <a:rPr kumimoji="0" lang="en-US" sz="3600" b="0" i="0" u="none" strike="noStrike" kern="1200" cap="none" spc="0" normalizeH="0" baseline="0" noProof="0" dirty="0">
-                <a:ln>
+              <a:t>We are required to </a:t>
+            </a:r>
+            <a:r>
+              <a:rPr kumimoji="0" lang="en-GB" sz="7200" b="0" i="0" u="sng" strike="noStrike" kern="1200" cap="none" spc="-50" normalizeH="0" baseline="0" noProof="0" dirty="0">
+                <a:ln w="3175">
                   <a:noFill/>
                 </a:ln>
-                <a:solidFill>
-                  <a:schemeClr val="accent1">
-                    <a:lumMod val="10000"/>
-                  </a:schemeClr>
-                </a:solidFill>
                 <a:effectLst/>
                 <a:uLnTx/>
                 <a:uFillTx/>
+                <a:latin typeface="Segoe UI Semibold"/>
+                <a:ea typeface="+mn-ea"/>
+                <a:cs typeface="Segoe UI" pitchFamily="34" charset="0"/>
               </a:rPr>
-              <a:t> is a lightweight, open-source development kit that lets you easily </a:t>
-            </a:r>
-            <a:r>
-              <a:rPr kumimoji="0" lang="en-US" sz="3600" b="1" i="0" u="none" strike="noStrike" kern="1200" cap="none" spc="0" normalizeH="0" baseline="0" noProof="0" dirty="0">
-                <a:ln>
+              <a:t>understand</a:t>
+            </a:r>
+            <a:r>
+              <a:rPr kumimoji="0" lang="en-GB" sz="7200" b="0" i="0" u="none" strike="noStrike" kern="1200" cap="none" spc="-50" normalizeH="0" baseline="0" noProof="0" dirty="0">
+                <a:ln w="3175">
                   <a:noFill/>
                 </a:ln>
-                <a:solidFill>
-                  <a:schemeClr val="accent1">
-                    <a:lumMod val="10000"/>
-                  </a:schemeClr>
-                </a:solidFill>
                 <a:effectLst/>
                 <a:uLnTx/>
                 <a:uFillTx/>
+                <a:latin typeface="Segoe UI Semibold"/>
+                <a:ea typeface="+mn-ea"/>
+                <a:cs typeface="Segoe UI" pitchFamily="34" charset="0"/>
               </a:rPr>
-              <a:t>build AI agents </a:t>
-            </a:r>
-            <a:r>
-              <a:rPr kumimoji="0" lang="en-US" sz="3600" b="0" i="0" u="none" strike="noStrike" kern="1200" cap="none" spc="0" normalizeH="0" baseline="0" noProof="0" dirty="0">
-                <a:ln>
-                  <a:noFill/>
-                </a:ln>
-                <a:solidFill>
-                  <a:schemeClr val="accent1">
-                    <a:lumMod val="10000"/>
-                  </a:schemeClr>
-                </a:solidFill>
-                <a:effectLst/>
-                <a:uLnTx/>
-                <a:uFillTx/>
-              </a:rPr>
-              <a:t>and integrate the latest AI models into your C#, Python, or Java codebase. </a:t>
-            </a:r>
+              <a:t> the application…</a:t>
+            </a:r>
+            <a:endParaRPr lang="en-US" sz="7200" dirty="0"/>
           </a:p>
         </p:txBody>
       </p:sp>
-      <p:pic>
-        <p:nvPicPr>
-          <p:cNvPr id="2054" name="Picture 6" descr="Imagen de introducción">
-            <a:extLst>
-              <a:ext uri="{FF2B5EF4-FFF2-40B4-BE49-F238E27FC236}">
-                <a16:creationId xmlns:a16="http://schemas.microsoft.com/office/drawing/2014/main" id="{37ACD524-F91C-5E5C-9379-392AB46221B1}"/>
-              </a:ext>
-            </a:extLst>
-          </p:cNvPr>
-          <p:cNvPicPr>
-            <a:picLocks noChangeAspect="1" noChangeArrowheads="1"/>
-          </p:cNvPicPr>
+      <p:sp>
+        <p:nvSpPr>
+          <p:cNvPr id="5" name="TextBox 4">
+            <a:extLst>
+              <a:ext uri="{FF2B5EF4-FFF2-40B4-BE49-F238E27FC236}">
+                <a16:creationId xmlns:a16="http://schemas.microsoft.com/office/drawing/2014/main" id="{2763EF94-B258-CC33-CE15-9E2626807FB4}"/>
+              </a:ext>
+            </a:extLst>
+          </p:cNvPr>
+          <p:cNvSpPr txBox="1"/>
           <p:nvPr/>
-        </p:nvPicPr>
-        <p:blipFill>
-          <a:blip r:embed="rId3">
-            <a:extLst>
-              <a:ext uri="{28A0092B-C50C-407E-A947-70E740481C1C}">
-                <a14:useLocalDpi xmlns:a14="http://schemas.microsoft.com/office/drawing/2010/main" val="0"/>
-              </a:ext>
-            </a:extLst>
-          </a:blip>
-          <a:srcRect/>
-          <a:stretch>
-            <a:fillRect/>
-          </a:stretch>
-        </p:blipFill>
-        <p:spPr bwMode="auto">
-          <a:xfrm>
-            <a:off x="838200" y="1618969"/>
-            <a:ext cx="4809246" cy="4486275"/>
+        </p:nvSpPr>
+        <p:spPr>
+          <a:xfrm>
+            <a:off x="3972654" y="4349667"/>
+            <a:ext cx="4246685" cy="355482"/>
           </a:xfrm>
           <a:prstGeom prst="rect">
             <a:avLst/>
           </a:prstGeom>
           <a:noFill/>
-          <a:extLst>
-            <a:ext uri="{909E8E84-426E-40DD-AFC4-6F175D3DCCD1}">
-              <a14:hiddenFill xmlns:a14="http://schemas.microsoft.com/office/drawing/2010/main">
-                <a:solidFill>
-                  <a:srgbClr val="FFFFFF"/>
-                </a:solidFill>
-              </a14:hiddenFill>
-            </a:ext>
-          </a:extLst>
-        </p:spPr>
-      </p:pic>
+        </p:spPr>
+        <p:txBody>
+          <a:bodyPr wrap="square">
+            <a:spAutoFit/>
+          </a:bodyPr>
+          <a:lstStyle/>
+          <a:p>
+            <a:pPr marR="0" lvl="0" indent="0" algn="ctr" fontAlgn="auto">
+              <a:lnSpc>
+                <a:spcPct val="95000"/>
+              </a:lnSpc>
+              <a:spcBef>
+                <a:spcPts val="0"/>
+              </a:spcBef>
+              <a:spcAft>
+                <a:spcPts val="0"/>
+              </a:spcAft>
+              <a:buClrTx/>
+              <a:buSzTx/>
+              <a:buFontTx/>
+              <a:buNone/>
+              <a:defRPr/>
+            </a:pPr>
+            <a:r>
+              <a:rPr lang="en-GB" sz="1800" b="1" dirty="0">
+                <a:solidFill>
+                  <a:schemeClr val="accent1">
+                    <a:lumMod val="10000"/>
+                  </a:schemeClr>
+                </a:solidFill>
+                <a:latin typeface="Segoe UI Semibold" panose="020F0502020204030204" pitchFamily="34" charset="0"/>
+              </a:rPr>
+              <a:t>And it currently works!</a:t>
+            </a:r>
+            <a:endParaRPr lang="en-US" sz="1800" b="1" dirty="0">
+              <a:solidFill>
+                <a:schemeClr val="accent1">
+                  <a:lumMod val="10000"/>
+                </a:schemeClr>
+              </a:solidFill>
+              <a:latin typeface="Segoe UI Semibold" panose="020F0502020204030204" pitchFamily="34" charset="0"/>
+            </a:endParaRPr>
+          </a:p>
+        </p:txBody>
+      </p:sp>
+      <p:sp>
+        <p:nvSpPr>
+          <p:cNvPr id="7" name="TextBox 6">
+            <a:extLst>
+              <a:ext uri="{FF2B5EF4-FFF2-40B4-BE49-F238E27FC236}">
+                <a16:creationId xmlns:a16="http://schemas.microsoft.com/office/drawing/2014/main" id="{02D612E1-F428-04BC-9644-4D1A661ADEEF}"/>
+              </a:ext>
+            </a:extLst>
+          </p:cNvPr>
+          <p:cNvSpPr txBox="1"/>
+          <p:nvPr/>
+        </p:nvSpPr>
+        <p:spPr>
+          <a:xfrm>
+            <a:off x="9829316" y="6457136"/>
+            <a:ext cx="2399470" cy="369332"/>
+          </a:xfrm>
+          <a:prstGeom prst="rect">
+            <a:avLst/>
+          </a:prstGeom>
+          <a:noFill/>
+        </p:spPr>
+        <p:txBody>
+          <a:bodyPr wrap="square">
+            <a:spAutoFit/>
+          </a:bodyPr>
+          <a:lstStyle/>
+          <a:p>
+            <a:r>
+              <a:rPr lang="en-GB" sz="1800" dirty="0"/>
+              <a:t>@emimontesdeocaa</a:t>
+            </a:r>
+          </a:p>
+        </p:txBody>
+      </p:sp>
     </p:spTree>
     <p:extLst>
       <p:ext uri="{BB962C8B-B14F-4D97-AF65-F5344CB8AC3E}">
-        <p14:creationId xmlns:p14="http://schemas.microsoft.com/office/powerpoint/2010/main" val="564408210"/>
+        <p14:creationId xmlns:p14="http://schemas.microsoft.com/office/powerpoint/2010/main" val="2572669657"/>
+      </p:ext>
+    </p:extLst>
+  </p:cSld>
+  <p:clrMapOvr>
+    <a:masterClrMapping/>
+  </p:clrMapOvr>
+</p:sld>
+</file>
+
+<file path=ppt/slides/slide8.xml><?xml version="1.0" encoding="utf-8"?>
+<p:sld xmlns:a="http://schemas.openxmlformats.org/drawingml/2006/main" xmlns:r="http://schemas.openxmlformats.org/officeDocument/2006/relationships" xmlns:p="http://schemas.openxmlformats.org/presentationml/2006/main">
+  <p:cSld>
+    <p:spTree>
+      <p:nvGrpSpPr>
+        <p:cNvPr id="1" name="">
+          <a:extLst>
+            <a:ext uri="{FF2B5EF4-FFF2-40B4-BE49-F238E27FC236}">
+              <a16:creationId xmlns:a16="http://schemas.microsoft.com/office/drawing/2014/main" id="{AD2CD786-A533-C7DD-0168-CC3C3D129F97}"/>
+            </a:ext>
+          </a:extLst>
+        </p:cNvPr>
+        <p:cNvGrpSpPr/>
+        <p:nvPr/>
+      </p:nvGrpSpPr>
+      <p:grpSpPr>
+        <a:xfrm>
+          <a:off x="0" y="0"/>
+          <a:ext cx="0" cy="0"/>
+          <a:chOff x="0" y="0"/>
+          <a:chExt cx="0" cy="0"/>
+        </a:xfrm>
+      </p:grpSpPr>
+      <p:sp>
+        <p:nvSpPr>
+          <p:cNvPr id="4" name="Title 3">
+            <a:extLst>
+              <a:ext uri="{FF2B5EF4-FFF2-40B4-BE49-F238E27FC236}">
+                <a16:creationId xmlns:a16="http://schemas.microsoft.com/office/drawing/2014/main" id="{96BE20ED-9280-A086-2581-FE5743107EBC}"/>
+              </a:ext>
+            </a:extLst>
+          </p:cNvPr>
+          <p:cNvSpPr>
+            <a:spLocks noGrp="1"/>
+          </p:cNvSpPr>
+          <p:nvPr>
+            <p:ph type="title"/>
+          </p:nvPr>
+        </p:nvSpPr>
+        <p:spPr>
+          <a:xfrm>
+            <a:off x="1842306" y="1854805"/>
+            <a:ext cx="8507383" cy="2215991"/>
+          </a:xfrm>
+        </p:spPr>
+        <p:txBody>
+          <a:bodyPr>
+            <a:normAutofit fontScale="90000"/>
+          </a:bodyPr>
+          <a:lstStyle/>
+          <a:p>
+            <a:pPr algn="ctr"/>
+            <a:r>
+              <a:rPr kumimoji="0" lang="en-GB" sz="7200" b="0" i="0" u="none" strike="noStrike" kern="1200" cap="none" spc="-50" normalizeH="0" baseline="0" noProof="0" dirty="0">
+                <a:ln w="3175">
+                  <a:noFill/>
+                </a:ln>
+                <a:effectLst/>
+                <a:uLnTx/>
+                <a:uFillTx/>
+                <a:latin typeface="Segoe UI Semibold"/>
+                <a:ea typeface="+mn-ea"/>
+                <a:cs typeface="Segoe UI" pitchFamily="34" charset="0"/>
+              </a:rPr>
+              <a:t>…but the apps of the future will </a:t>
+            </a:r>
+            <a:r>
+              <a:rPr kumimoji="0" lang="en-GB" sz="7200" b="0" i="0" u="sng" strike="noStrike" kern="1200" cap="none" spc="-50" normalizeH="0" baseline="0" noProof="0" dirty="0">
+                <a:ln w="3175">
+                  <a:noFill/>
+                </a:ln>
+                <a:effectLst/>
+                <a:uLnTx/>
+                <a:uFillTx/>
+                <a:latin typeface="Segoe UI Semibold"/>
+                <a:ea typeface="+mn-ea"/>
+                <a:cs typeface="Segoe UI" pitchFamily="34" charset="0"/>
+              </a:rPr>
+              <a:t>understand</a:t>
+            </a:r>
+            <a:r>
+              <a:rPr kumimoji="0" lang="en-GB" sz="7200" b="0" i="0" u="none" strike="noStrike" kern="1200" cap="none" spc="-50" normalizeH="0" baseline="0" noProof="0" dirty="0">
+                <a:ln w="3175">
+                  <a:noFill/>
+                </a:ln>
+                <a:effectLst/>
+                <a:uLnTx/>
+                <a:uFillTx/>
+                <a:latin typeface="Segoe UI Semibold"/>
+                <a:ea typeface="+mn-ea"/>
+                <a:cs typeface="Segoe UI" pitchFamily="34" charset="0"/>
+              </a:rPr>
+              <a:t> us!</a:t>
+            </a:r>
+            <a:endParaRPr lang="en-US" sz="7200" dirty="0"/>
+          </a:p>
+        </p:txBody>
+      </p:sp>
+      <p:sp>
+        <p:nvSpPr>
+          <p:cNvPr id="5" name="TextBox 4">
+            <a:extLst>
+              <a:ext uri="{FF2B5EF4-FFF2-40B4-BE49-F238E27FC236}">
+                <a16:creationId xmlns:a16="http://schemas.microsoft.com/office/drawing/2014/main" id="{8812BC86-5D12-100C-EB96-EEB309B17DD5}"/>
+              </a:ext>
+            </a:extLst>
+          </p:cNvPr>
+          <p:cNvSpPr txBox="1"/>
+          <p:nvPr/>
+        </p:nvSpPr>
+        <p:spPr>
+          <a:xfrm>
+            <a:off x="3972654" y="4349667"/>
+            <a:ext cx="4246685" cy="355482"/>
+          </a:xfrm>
+          <a:prstGeom prst="rect">
+            <a:avLst/>
+          </a:prstGeom>
+          <a:noFill/>
+        </p:spPr>
+        <p:txBody>
+          <a:bodyPr wrap="square">
+            <a:spAutoFit/>
+          </a:bodyPr>
+          <a:lstStyle/>
+          <a:p>
+            <a:pPr marR="0" lvl="0" indent="0" algn="ctr" fontAlgn="auto">
+              <a:lnSpc>
+                <a:spcPct val="95000"/>
+              </a:lnSpc>
+              <a:spcBef>
+                <a:spcPts val="0"/>
+              </a:spcBef>
+              <a:spcAft>
+                <a:spcPts val="0"/>
+              </a:spcAft>
+              <a:buClrTx/>
+              <a:buSzTx/>
+              <a:buFontTx/>
+              <a:buNone/>
+              <a:defRPr/>
+            </a:pPr>
+            <a:r>
+              <a:rPr lang="en-GB" b="1" dirty="0">
+                <a:solidFill>
+                  <a:schemeClr val="accent1">
+                    <a:lumMod val="10000"/>
+                  </a:schemeClr>
+                </a:solidFill>
+                <a:latin typeface="Segoe UI Semibold" panose="020F0502020204030204" pitchFamily="34" charset="0"/>
+              </a:rPr>
+              <a:t>You can quote me on that!</a:t>
+            </a:r>
+            <a:endParaRPr lang="en-US" sz="1800" b="1" dirty="0">
+              <a:solidFill>
+                <a:schemeClr val="accent1">
+                  <a:lumMod val="10000"/>
+                </a:schemeClr>
+              </a:solidFill>
+              <a:latin typeface="Segoe UI Semibold" panose="020F0502020204030204" pitchFamily="34" charset="0"/>
+            </a:endParaRPr>
+          </a:p>
+        </p:txBody>
+      </p:sp>
+      <p:sp>
+        <p:nvSpPr>
+          <p:cNvPr id="7" name="TextBox 6">
+            <a:extLst>
+              <a:ext uri="{FF2B5EF4-FFF2-40B4-BE49-F238E27FC236}">
+                <a16:creationId xmlns:a16="http://schemas.microsoft.com/office/drawing/2014/main" id="{E1978EBE-E1BD-2B9A-1DB8-5DBF3E3DDF93}"/>
+              </a:ext>
+            </a:extLst>
+          </p:cNvPr>
+          <p:cNvSpPr txBox="1"/>
+          <p:nvPr/>
+        </p:nvSpPr>
+        <p:spPr>
+          <a:xfrm>
+            <a:off x="9829316" y="6457136"/>
+            <a:ext cx="2399470" cy="369332"/>
+          </a:xfrm>
+          <a:prstGeom prst="rect">
+            <a:avLst/>
+          </a:prstGeom>
+          <a:noFill/>
+        </p:spPr>
+        <p:txBody>
+          <a:bodyPr wrap="square">
+            <a:spAutoFit/>
+          </a:bodyPr>
+          <a:lstStyle/>
+          <a:p>
+            <a:r>
+              <a:rPr lang="en-GB" sz="1800" dirty="0"/>
+              <a:t>@emimontesdeocaa</a:t>
+            </a:r>
+          </a:p>
+        </p:txBody>
+      </p:sp>
+    </p:spTree>
+    <p:extLst>
+      <p:ext uri="{BB962C8B-B14F-4D97-AF65-F5344CB8AC3E}">
+        <p14:creationId xmlns:p14="http://schemas.microsoft.com/office/powerpoint/2010/main" val="3070977406"/>
       </p:ext>
     </p:extLst>
   </p:cSld>
@@ -9906,7 +10291,7 @@
         <p:cNvPr id="1" name="">
           <a:extLst>
             <a:ext uri="{FF2B5EF4-FFF2-40B4-BE49-F238E27FC236}">
-              <a16:creationId xmlns:a16="http://schemas.microsoft.com/office/drawing/2014/main" id="{215B0ACB-F89C-7036-FE4D-8E6E16BBCFD5}"/>
+              <a16:creationId xmlns:a16="http://schemas.microsoft.com/office/drawing/2014/main" id="{0C6EAB66-808E-AAC2-21CB-D4B302FB194D}"/>
             </a:ext>
           </a:extLst>
         </p:cNvPr>
@@ -9926,7 +10311,7 @@
           <p:cNvPr id="2" name="Title 3">
             <a:extLst>
               <a:ext uri="{FF2B5EF4-FFF2-40B4-BE49-F238E27FC236}">
-                <a16:creationId xmlns:a16="http://schemas.microsoft.com/office/drawing/2014/main" id="{F318DA55-4B4D-0501-54E0-192F184974D0}"/>
+                <a16:creationId xmlns:a16="http://schemas.microsoft.com/office/drawing/2014/main" id="{3810E90C-3371-A449-BA31-8675097BADA5}"/>
               </a:ext>
             </a:extLst>
           </p:cNvPr>
@@ -9939,7 +10324,7 @@
         </p:nvSpPr>
         <p:spPr>
           <a:xfrm>
-            <a:off x="1842308" y="2605179"/>
+            <a:off x="1842308" y="3189791"/>
             <a:ext cx="8507383" cy="1107996"/>
           </a:xfrm>
         </p:spPr>
@@ -9960,7 +10345,7 @@
                 <a:ea typeface="+mn-ea"/>
                 <a:cs typeface="Segoe UI" pitchFamily="34" charset="0"/>
               </a:rPr>
-              <a:t>Let’s do some code!</a:t>
+              <a:t>Semantic Kernel</a:t>
             </a:r>
             <a:endParaRPr lang="en-US" sz="7200" dirty="0"/>
           </a:p>
@@ -9971,7 +10356,7 @@
           <p:cNvPr id="3" name="TextBox 2">
             <a:extLst>
               <a:ext uri="{FF2B5EF4-FFF2-40B4-BE49-F238E27FC236}">
-                <a16:creationId xmlns:a16="http://schemas.microsoft.com/office/drawing/2014/main" id="{C68F9C5C-D130-F682-38A5-5F8B69F38FA0}"/>
+                <a16:creationId xmlns:a16="http://schemas.microsoft.com/office/drawing/2014/main" id="{39D114D9-06D9-7C07-5C01-7B6211E16B8E}"/>
               </a:ext>
             </a:extLst>
           </p:cNvPr>
@@ -9980,7 +10365,7 @@
         </p:nvSpPr>
         <p:spPr>
           <a:xfrm>
-            <a:off x="3972656" y="3713175"/>
+            <a:off x="3972656" y="4297787"/>
             <a:ext cx="4246685" cy="355482"/>
           </a:xfrm>
           <a:prstGeom prst="rect">
@@ -10019,7 +10404,7 @@
                 </a:solidFill>
                 <a:latin typeface="Segoe UI Semibold" panose="020F0502020204030204" pitchFamily="34" charset="0"/>
               </a:rPr>
-              <a:t>That’s why you’re here…. Right?</a:t>
+              <a:t>AI for you made easy!</a:t>
             </a:r>
             <a:endParaRPr lang="en-US" sz="1800" b="1" dirty="0">
               <a:solidFill>
@@ -10032,10 +10417,57 @@
           </a:p>
         </p:txBody>
       </p:sp>
+      <p:pic>
+        <p:nvPicPr>
+          <p:cNvPr id="4" name="Picture 2" descr="Semantic Kernel's new icon and the art of teamwork | Semantic Kernel">
+            <a:extLst>
+              <a:ext uri="{FF2B5EF4-FFF2-40B4-BE49-F238E27FC236}">
+                <a16:creationId xmlns:a16="http://schemas.microsoft.com/office/drawing/2014/main" id="{BF80D82A-604C-C970-9EBF-3F73C8E0BDD9}"/>
+              </a:ext>
+            </a:extLst>
+          </p:cNvPr>
+          <p:cNvPicPr>
+            <a:picLocks noChangeAspect="1" noChangeArrowheads="1"/>
+          </p:cNvPicPr>
+          <p:nvPr/>
+        </p:nvPicPr>
+        <p:blipFill>
+          <a:blip r:embed="rId2">
+            <a:extLst>
+              <a:ext uri="{28A0092B-C50C-407E-A947-70E740481C1C}">
+                <a14:useLocalDpi xmlns:a14="http://schemas.microsoft.com/office/drawing/2010/main" val="0"/>
+              </a:ext>
+            </a:extLst>
+          </a:blip>
+          <a:srcRect/>
+          <a:stretch>
+            <a:fillRect/>
+          </a:stretch>
+        </p:blipFill>
+        <p:spPr bwMode="auto">
+          <a:xfrm>
+            <a:off x="5374929" y="1603196"/>
+            <a:ext cx="1442142" cy="1442142"/>
+          </a:xfrm>
+          <a:prstGeom prst="rect">
+            <a:avLst/>
+          </a:prstGeom>
+          <a:noFill/>
+          <a:extLst>
+            <a:ext uri="{909E8E84-426E-40DD-AFC4-6F175D3DCCD1}">
+              <a14:hiddenFill xmlns:a14="http://schemas.microsoft.com/office/drawing/2010/main">
+                <a:solidFill>
+                  <a:srgbClr val="FFFFFF"/>
+                </a:solidFill>
+              </a14:hiddenFill>
+            </a:ext>
+          </a:extLst>
+        </p:spPr>
+      </p:pic>
     </p:spTree>
     <p:extLst>
       <p:ext uri="{BB962C8B-B14F-4D97-AF65-F5344CB8AC3E}">
-        <p14:creationId xmlns:p14="http://schemas.microsoft.com/office/powerpoint/2010/main" val="907192003"/>
+        <p14:creationId xmlns:p14="http://schemas.microsoft.com/office/powerpoint/2010/main" val="1374722259"/>
       </p:ext>
     </p:extLst>
   </p:cSld>

--- a/slides/Discovery Day 2025.pptx
+++ b/slides/Discovery Day 2025.pptx
@@ -5,26 +5,28 @@
     <p:sldMasterId id="2147483648" r:id="rId1"/>
   </p:sldMasterIdLst>
   <p:notesMasterIdLst>
-    <p:notesMasterId r:id="rId19"/>
+    <p:notesMasterId r:id="rId21"/>
   </p:notesMasterIdLst>
   <p:sldIdLst>
-    <p:sldId id="256" r:id="rId2"/>
-    <p:sldId id="258" r:id="rId3"/>
-    <p:sldId id="266" r:id="rId4"/>
-    <p:sldId id="262" r:id="rId5"/>
-    <p:sldId id="273" r:id="rId6"/>
-    <p:sldId id="263" r:id="rId7"/>
-    <p:sldId id="276" r:id="rId8"/>
-    <p:sldId id="277" r:id="rId9"/>
-    <p:sldId id="268" r:id="rId10"/>
-    <p:sldId id="269" r:id="rId11"/>
-    <p:sldId id="270" r:id="rId12"/>
-    <p:sldId id="271" r:id="rId13"/>
-    <p:sldId id="272" r:id="rId14"/>
-    <p:sldId id="275" r:id="rId15"/>
-    <p:sldId id="264" r:id="rId16"/>
-    <p:sldId id="265" r:id="rId17"/>
-    <p:sldId id="267" r:id="rId18"/>
+    <p:sldId id="258" r:id="rId2"/>
+    <p:sldId id="278" r:id="rId3"/>
+    <p:sldId id="256" r:id="rId4"/>
+    <p:sldId id="266" r:id="rId5"/>
+    <p:sldId id="262" r:id="rId6"/>
+    <p:sldId id="273" r:id="rId7"/>
+    <p:sldId id="263" r:id="rId8"/>
+    <p:sldId id="276" r:id="rId9"/>
+    <p:sldId id="277" r:id="rId10"/>
+    <p:sldId id="268" r:id="rId11"/>
+    <p:sldId id="269" r:id="rId12"/>
+    <p:sldId id="270" r:id="rId13"/>
+    <p:sldId id="271" r:id="rId14"/>
+    <p:sldId id="272" r:id="rId15"/>
+    <p:sldId id="275" r:id="rId16"/>
+    <p:sldId id="264" r:id="rId17"/>
+    <p:sldId id="265" r:id="rId18"/>
+    <p:sldId id="279" r:id="rId19"/>
+    <p:sldId id="267" r:id="rId20"/>
   </p:sldIdLst>
   <p:sldSz cx="12192000" cy="6858000"/>
   <p:notesSz cx="6858000" cy="9144000"/>
@@ -546,7 +548,7 @@
           <a:p>
             <a:fld id="{87A8BE44-D30E-4F1D-9866-B5A55CDF5CA1}" type="slidenum">
               <a:rPr lang="en-GB" smtClean="0"/>
-              <a:t>1</a:t>
+              <a:t>3</a:t>
             </a:fld>
             <a:endParaRPr lang="en-GB"/>
           </a:p>
@@ -630,7 +632,7 @@
           <a:p>
             <a:fld id="{87A8BE44-D30E-4F1D-9866-B5A55CDF5CA1}" type="slidenum">
               <a:rPr lang="en-GB" smtClean="0"/>
-              <a:t>10</a:t>
+              <a:t>11</a:t>
             </a:fld>
             <a:endParaRPr lang="en-GB"/>
           </a:p>
@@ -823,7 +825,7 @@
           <a:p>
             <a:fld id="{87A8BE44-D30E-4F1D-9866-B5A55CDF5CA1}" type="slidenum">
               <a:rPr lang="en-GB" smtClean="0"/>
-              <a:t>17</a:t>
+              <a:t>19</a:t>
             </a:fld>
             <a:endParaRPr lang="en-GB"/>
           </a:p>
@@ -6535,20 +6537,405 @@
           <a:chExt cx="0" cy="0"/>
         </a:xfrm>
       </p:grpSpPr>
+      <p:sp>
+        <p:nvSpPr>
+          <p:cNvPr id="2" name="Text Placeholder 1">
+            <a:extLst>
+              <a:ext uri="{FF2B5EF4-FFF2-40B4-BE49-F238E27FC236}">
+                <a16:creationId xmlns:a16="http://schemas.microsoft.com/office/drawing/2014/main" id="{92083A72-23BA-41C4-DFE5-57981B333B37}"/>
+              </a:ext>
+            </a:extLst>
+          </p:cNvPr>
+          <p:cNvSpPr>
+            <a:spLocks noGrp="1"/>
+          </p:cNvSpPr>
+          <p:nvPr>
+            <p:ph type="body" sz="quarter" idx="10"/>
+          </p:nvPr>
+        </p:nvSpPr>
+        <p:spPr>
+          <a:xfrm>
+            <a:off x="1805748" y="1997849"/>
+            <a:ext cx="6408484" cy="2083421"/>
+          </a:xfrm>
+        </p:spPr>
+        <p:txBody>
+          <a:bodyPr>
+            <a:normAutofit lnSpcReduction="10000"/>
+          </a:bodyPr>
+          <a:lstStyle/>
+          <a:p>
+            <a:r>
+              <a:rPr lang="en-US" sz="4000" i="0" u="none" strike="noStrike" dirty="0">
+                <a:solidFill>
+                  <a:schemeClr val="bg1"/>
+                </a:solidFill>
+                <a:effectLst/>
+                <a:latin typeface="open sans" panose="020B0606030504020204" pitchFamily="34" charset="0"/>
+                <a:hlinkClick r:id="rId2">
+                  <a:extLst>
+                    <a:ext uri="{A12FA001-AC4F-418D-AE19-62706E023703}">
+                      <ahyp:hlinkClr xmlns:ahyp="http://schemas.microsoft.com/office/drawing/2018/hyperlinkcolor" val="tx"/>
+                    </a:ext>
+                  </a:extLst>
+                </a:hlinkClick>
+              </a:rPr>
+              <a:t>AI Meets SQL: Building a Smart Pizza Shop with .NET and Semantic Kernel</a:t>
+            </a:r>
+            <a:endParaRPr lang="en-GB" sz="4000" dirty="0">
+              <a:solidFill>
+                <a:schemeClr val="bg1"/>
+              </a:solidFill>
+            </a:endParaRPr>
+          </a:p>
+        </p:txBody>
+      </p:sp>
+      <p:sp>
+        <p:nvSpPr>
+          <p:cNvPr id="3" name="Text Placeholder 2">
+            <a:extLst>
+              <a:ext uri="{FF2B5EF4-FFF2-40B4-BE49-F238E27FC236}">
+                <a16:creationId xmlns:a16="http://schemas.microsoft.com/office/drawing/2014/main" id="{3B9A4CC7-DE3B-A1DF-5899-ABB75B2E1EC0}"/>
+              </a:ext>
+            </a:extLst>
+          </p:cNvPr>
+          <p:cNvSpPr>
+            <a:spLocks noGrp="1"/>
+          </p:cNvSpPr>
+          <p:nvPr>
+            <p:ph type="body" sz="quarter" idx="11"/>
+          </p:nvPr>
+        </p:nvSpPr>
+        <p:spPr/>
+        <p:txBody>
+          <a:bodyPr>
+            <a:normAutofit fontScale="85000" lnSpcReduction="10000"/>
+          </a:bodyPr>
+          <a:lstStyle/>
+          <a:p>
+            <a:r>
+              <a:rPr lang="en-GB" dirty="0"/>
+              <a:t>Emiliano Montesdeoca</a:t>
+            </a:r>
+          </a:p>
+        </p:txBody>
+      </p:sp>
+      <p:pic>
+        <p:nvPicPr>
+          <p:cNvPr id="5" name="Picture 2">
+            <a:extLst>
+              <a:ext uri="{FF2B5EF4-FFF2-40B4-BE49-F238E27FC236}">
+                <a16:creationId xmlns:a16="http://schemas.microsoft.com/office/drawing/2014/main" id="{14B26CE2-3AFD-5192-4872-E3C421378BD6}"/>
+              </a:ext>
+            </a:extLst>
+          </p:cNvPr>
+          <p:cNvPicPr>
+            <a:picLocks noGrp="1" noChangeAspect="1" noChangeArrowheads="1"/>
+          </p:cNvPicPr>
+          <p:nvPr>
+            <p:ph type="pic" sz="quarter" idx="12"/>
+          </p:nvPr>
+        </p:nvPicPr>
+        <p:blipFill>
+          <a:blip r:embed="rId3">
+            <a:extLst>
+              <a:ext uri="{28A0092B-C50C-407E-A947-70E740481C1C}">
+                <a14:useLocalDpi xmlns:a14="http://schemas.microsoft.com/office/drawing/2010/main" val="0"/>
+              </a:ext>
+            </a:extLst>
+          </a:blip>
+          <a:srcRect l="1066" r="1066"/>
+          <a:stretch>
+            <a:fillRect/>
+          </a:stretch>
+        </p:blipFill>
+        <p:spPr bwMode="auto">
+          <a:xfrm>
+            <a:off x="9099550" y="1779588"/>
+            <a:ext cx="2039938" cy="2084387"/>
+          </a:xfrm>
+          <a:prstGeom prst="rect">
+            <a:avLst/>
+          </a:prstGeom>
+          <a:noFill/>
+          <a:extLst>
+            <a:ext uri="{909E8E84-426E-40DD-AFC4-6F175D3DCCD1}">
+              <a14:hiddenFill xmlns:a14="http://schemas.microsoft.com/office/drawing/2010/main">
+                <a:solidFill>
+                  <a:srgbClr val="FFFFFF"/>
+                </a:solidFill>
+              </a14:hiddenFill>
+            </a:ext>
+          </a:extLst>
+        </p:spPr>
+      </p:pic>
     </p:spTree>
     <p:extLst>
       <p:ext uri="{BB962C8B-B14F-4D97-AF65-F5344CB8AC3E}">
-        <p14:creationId xmlns:p14="http://schemas.microsoft.com/office/powerpoint/2010/main" val="1731691395"/>
+        <p14:creationId xmlns:p14="http://schemas.microsoft.com/office/powerpoint/2010/main" val="858246612"/>
       </p:ext>
     </p:extLst>
   </p:cSld>
   <p:clrMapOvr>
     <a:masterClrMapping/>
   </p:clrMapOvr>
+  <mc:AlternateContent xmlns:mc="http://schemas.openxmlformats.org/markup-compatibility/2006">
+    <mc:Choice xmlns:p14="http://schemas.microsoft.com/office/powerpoint/2010/main" Requires="p14">
+      <p:transition spd="med" p14:dur="700">
+        <p:fade/>
+      </p:transition>
+    </mc:Choice>
+    <mc:Fallback>
+      <p:transition spd="med">
+        <p:fade/>
+      </p:transition>
+    </mc:Fallback>
+  </mc:AlternateContent>
 </p:sld>
 </file>
 
 <file path=ppt/slides/slide10.xml><?xml version="1.0" encoding="utf-8"?>
+<p:sld xmlns:a="http://schemas.openxmlformats.org/drawingml/2006/main" xmlns:r="http://schemas.openxmlformats.org/officeDocument/2006/relationships" xmlns:p="http://schemas.openxmlformats.org/presentationml/2006/main">
+  <p:cSld>
+    <p:spTree>
+      <p:nvGrpSpPr>
+        <p:cNvPr id="1" name="">
+          <a:extLst>
+            <a:ext uri="{FF2B5EF4-FFF2-40B4-BE49-F238E27FC236}">
+              <a16:creationId xmlns:a16="http://schemas.microsoft.com/office/drawing/2014/main" id="{0C6EAB66-808E-AAC2-21CB-D4B302FB194D}"/>
+            </a:ext>
+          </a:extLst>
+        </p:cNvPr>
+        <p:cNvGrpSpPr/>
+        <p:nvPr/>
+      </p:nvGrpSpPr>
+      <p:grpSpPr>
+        <a:xfrm>
+          <a:off x="0" y="0"/>
+          <a:ext cx="0" cy="0"/>
+          <a:chOff x="0" y="0"/>
+          <a:chExt cx="0" cy="0"/>
+        </a:xfrm>
+      </p:grpSpPr>
+      <p:sp>
+        <p:nvSpPr>
+          <p:cNvPr id="2" name="Title 3">
+            <a:extLst>
+              <a:ext uri="{FF2B5EF4-FFF2-40B4-BE49-F238E27FC236}">
+                <a16:creationId xmlns:a16="http://schemas.microsoft.com/office/drawing/2014/main" id="{3810E90C-3371-A449-BA31-8675097BADA5}"/>
+              </a:ext>
+            </a:extLst>
+          </p:cNvPr>
+          <p:cNvSpPr>
+            <a:spLocks noGrp="1"/>
+          </p:cNvSpPr>
+          <p:nvPr>
+            <p:ph type="title"/>
+          </p:nvPr>
+        </p:nvSpPr>
+        <p:spPr>
+          <a:xfrm>
+            <a:off x="1842308" y="3189791"/>
+            <a:ext cx="8507383" cy="1107996"/>
+          </a:xfrm>
+        </p:spPr>
+        <p:txBody>
+          <a:bodyPr/>
+          <a:lstStyle/>
+          <a:p>
+            <a:pPr algn="ctr"/>
+            <a:r>
+              <a:rPr kumimoji="0" lang="en-GB" sz="7200" b="0" i="0" u="none" strike="noStrike" kern="1200" cap="none" spc="-50" normalizeH="0" baseline="0" noProof="0" dirty="0">
+                <a:ln w="3175">
+                  <a:noFill/>
+                </a:ln>
+                <a:effectLst/>
+                <a:uLnTx/>
+                <a:uFillTx/>
+                <a:latin typeface="Segoe UI Semibold"/>
+                <a:ea typeface="+mn-ea"/>
+                <a:cs typeface="Segoe UI" pitchFamily="34" charset="0"/>
+              </a:rPr>
+              <a:t>Semantic Kernel</a:t>
+            </a:r>
+            <a:endParaRPr lang="en-US" sz="7200" dirty="0"/>
+          </a:p>
+        </p:txBody>
+      </p:sp>
+      <p:sp>
+        <p:nvSpPr>
+          <p:cNvPr id="3" name="TextBox 2">
+            <a:extLst>
+              <a:ext uri="{FF2B5EF4-FFF2-40B4-BE49-F238E27FC236}">
+                <a16:creationId xmlns:a16="http://schemas.microsoft.com/office/drawing/2014/main" id="{39D114D9-06D9-7C07-5C01-7B6211E16B8E}"/>
+              </a:ext>
+            </a:extLst>
+          </p:cNvPr>
+          <p:cNvSpPr txBox="1"/>
+          <p:nvPr/>
+        </p:nvSpPr>
+        <p:spPr>
+          <a:xfrm>
+            <a:off x="3972656" y="4297787"/>
+            <a:ext cx="4246685" cy="355482"/>
+          </a:xfrm>
+          <a:prstGeom prst="rect">
+            <a:avLst/>
+          </a:prstGeom>
+          <a:noFill/>
+        </p:spPr>
+        <p:txBody>
+          <a:bodyPr wrap="square">
+            <a:spAutoFit/>
+          </a:bodyPr>
+          <a:lstStyle/>
+          <a:p>
+            <a:pPr marR="0" lvl="0" indent="0" algn="ctr" fontAlgn="auto">
+              <a:lnSpc>
+                <a:spcPct val="95000"/>
+              </a:lnSpc>
+              <a:spcBef>
+                <a:spcPts val="0"/>
+              </a:spcBef>
+              <a:spcAft>
+                <a:spcPts val="0"/>
+              </a:spcAft>
+              <a:buClrTx/>
+              <a:buSzTx/>
+              <a:buFontTx/>
+              <a:buNone/>
+              <a:defRPr/>
+            </a:pPr>
+            <a:r>
+              <a:rPr lang="en-GB" sz="1800" b="1" dirty="0">
+                <a:solidFill>
+                  <a:schemeClr val="accent1">
+                    <a:lumMod val="10000"/>
+                  </a:schemeClr>
+                </a:solidFill>
+                <a:latin typeface="Segoe UI Semibold" panose="020F0502020204030204" pitchFamily="34" charset="0"/>
+              </a:rPr>
+              <a:t>AI for you made easy!</a:t>
+            </a:r>
+            <a:endParaRPr lang="en-US" sz="1800" b="1" dirty="0">
+              <a:solidFill>
+                <a:schemeClr val="accent1">
+                  <a:lumMod val="10000"/>
+                </a:schemeClr>
+              </a:solidFill>
+              <a:latin typeface="Segoe UI Semibold" panose="020F0502020204030204" pitchFamily="34" charset="0"/>
+            </a:endParaRPr>
+          </a:p>
+        </p:txBody>
+      </p:sp>
+      <p:pic>
+        <p:nvPicPr>
+          <p:cNvPr id="4" name="Picture 2" descr="Semantic Kernel's new icon and the art of teamwork | Semantic Kernel">
+            <a:extLst>
+              <a:ext uri="{FF2B5EF4-FFF2-40B4-BE49-F238E27FC236}">
+                <a16:creationId xmlns:a16="http://schemas.microsoft.com/office/drawing/2014/main" id="{BF80D82A-604C-C970-9EBF-3F73C8E0BDD9}"/>
+              </a:ext>
+            </a:extLst>
+          </p:cNvPr>
+          <p:cNvPicPr>
+            <a:picLocks noChangeAspect="1" noChangeArrowheads="1"/>
+          </p:cNvPicPr>
+          <p:nvPr/>
+        </p:nvPicPr>
+        <p:blipFill>
+          <a:blip r:embed="rId2">
+            <a:extLst>
+              <a:ext uri="{28A0092B-C50C-407E-A947-70E740481C1C}">
+                <a14:useLocalDpi xmlns:a14="http://schemas.microsoft.com/office/drawing/2010/main" val="0"/>
+              </a:ext>
+            </a:extLst>
+          </a:blip>
+          <a:srcRect/>
+          <a:stretch>
+            <a:fillRect/>
+          </a:stretch>
+        </p:blipFill>
+        <p:spPr bwMode="auto">
+          <a:xfrm>
+            <a:off x="5374929" y="1603196"/>
+            <a:ext cx="1442142" cy="1442142"/>
+          </a:xfrm>
+          <a:prstGeom prst="rect">
+            <a:avLst/>
+          </a:prstGeom>
+          <a:noFill/>
+          <a:extLst>
+            <a:ext uri="{909E8E84-426E-40DD-AFC4-6F175D3DCCD1}">
+              <a14:hiddenFill xmlns:a14="http://schemas.microsoft.com/office/drawing/2010/main">
+                <a:solidFill>
+                  <a:srgbClr val="FFFFFF"/>
+                </a:solidFill>
+              </a14:hiddenFill>
+            </a:ext>
+          </a:extLst>
+        </p:spPr>
+      </p:pic>
+      <p:sp>
+        <p:nvSpPr>
+          <p:cNvPr id="5" name="TextBox 4">
+            <a:extLst>
+              <a:ext uri="{FF2B5EF4-FFF2-40B4-BE49-F238E27FC236}">
+                <a16:creationId xmlns:a16="http://schemas.microsoft.com/office/drawing/2014/main" id="{D1371DED-224A-180B-CC7B-966F8EF13B80}"/>
+              </a:ext>
+            </a:extLst>
+          </p:cNvPr>
+          <p:cNvSpPr txBox="1"/>
+          <p:nvPr/>
+        </p:nvSpPr>
+        <p:spPr>
+          <a:xfrm>
+            <a:off x="0" y="6467447"/>
+            <a:ext cx="2399470" cy="369332"/>
+          </a:xfrm>
+          <a:prstGeom prst="rect">
+            <a:avLst/>
+          </a:prstGeom>
+          <a:noFill/>
+        </p:spPr>
+        <p:txBody>
+          <a:bodyPr wrap="square">
+            <a:spAutoFit/>
+          </a:bodyPr>
+          <a:lstStyle/>
+          <a:p>
+            <a:r>
+              <a:rPr lang="en-GB" sz="1800" dirty="0"/>
+              <a:t>@emimontesdeocaa</a:t>
+            </a:r>
+          </a:p>
+        </p:txBody>
+      </p:sp>
+    </p:spTree>
+    <p:extLst>
+      <p:ext uri="{BB962C8B-B14F-4D97-AF65-F5344CB8AC3E}">
+        <p14:creationId xmlns:p14="http://schemas.microsoft.com/office/powerpoint/2010/main" val="1374722259"/>
+      </p:ext>
+    </p:extLst>
+  </p:cSld>
+  <p:clrMapOvr>
+    <a:masterClrMapping/>
+  </p:clrMapOvr>
+  <mc:AlternateContent xmlns:mc="http://schemas.openxmlformats.org/markup-compatibility/2006">
+    <mc:Choice xmlns:p14="http://schemas.microsoft.com/office/powerpoint/2010/main" Requires="p14">
+      <p:transition spd="med" p14:dur="700">
+        <p:fade/>
+      </p:transition>
+    </mc:Choice>
+    <mc:Fallback>
+      <p:transition spd="med">
+        <p:fade/>
+      </p:transition>
+    </mc:Fallback>
+  </mc:AlternateContent>
+</p:sld>
+</file>
+
+<file path=ppt/slides/slide11.xml><?xml version="1.0" encoding="utf-8"?>
 <p:sld xmlns:a="http://schemas.openxmlformats.org/drawingml/2006/main" xmlns:r="http://schemas.openxmlformats.org/officeDocument/2006/relationships" xmlns:p="http://schemas.openxmlformats.org/presentationml/2006/main">
   <p:cSld>
     <p:spTree>
@@ -6994,6 +7381,41 @@
           </a:extLst>
         </p:spPr>
       </p:pic>
+      <p:sp>
+        <p:nvSpPr>
+          <p:cNvPr id="4" name="TextBox 3">
+            <a:extLst>
+              <a:ext uri="{FF2B5EF4-FFF2-40B4-BE49-F238E27FC236}">
+                <a16:creationId xmlns:a16="http://schemas.microsoft.com/office/drawing/2014/main" id="{B47C35FE-C0EC-0281-A1B9-D32B5029A846}"/>
+              </a:ext>
+            </a:extLst>
+          </p:cNvPr>
+          <p:cNvSpPr txBox="1"/>
+          <p:nvPr/>
+        </p:nvSpPr>
+        <p:spPr>
+          <a:xfrm>
+            <a:off x="9829316" y="6457136"/>
+            <a:ext cx="2399470" cy="369332"/>
+          </a:xfrm>
+          <a:prstGeom prst="rect">
+            <a:avLst/>
+          </a:prstGeom>
+          <a:noFill/>
+        </p:spPr>
+        <p:txBody>
+          <a:bodyPr wrap="square">
+            <a:spAutoFit/>
+          </a:bodyPr>
+          <a:lstStyle/>
+          <a:p>
+            <a:r>
+              <a:rPr lang="en-GB" sz="1800" dirty="0"/>
+              <a:t>@emimontesdeocaa</a:t>
+            </a:r>
+          </a:p>
+        </p:txBody>
+      </p:sp>
     </p:spTree>
     <p:extLst>
       <p:ext uri="{BB962C8B-B14F-4D97-AF65-F5344CB8AC3E}">
@@ -7004,10 +7426,22 @@
   <p:clrMapOvr>
     <a:masterClrMapping/>
   </p:clrMapOvr>
+  <mc:AlternateContent xmlns:mc="http://schemas.openxmlformats.org/markup-compatibility/2006">
+    <mc:Choice xmlns:p14="http://schemas.microsoft.com/office/powerpoint/2010/main" Requires="p14">
+      <p:transition spd="med" p14:dur="700">
+        <p:fade/>
+      </p:transition>
+    </mc:Choice>
+    <mc:Fallback>
+      <p:transition spd="med">
+        <p:fade/>
+      </p:transition>
+    </mc:Fallback>
+  </mc:AlternateContent>
 </p:sld>
 </file>
 
-<file path=ppt/slides/slide11.xml><?xml version="1.0" encoding="utf-8"?>
+<file path=ppt/slides/slide12.xml><?xml version="1.0" encoding="utf-8"?>
 <p:sld xmlns:a="http://schemas.openxmlformats.org/drawingml/2006/main" xmlns:r="http://schemas.openxmlformats.org/officeDocument/2006/relationships" xmlns:p="http://schemas.openxmlformats.org/presentationml/2006/main">
   <p:cSld>
     <p:spTree>
@@ -7141,6 +7575,41 @@
           </a:p>
         </p:txBody>
       </p:sp>
+      <p:sp>
+        <p:nvSpPr>
+          <p:cNvPr id="4" name="TextBox 3">
+            <a:extLst>
+              <a:ext uri="{FF2B5EF4-FFF2-40B4-BE49-F238E27FC236}">
+                <a16:creationId xmlns:a16="http://schemas.microsoft.com/office/drawing/2014/main" id="{DB377381-394D-EEA1-1D27-4791A9C7971C}"/>
+              </a:ext>
+            </a:extLst>
+          </p:cNvPr>
+          <p:cNvSpPr txBox="1"/>
+          <p:nvPr/>
+        </p:nvSpPr>
+        <p:spPr>
+          <a:xfrm>
+            <a:off x="0" y="6467447"/>
+            <a:ext cx="2399470" cy="369332"/>
+          </a:xfrm>
+          <a:prstGeom prst="rect">
+            <a:avLst/>
+          </a:prstGeom>
+          <a:noFill/>
+        </p:spPr>
+        <p:txBody>
+          <a:bodyPr wrap="square">
+            <a:spAutoFit/>
+          </a:bodyPr>
+          <a:lstStyle/>
+          <a:p>
+            <a:r>
+              <a:rPr lang="en-GB" sz="1800" dirty="0"/>
+              <a:t>@emimontesdeocaa</a:t>
+            </a:r>
+          </a:p>
+        </p:txBody>
+      </p:sp>
     </p:spTree>
     <p:extLst>
       <p:ext uri="{BB962C8B-B14F-4D97-AF65-F5344CB8AC3E}">
@@ -7151,10 +7620,22 @@
   <p:clrMapOvr>
     <a:masterClrMapping/>
   </p:clrMapOvr>
+  <mc:AlternateContent xmlns:mc="http://schemas.openxmlformats.org/markup-compatibility/2006">
+    <mc:Choice xmlns:p14="http://schemas.microsoft.com/office/powerpoint/2010/main" Requires="p14">
+      <p:transition spd="med" p14:dur="700">
+        <p:fade/>
+      </p:transition>
+    </mc:Choice>
+    <mc:Fallback>
+      <p:transition spd="med">
+        <p:fade/>
+      </p:transition>
+    </mc:Fallback>
+  </mc:AlternateContent>
 </p:sld>
 </file>
 
-<file path=ppt/slides/slide12.xml><?xml version="1.0" encoding="utf-8"?>
+<file path=ppt/slides/slide13.xml><?xml version="1.0" encoding="utf-8"?>
 <p:sld xmlns:a="http://schemas.openxmlformats.org/drawingml/2006/main" xmlns:r="http://schemas.openxmlformats.org/officeDocument/2006/relationships" xmlns:p="http://schemas.openxmlformats.org/presentationml/2006/main">
   <p:cSld>
     <p:spTree>
@@ -7415,6 +7896,41 @@
           </a:extLst>
         </p:spPr>
       </p:pic>
+      <p:sp>
+        <p:nvSpPr>
+          <p:cNvPr id="4" name="TextBox 3">
+            <a:extLst>
+              <a:ext uri="{FF2B5EF4-FFF2-40B4-BE49-F238E27FC236}">
+                <a16:creationId xmlns:a16="http://schemas.microsoft.com/office/drawing/2014/main" id="{355A0B89-7AAD-F644-B62A-169C27625110}"/>
+              </a:ext>
+            </a:extLst>
+          </p:cNvPr>
+          <p:cNvSpPr txBox="1"/>
+          <p:nvPr/>
+        </p:nvSpPr>
+        <p:spPr>
+          <a:xfrm>
+            <a:off x="9829316" y="6457136"/>
+            <a:ext cx="2399470" cy="369332"/>
+          </a:xfrm>
+          <a:prstGeom prst="rect">
+            <a:avLst/>
+          </a:prstGeom>
+          <a:noFill/>
+        </p:spPr>
+        <p:txBody>
+          <a:bodyPr wrap="square">
+            <a:spAutoFit/>
+          </a:bodyPr>
+          <a:lstStyle/>
+          <a:p>
+            <a:r>
+              <a:rPr lang="en-GB" sz="1800" dirty="0"/>
+              <a:t>@emimontesdeocaa</a:t>
+            </a:r>
+          </a:p>
+        </p:txBody>
+      </p:sp>
     </p:spTree>
     <p:extLst>
       <p:ext uri="{BB962C8B-B14F-4D97-AF65-F5344CB8AC3E}">
@@ -7425,10 +7941,22 @@
   <p:clrMapOvr>
     <a:masterClrMapping/>
   </p:clrMapOvr>
+  <mc:AlternateContent xmlns:mc="http://schemas.openxmlformats.org/markup-compatibility/2006">
+    <mc:Choice xmlns:p14="http://schemas.microsoft.com/office/powerpoint/2010/main" Requires="p14">
+      <p:transition spd="med" p14:dur="700">
+        <p:fade/>
+      </p:transition>
+    </mc:Choice>
+    <mc:Fallback>
+      <p:transition spd="med">
+        <p:fade/>
+      </p:transition>
+    </mc:Fallback>
+  </mc:AlternateContent>
 </p:sld>
 </file>
 
-<file path=ppt/slides/slide13.xml><?xml version="1.0" encoding="utf-8"?>
+<file path=ppt/slides/slide14.xml><?xml version="1.0" encoding="utf-8"?>
 <p:sld xmlns:a="http://schemas.openxmlformats.org/drawingml/2006/main" xmlns:r="http://schemas.openxmlformats.org/officeDocument/2006/relationships" xmlns:p="http://schemas.openxmlformats.org/presentationml/2006/main">
   <p:cSld>
     <p:spTree>
@@ -7580,6 +8108,41 @@
           </a:p>
         </p:txBody>
       </p:sp>
+      <p:sp>
+        <p:nvSpPr>
+          <p:cNvPr id="3" name="TextBox 2">
+            <a:extLst>
+              <a:ext uri="{FF2B5EF4-FFF2-40B4-BE49-F238E27FC236}">
+                <a16:creationId xmlns:a16="http://schemas.microsoft.com/office/drawing/2014/main" id="{79EED9DD-C071-6914-D15B-B0E7DB0904B5}"/>
+              </a:ext>
+            </a:extLst>
+          </p:cNvPr>
+          <p:cNvSpPr txBox="1"/>
+          <p:nvPr/>
+        </p:nvSpPr>
+        <p:spPr>
+          <a:xfrm>
+            <a:off x="0" y="6467447"/>
+            <a:ext cx="2399470" cy="369332"/>
+          </a:xfrm>
+          <a:prstGeom prst="rect">
+            <a:avLst/>
+          </a:prstGeom>
+          <a:noFill/>
+        </p:spPr>
+        <p:txBody>
+          <a:bodyPr wrap="square">
+            <a:spAutoFit/>
+          </a:bodyPr>
+          <a:lstStyle/>
+          <a:p>
+            <a:r>
+              <a:rPr lang="en-GB" sz="1800" dirty="0"/>
+              <a:t>@emimontesdeocaa</a:t>
+            </a:r>
+          </a:p>
+        </p:txBody>
+      </p:sp>
     </p:spTree>
     <p:extLst>
       <p:ext uri="{BB962C8B-B14F-4D97-AF65-F5344CB8AC3E}">
@@ -7590,10 +8153,22 @@
   <p:clrMapOvr>
     <a:masterClrMapping/>
   </p:clrMapOvr>
+  <mc:AlternateContent xmlns:mc="http://schemas.openxmlformats.org/markup-compatibility/2006">
+    <mc:Choice xmlns:p14="http://schemas.microsoft.com/office/powerpoint/2010/main" Requires="p14">
+      <p:transition spd="med" p14:dur="700">
+        <p:fade/>
+      </p:transition>
+    </mc:Choice>
+    <mc:Fallback>
+      <p:transition spd="med">
+        <p:fade/>
+      </p:transition>
+    </mc:Fallback>
+  </mc:AlternateContent>
 </p:sld>
 </file>
 
-<file path=ppt/slides/slide14.xml><?xml version="1.0" encoding="utf-8"?>
+<file path=ppt/slides/slide15.xml><?xml version="1.0" encoding="utf-8"?>
 <p:sld xmlns:a="http://schemas.openxmlformats.org/drawingml/2006/main" xmlns:r="http://schemas.openxmlformats.org/officeDocument/2006/relationships" xmlns:p="http://schemas.openxmlformats.org/presentationml/2006/main">
   <p:cSld>
     <p:spTree>
@@ -7727,6 +8302,41 @@
           </a:p>
         </p:txBody>
       </p:sp>
+      <p:sp>
+        <p:nvSpPr>
+          <p:cNvPr id="4" name="TextBox 3">
+            <a:extLst>
+              <a:ext uri="{FF2B5EF4-FFF2-40B4-BE49-F238E27FC236}">
+                <a16:creationId xmlns:a16="http://schemas.microsoft.com/office/drawing/2014/main" id="{5E6B64BC-D675-4223-E3D4-722F65934879}"/>
+              </a:ext>
+            </a:extLst>
+          </p:cNvPr>
+          <p:cNvSpPr txBox="1"/>
+          <p:nvPr/>
+        </p:nvSpPr>
+        <p:spPr>
+          <a:xfrm>
+            <a:off x="0" y="6467447"/>
+            <a:ext cx="2399470" cy="369332"/>
+          </a:xfrm>
+          <a:prstGeom prst="rect">
+            <a:avLst/>
+          </a:prstGeom>
+          <a:noFill/>
+        </p:spPr>
+        <p:txBody>
+          <a:bodyPr wrap="square">
+            <a:spAutoFit/>
+          </a:bodyPr>
+          <a:lstStyle/>
+          <a:p>
+            <a:r>
+              <a:rPr lang="en-GB" sz="1800" dirty="0"/>
+              <a:t>@emimontesdeocaa</a:t>
+            </a:r>
+          </a:p>
+        </p:txBody>
+      </p:sp>
     </p:spTree>
     <p:extLst>
       <p:ext uri="{BB962C8B-B14F-4D97-AF65-F5344CB8AC3E}">
@@ -7737,152 +8347,18 @@
   <p:clrMapOvr>
     <a:masterClrMapping/>
   </p:clrMapOvr>
-</p:sld>
-</file>
-
-<file path=ppt/slides/slide15.xml><?xml version="1.0" encoding="utf-8"?>
-<p:sld xmlns:a="http://schemas.openxmlformats.org/drawingml/2006/main" xmlns:r="http://schemas.openxmlformats.org/officeDocument/2006/relationships" xmlns:p="http://schemas.openxmlformats.org/presentationml/2006/main">
-  <p:cSld>
-    <p:spTree>
-      <p:nvGrpSpPr>
-        <p:cNvPr id="1" name=""/>
-        <p:cNvGrpSpPr/>
-        <p:nvPr/>
-      </p:nvGrpSpPr>
-      <p:grpSpPr>
-        <a:xfrm>
-          <a:off x="0" y="0"/>
-          <a:ext cx="0" cy="0"/>
-          <a:chOff x="0" y="0"/>
-          <a:chExt cx="0" cy="0"/>
-        </a:xfrm>
-      </p:grpSpPr>
-      <p:sp>
-        <p:nvSpPr>
-          <p:cNvPr id="2" name="Title 1">
-            <a:extLst>
-              <a:ext uri="{FF2B5EF4-FFF2-40B4-BE49-F238E27FC236}">
-                <a16:creationId xmlns:a16="http://schemas.microsoft.com/office/drawing/2014/main" id="{90699EF5-7B05-3AB6-AFB3-45A03F9BBC50}"/>
-              </a:ext>
-            </a:extLst>
-          </p:cNvPr>
-          <p:cNvSpPr>
-            <a:spLocks noGrp="1"/>
-          </p:cNvSpPr>
-          <p:nvPr>
-            <p:ph type="title"/>
-          </p:nvPr>
-        </p:nvSpPr>
-        <p:spPr/>
-        <p:txBody>
-          <a:bodyPr/>
-          <a:lstStyle/>
-          <a:p>
-            <a:r>
-              <a:rPr lang="en-GB" dirty="0"/>
-              <a:t>References and useful links</a:t>
-            </a:r>
-          </a:p>
-        </p:txBody>
-      </p:sp>
-      <p:sp>
-        <p:nvSpPr>
-          <p:cNvPr id="3" name="Content Placeholder 2">
-            <a:extLst>
-              <a:ext uri="{FF2B5EF4-FFF2-40B4-BE49-F238E27FC236}">
-                <a16:creationId xmlns:a16="http://schemas.microsoft.com/office/drawing/2014/main" id="{8EDC59C6-E36A-169E-D724-4B21D3A31E42}"/>
-              </a:ext>
-            </a:extLst>
-          </p:cNvPr>
-          <p:cNvSpPr>
-            <a:spLocks noGrp="1"/>
-          </p:cNvSpPr>
-          <p:nvPr>
-            <p:ph sz="half" idx="1"/>
-          </p:nvPr>
-        </p:nvSpPr>
-        <p:spPr/>
-        <p:txBody>
-          <a:bodyPr/>
-          <a:lstStyle/>
-          <a:p>
-            <a:r>
-              <a:rPr lang="es-ES" dirty="0" err="1">
-                <a:hlinkClick r:id="rId2"/>
-              </a:rPr>
-              <a:t>emimontesdeoca</a:t>
-            </a:r>
-            <a:r>
-              <a:rPr lang="es-ES" dirty="0">
-                <a:hlinkClick r:id="rId2"/>
-              </a:rPr>
-              <a:t>/dday-sofia-2025-semantic-kernel-sql</a:t>
-            </a:r>
-            <a:endParaRPr lang="es-ES" dirty="0"/>
-          </a:p>
-          <a:p>
-            <a:r>
-              <a:rPr lang="en-US" dirty="0" err="1">
-                <a:hlinkClick r:id="rId3"/>
-              </a:rPr>
-              <a:t>microsoft</a:t>
-            </a:r>
-            <a:r>
-              <a:rPr lang="en-US" dirty="0">
-                <a:hlinkClick r:id="rId3"/>
-              </a:rPr>
-              <a:t>/semantic-kernel: Integrate cutting-edge LLM technology quickly and easily into your apps</a:t>
-            </a:r>
-            <a:endParaRPr lang="en-US" dirty="0"/>
-          </a:p>
-          <a:p>
-            <a:r>
-              <a:rPr lang="en-US" dirty="0">
-                <a:hlinkClick r:id="rId4"/>
-              </a:rPr>
-              <a:t>Introduction to Semantic Kernel | Microsoft Learn</a:t>
-            </a:r>
-            <a:endParaRPr lang="en-US" dirty="0"/>
-          </a:p>
-          <a:p>
-            <a:r>
-              <a:rPr lang="es-ES" dirty="0" err="1">
-                <a:hlinkClick r:id="rId5"/>
-              </a:rPr>
-              <a:t>emimontesdeoca</a:t>
-            </a:r>
-            <a:r>
-              <a:rPr lang="es-ES" dirty="0">
-                <a:hlinkClick r:id="rId5"/>
-              </a:rPr>
-              <a:t> (Emiliano Montesdeoca)</a:t>
-            </a:r>
-            <a:endParaRPr lang="es-ES" dirty="0"/>
-          </a:p>
-          <a:p>
-            <a:r>
-              <a:rPr lang="es-ES" dirty="0">
-                <a:hlinkClick r:id="rId6"/>
-              </a:rPr>
-              <a:t>Emiliano Montesdeoca (@emimontesdeocaa) / X</a:t>
-            </a:r>
-            <a:endParaRPr lang="es-ES" dirty="0"/>
-          </a:p>
-          <a:p>
-            <a:endParaRPr lang="en-GB" dirty="0"/>
-          </a:p>
-        </p:txBody>
-      </p:sp>
-    </p:spTree>
-    <p:extLst>
-      <p:ext uri="{BB962C8B-B14F-4D97-AF65-F5344CB8AC3E}">
-        <p14:creationId xmlns:p14="http://schemas.microsoft.com/office/powerpoint/2010/main" val="1674102189"/>
-      </p:ext>
-    </p:extLst>
-  </p:cSld>
-  <p:clrMapOvr>
-    <a:masterClrMapping/>
-  </p:clrMapOvr>
+  <mc:AlternateContent xmlns:mc="http://schemas.openxmlformats.org/markup-compatibility/2006">
+    <mc:Choice xmlns:p14="http://schemas.microsoft.com/office/powerpoint/2010/main" Requires="p14">
+      <p:transition spd="med" p14:dur="700">
+        <p:fade/>
+      </p:transition>
+    </mc:Choice>
+    <mc:Fallback>
+      <p:transition spd="med">
+        <p:fade/>
+      </p:transition>
+    </mc:Fallback>
+  </mc:AlternateContent>
 </p:sld>
 </file>
 
@@ -7903,6 +8379,199 @@
           <a:chExt cx="0" cy="0"/>
         </a:xfrm>
       </p:grpSpPr>
+      <p:sp>
+        <p:nvSpPr>
+          <p:cNvPr id="2" name="Title 1">
+            <a:extLst>
+              <a:ext uri="{FF2B5EF4-FFF2-40B4-BE49-F238E27FC236}">
+                <a16:creationId xmlns:a16="http://schemas.microsoft.com/office/drawing/2014/main" id="{90699EF5-7B05-3AB6-AFB3-45A03F9BBC50}"/>
+              </a:ext>
+            </a:extLst>
+          </p:cNvPr>
+          <p:cNvSpPr>
+            <a:spLocks noGrp="1"/>
+          </p:cNvSpPr>
+          <p:nvPr>
+            <p:ph type="title"/>
+          </p:nvPr>
+        </p:nvSpPr>
+        <p:spPr/>
+        <p:txBody>
+          <a:bodyPr/>
+          <a:lstStyle/>
+          <a:p>
+            <a:r>
+              <a:rPr lang="en-GB" dirty="0"/>
+              <a:t>References, source code and useful links</a:t>
+            </a:r>
+          </a:p>
+        </p:txBody>
+      </p:sp>
+      <p:sp>
+        <p:nvSpPr>
+          <p:cNvPr id="3" name="Content Placeholder 2">
+            <a:extLst>
+              <a:ext uri="{FF2B5EF4-FFF2-40B4-BE49-F238E27FC236}">
+                <a16:creationId xmlns:a16="http://schemas.microsoft.com/office/drawing/2014/main" id="{8EDC59C6-E36A-169E-D724-4B21D3A31E42}"/>
+              </a:ext>
+            </a:extLst>
+          </p:cNvPr>
+          <p:cNvSpPr>
+            <a:spLocks noGrp="1"/>
+          </p:cNvSpPr>
+          <p:nvPr>
+            <p:ph sz="half" idx="1"/>
+          </p:nvPr>
+        </p:nvSpPr>
+        <p:spPr/>
+        <p:txBody>
+          <a:bodyPr/>
+          <a:lstStyle/>
+          <a:p>
+            <a:r>
+              <a:rPr lang="es-ES" dirty="0" err="1">
+                <a:hlinkClick r:id="rId2"/>
+              </a:rPr>
+              <a:t>emimontesdeoca</a:t>
+            </a:r>
+            <a:r>
+              <a:rPr lang="es-ES" dirty="0">
+                <a:hlinkClick r:id="rId2"/>
+              </a:rPr>
+              <a:t>/dday-sofia-2025-semantic-kernel-sql</a:t>
+            </a:r>
+            <a:endParaRPr lang="es-ES" dirty="0"/>
+          </a:p>
+          <a:p>
+            <a:r>
+              <a:rPr lang="en-US" dirty="0" err="1">
+                <a:hlinkClick r:id="rId3"/>
+              </a:rPr>
+              <a:t>microsoft</a:t>
+            </a:r>
+            <a:r>
+              <a:rPr lang="en-US" dirty="0">
+                <a:hlinkClick r:id="rId3"/>
+              </a:rPr>
+              <a:t>/semantic-kernel: Integrate cutting-edge LLM technology quickly and easily into your apps</a:t>
+            </a:r>
+            <a:endParaRPr lang="en-US" dirty="0"/>
+          </a:p>
+          <a:p>
+            <a:r>
+              <a:rPr lang="en-US" dirty="0">
+                <a:hlinkClick r:id="rId4"/>
+              </a:rPr>
+              <a:t>Introduction to Semantic Kernel | Microsoft Learn</a:t>
+            </a:r>
+            <a:endParaRPr lang="en-US" dirty="0"/>
+          </a:p>
+          <a:p>
+            <a:r>
+              <a:rPr lang="es-ES" dirty="0" err="1">
+                <a:hlinkClick r:id="rId5"/>
+              </a:rPr>
+              <a:t>emimontesdeoca</a:t>
+            </a:r>
+            <a:r>
+              <a:rPr lang="es-ES" dirty="0">
+                <a:hlinkClick r:id="rId5"/>
+              </a:rPr>
+              <a:t> (Emiliano Montesdeoca)</a:t>
+            </a:r>
+            <a:endParaRPr lang="es-ES" dirty="0"/>
+          </a:p>
+          <a:p>
+            <a:r>
+              <a:rPr lang="es-ES" dirty="0">
+                <a:hlinkClick r:id="rId6"/>
+              </a:rPr>
+              <a:t>Emiliano Montesdeoca (@emimontesdeocaa) / X</a:t>
+            </a:r>
+            <a:endParaRPr lang="es-ES" dirty="0"/>
+          </a:p>
+          <a:p>
+            <a:endParaRPr lang="en-GB" dirty="0"/>
+          </a:p>
+        </p:txBody>
+      </p:sp>
+      <p:sp>
+        <p:nvSpPr>
+          <p:cNvPr id="4" name="TextBox 3">
+            <a:extLst>
+              <a:ext uri="{FF2B5EF4-FFF2-40B4-BE49-F238E27FC236}">
+                <a16:creationId xmlns:a16="http://schemas.microsoft.com/office/drawing/2014/main" id="{A9BFFB88-0930-AD69-9539-E1AF85B994C0}"/>
+              </a:ext>
+            </a:extLst>
+          </p:cNvPr>
+          <p:cNvSpPr txBox="1"/>
+          <p:nvPr/>
+        </p:nvSpPr>
+        <p:spPr>
+          <a:xfrm>
+            <a:off x="9829316" y="6457136"/>
+            <a:ext cx="2399470" cy="369332"/>
+          </a:xfrm>
+          <a:prstGeom prst="rect">
+            <a:avLst/>
+          </a:prstGeom>
+          <a:noFill/>
+        </p:spPr>
+        <p:txBody>
+          <a:bodyPr wrap="square">
+            <a:spAutoFit/>
+          </a:bodyPr>
+          <a:lstStyle/>
+          <a:p>
+            <a:r>
+              <a:rPr lang="en-GB" sz="1800" dirty="0"/>
+              <a:t>@emimontesdeocaa</a:t>
+            </a:r>
+          </a:p>
+        </p:txBody>
+      </p:sp>
+    </p:spTree>
+    <p:extLst>
+      <p:ext uri="{BB962C8B-B14F-4D97-AF65-F5344CB8AC3E}">
+        <p14:creationId xmlns:p14="http://schemas.microsoft.com/office/powerpoint/2010/main" val="1674102189"/>
+      </p:ext>
+    </p:extLst>
+  </p:cSld>
+  <p:clrMapOvr>
+    <a:masterClrMapping/>
+  </p:clrMapOvr>
+  <mc:AlternateContent xmlns:mc="http://schemas.openxmlformats.org/markup-compatibility/2006">
+    <mc:Choice xmlns:p14="http://schemas.microsoft.com/office/powerpoint/2010/main" Requires="p14">
+      <p:transition spd="med" p14:dur="700">
+        <p:fade/>
+      </p:transition>
+    </mc:Choice>
+    <mc:Fallback>
+      <p:transition spd="med">
+        <p:fade/>
+      </p:transition>
+    </mc:Fallback>
+  </mc:AlternateContent>
+</p:sld>
+</file>
+
+<file path=ppt/slides/slide17.xml><?xml version="1.0" encoding="utf-8"?>
+<p:sld xmlns:a="http://schemas.openxmlformats.org/drawingml/2006/main" xmlns:r="http://schemas.openxmlformats.org/officeDocument/2006/relationships" xmlns:p="http://schemas.openxmlformats.org/presentationml/2006/main">
+  <p:cSld>
+    <p:spTree>
+      <p:nvGrpSpPr>
+        <p:cNvPr id="1" name=""/>
+        <p:cNvGrpSpPr/>
+        <p:nvPr/>
+      </p:nvGrpSpPr>
+      <p:grpSpPr>
+        <a:xfrm>
+          <a:off x="0" y="0"/>
+          <a:ext cx="0" cy="0"/>
+          <a:chOff x="0" y="0"/>
+          <a:chExt cx="0" cy="0"/>
+        </a:xfrm>
+      </p:grpSpPr>
       <p:pic>
         <p:nvPicPr>
           <p:cNvPr id="5" name="Picture Placeholder 4">
@@ -7969,10 +8638,102 @@
   <p:clrMapOvr>
     <a:masterClrMapping/>
   </p:clrMapOvr>
+  <mc:AlternateContent xmlns:mc="http://schemas.openxmlformats.org/markup-compatibility/2006">
+    <mc:Choice xmlns:p14="http://schemas.microsoft.com/office/powerpoint/2010/main" Requires="p14">
+      <p:transition spd="med" p14:dur="700">
+        <p:fade/>
+      </p:transition>
+    </mc:Choice>
+    <mc:Fallback>
+      <p:transition spd="med">
+        <p:fade/>
+      </p:transition>
+    </mc:Fallback>
+  </mc:AlternateContent>
 </p:sld>
 </file>
 
-<file path=ppt/slides/slide17.xml><?xml version="1.0" encoding="utf-8"?>
+<file path=ppt/slides/slide18.xml><?xml version="1.0" encoding="utf-8"?>
+<p:sld xmlns:a="http://schemas.openxmlformats.org/drawingml/2006/main" xmlns:r="http://schemas.openxmlformats.org/officeDocument/2006/relationships" xmlns:p="http://schemas.openxmlformats.org/presentationml/2006/main">
+  <p:cSld>
+    <p:spTree>
+      <p:nvGrpSpPr>
+        <p:cNvPr id="1" name=""/>
+        <p:cNvGrpSpPr/>
+        <p:nvPr/>
+      </p:nvGrpSpPr>
+      <p:grpSpPr>
+        <a:xfrm>
+          <a:off x="0" y="0"/>
+          <a:ext cx="0" cy="0"/>
+          <a:chOff x="0" y="0"/>
+          <a:chExt cx="0" cy="0"/>
+        </a:xfrm>
+      </p:grpSpPr>
+      <p:sp>
+        <p:nvSpPr>
+          <p:cNvPr id="2" name="Picture Placeholder 1">
+            <a:extLst>
+              <a:ext uri="{FF2B5EF4-FFF2-40B4-BE49-F238E27FC236}">
+                <a16:creationId xmlns:a16="http://schemas.microsoft.com/office/drawing/2014/main" id="{970E50D6-20E0-9CA7-DB27-CF0DB140444E}"/>
+              </a:ext>
+            </a:extLst>
+          </p:cNvPr>
+          <p:cNvSpPr>
+            <a:spLocks noGrp="1"/>
+          </p:cNvSpPr>
+          <p:nvPr>
+            <p:ph type="pic" sz="quarter" idx="10"/>
+          </p:nvPr>
+        </p:nvSpPr>
+        <p:spPr/>
+        <p:txBody>
+          <a:bodyPr/>
+          <a:lstStyle/>
+          <a:p>
+            <a:endParaRPr lang="es-ES"/>
+          </a:p>
+        </p:txBody>
+      </p:sp>
+      <p:sp>
+        <p:nvSpPr>
+          <p:cNvPr id="3" name="Text Placeholder 2">
+            <a:extLst>
+              <a:ext uri="{FF2B5EF4-FFF2-40B4-BE49-F238E27FC236}">
+                <a16:creationId xmlns:a16="http://schemas.microsoft.com/office/drawing/2014/main" id="{41A27FB7-4369-DE3F-6245-81E0AFFD3113}"/>
+              </a:ext>
+            </a:extLst>
+          </p:cNvPr>
+          <p:cNvSpPr>
+            <a:spLocks noGrp="1"/>
+          </p:cNvSpPr>
+          <p:nvPr>
+            <p:ph type="body" sz="quarter" idx="11"/>
+          </p:nvPr>
+        </p:nvSpPr>
+        <p:spPr/>
+        <p:txBody>
+          <a:bodyPr/>
+          <a:lstStyle/>
+          <a:p>
+            <a:endParaRPr lang="es-ES"/>
+          </a:p>
+        </p:txBody>
+      </p:sp>
+    </p:spTree>
+    <p:extLst>
+      <p:ext uri="{BB962C8B-B14F-4D97-AF65-F5344CB8AC3E}">
+        <p14:creationId xmlns:p14="http://schemas.microsoft.com/office/powerpoint/2010/main" val="3165475292"/>
+      </p:ext>
+    </p:extLst>
+  </p:cSld>
+  <p:clrMapOvr>
+    <a:masterClrMapping/>
+  </p:clrMapOvr>
+</p:sld>
+</file>
+
+<file path=ppt/slides/slide19.xml><?xml version="1.0" encoding="utf-8"?>
 <p:sld xmlns:a="http://schemas.openxmlformats.org/drawingml/2006/main" xmlns:r="http://schemas.openxmlformats.org/officeDocument/2006/relationships" xmlns:p="http://schemas.openxmlformats.org/presentationml/2006/main" show="0">
   <p:cSld>
     <p:spTree>
@@ -8047,6 +8808,18 @@
   <p:clrMapOvr>
     <a:masterClrMapping/>
   </p:clrMapOvr>
+  <mc:AlternateContent xmlns:mc="http://schemas.openxmlformats.org/markup-compatibility/2006">
+    <mc:Choice xmlns:p14="http://schemas.microsoft.com/office/powerpoint/2010/main" Requires="p14">
+      <p:transition spd="med" p14:dur="700">
+        <p:fade/>
+      </p:transition>
+    </mc:Choice>
+    <mc:Fallback>
+      <p:transition spd="med">
+        <p:fade/>
+      </p:transition>
+    </mc:Fallback>
+  </mc:AlternateContent>
 </p:sld>
 </file>
 
@@ -8055,7 +8828,13 @@
   <p:cSld>
     <p:spTree>
       <p:nvGrpSpPr>
-        <p:cNvPr id="1" name=""/>
+        <p:cNvPr id="1" name="">
+          <a:extLst>
+            <a:ext uri="{FF2B5EF4-FFF2-40B4-BE49-F238E27FC236}">
+              <a16:creationId xmlns:a16="http://schemas.microsoft.com/office/drawing/2014/main" id="{9C5B93E4-4448-6CC2-619A-F7F527B7D935}"/>
+            </a:ext>
+          </a:extLst>
+        </p:cNvPr>
         <p:cNvGrpSpPr/>
         <p:nvPr/>
       </p:nvGrpSpPr>
@@ -8072,7 +8851,7 @@
           <p:cNvPr id="2" name="Text Placeholder 1">
             <a:extLst>
               <a:ext uri="{FF2B5EF4-FFF2-40B4-BE49-F238E27FC236}">
-                <a16:creationId xmlns:a16="http://schemas.microsoft.com/office/drawing/2014/main" id="{92083A72-23BA-41C4-DFE5-57981B333B37}"/>
+                <a16:creationId xmlns:a16="http://schemas.microsoft.com/office/drawing/2014/main" id="{DDF2FEAA-8C0F-4D0E-AC58-D8E394533E0C}"/>
               </a:ext>
             </a:extLst>
           </p:cNvPr>
@@ -8096,23 +8875,36 @@
           <a:lstStyle/>
           <a:p>
             <a:r>
-              <a:rPr lang="en-US" sz="4000" i="0" u="none" strike="noStrike" dirty="0">
+              <a:rPr lang="en-US" sz="4000" u="sng" dirty="0">
                 <a:solidFill>
                   <a:schemeClr val="bg1"/>
                 </a:solidFill>
                 <a:effectLst/>
                 <a:latin typeface="open sans" panose="020B0606030504020204" pitchFamily="34" charset="0"/>
-                <a:hlinkClick r:id="rId2">
-                  <a:extLst>
-                    <a:ext uri="{A12FA001-AC4F-418D-AE19-62706E023703}">
-                      <ahyp:hlinkClr xmlns:ahyp="http://schemas.microsoft.com/office/drawing/2018/hyperlinkcolor" val="tx"/>
-                    </a:ext>
-                  </a:extLst>
-                </a:hlinkClick>
               </a:rPr>
-              <a:t>AI Meets SQL: Building a Smart Pizza Shop with .NET and Semantic Kernel</a:t>
-            </a:r>
-            <a:endParaRPr lang="en-GB" sz="4000" dirty="0">
+              <a:t>SQL database + SEMANTIC KERNEL + NET + </a:t>
+            </a:r>
+            <a:r>
+              <a:rPr lang="en-US" sz="4000" u="sng" dirty="0" err="1">
+                <a:solidFill>
+                  <a:schemeClr val="bg1"/>
+                </a:solidFill>
+                <a:effectLst/>
+                <a:latin typeface="open sans" panose="020B0606030504020204" pitchFamily="34" charset="0"/>
+              </a:rPr>
+              <a:t>entityframework</a:t>
+            </a:r>
+            <a:r>
+              <a:rPr lang="en-US" sz="4000" u="sng" dirty="0">
+                <a:solidFill>
+                  <a:schemeClr val="bg1"/>
+                </a:solidFill>
+                <a:effectLst/>
+                <a:latin typeface="open sans" panose="020B0606030504020204" pitchFamily="34" charset="0"/>
+              </a:rPr>
+              <a:t> + whatever you want</a:t>
+            </a:r>
+            <a:endParaRPr lang="en-GB" sz="4000" u="sng" dirty="0">
               <a:solidFill>
                 <a:schemeClr val="bg1"/>
               </a:solidFill>
@@ -8125,7 +8917,7 @@
           <p:cNvPr id="3" name="Text Placeholder 2">
             <a:extLst>
               <a:ext uri="{FF2B5EF4-FFF2-40B4-BE49-F238E27FC236}">
-                <a16:creationId xmlns:a16="http://schemas.microsoft.com/office/drawing/2014/main" id="{3B9A4CC7-DE3B-A1DF-5899-ABB75B2E1EC0}"/>
+                <a16:creationId xmlns:a16="http://schemas.microsoft.com/office/drawing/2014/main" id="{3551FC7B-F979-4B72-5E15-98F8391541A8}"/>
               </a:ext>
             </a:extLst>
           </p:cNvPr>
@@ -8155,7 +8947,7 @@
           <p:cNvPr id="5" name="Picture 2">
             <a:extLst>
               <a:ext uri="{FF2B5EF4-FFF2-40B4-BE49-F238E27FC236}">
-                <a16:creationId xmlns:a16="http://schemas.microsoft.com/office/drawing/2014/main" id="{14B26CE2-3AFD-5192-4872-E3C421378BD6}"/>
+                <a16:creationId xmlns:a16="http://schemas.microsoft.com/office/drawing/2014/main" id="{CD7C72FF-97E8-2926-DAAD-378B0161CDEF}"/>
               </a:ext>
             </a:extLst>
           </p:cNvPr>
@@ -8167,7 +8959,7 @@
           </p:nvPr>
         </p:nvPicPr>
         <p:blipFill>
-          <a:blip r:embed="rId3">
+          <a:blip r:embed="rId2">
             <a:extLst>
               <a:ext uri="{28A0092B-C50C-407E-A947-70E740481C1C}">
                 <a14:useLocalDpi xmlns:a14="http://schemas.microsoft.com/office/drawing/2010/main" val="0"/>
@@ -8202,13 +8994,25 @@
     </p:spTree>
     <p:extLst>
       <p:ext uri="{BB962C8B-B14F-4D97-AF65-F5344CB8AC3E}">
-        <p14:creationId xmlns:p14="http://schemas.microsoft.com/office/powerpoint/2010/main" val="858246612"/>
+        <p14:creationId xmlns:p14="http://schemas.microsoft.com/office/powerpoint/2010/main" val="2556818561"/>
       </p:ext>
     </p:extLst>
   </p:cSld>
   <p:clrMapOvr>
     <a:masterClrMapping/>
   </p:clrMapOvr>
+  <mc:AlternateContent xmlns:mc="http://schemas.openxmlformats.org/markup-compatibility/2006">
+    <mc:Choice xmlns:p14="http://schemas.microsoft.com/office/powerpoint/2010/main" Requires="p14">
+      <p:transition spd="med" p14:dur="700">
+        <p:fade/>
+      </p:transition>
+    </mc:Choice>
+    <mc:Fallback>
+      <p:transition spd="med">
+        <p:fade/>
+      </p:transition>
+    </mc:Fallback>
+  </mc:AlternateContent>
 </p:sld>
 </file>
 
@@ -8229,245 +9033,28 @@
           <a:chExt cx="0" cy="0"/>
         </a:xfrm>
       </p:grpSpPr>
-      <p:sp>
-        <p:nvSpPr>
-          <p:cNvPr id="2" name="Text Placeholder 1">
-            <a:extLst>
-              <a:ext uri="{FF2B5EF4-FFF2-40B4-BE49-F238E27FC236}">
-                <a16:creationId xmlns:a16="http://schemas.microsoft.com/office/drawing/2014/main" id="{CEE8DB7E-804D-4DD4-D713-49F06DB3BEB1}"/>
-              </a:ext>
-            </a:extLst>
-          </p:cNvPr>
-          <p:cNvSpPr>
-            <a:spLocks noGrp="1"/>
-          </p:cNvSpPr>
-          <p:nvPr>
-            <p:ph type="body" sz="quarter" idx="10"/>
-          </p:nvPr>
-        </p:nvSpPr>
-        <p:spPr/>
-        <p:txBody>
-          <a:bodyPr anchor="ctr">
-            <a:normAutofit fontScale="85000" lnSpcReduction="10000"/>
-          </a:bodyPr>
-          <a:lstStyle/>
-          <a:p>
-            <a:pPr algn="ctr"/>
-            <a:r>
-              <a:rPr lang="en-GB" dirty="0"/>
-              <a:t>Emiliano Montesdeoca</a:t>
-            </a:r>
-          </a:p>
-        </p:txBody>
-      </p:sp>
-      <p:sp>
-        <p:nvSpPr>
-          <p:cNvPr id="3" name="Text Placeholder 2">
-            <a:extLst>
-              <a:ext uri="{FF2B5EF4-FFF2-40B4-BE49-F238E27FC236}">
-                <a16:creationId xmlns:a16="http://schemas.microsoft.com/office/drawing/2014/main" id="{E62176C5-1CEE-7D27-D562-11D8E5F33A10}"/>
-              </a:ext>
-            </a:extLst>
-          </p:cNvPr>
-          <p:cNvSpPr>
-            <a:spLocks noGrp="1"/>
-          </p:cNvSpPr>
-          <p:nvPr>
-            <p:ph type="body" sz="quarter" idx="11"/>
-          </p:nvPr>
-        </p:nvSpPr>
-        <p:spPr>
-          <a:xfrm>
-            <a:off x="741579" y="3955581"/>
-            <a:ext cx="4352935" cy="867131"/>
-          </a:xfrm>
-        </p:spPr>
-        <p:txBody>
-          <a:bodyPr>
-            <a:normAutofit/>
-          </a:bodyPr>
-          <a:lstStyle/>
-          <a:p>
-            <a:r>
-              <a:rPr lang="en-GB" sz="2100" dirty="0"/>
-              <a:t>Cloud Dev Team Lead @ </a:t>
-            </a:r>
-            <a:r>
-              <a:rPr lang="en-GB" sz="2100" dirty="0" err="1"/>
-              <a:t>Intelequia</a:t>
-            </a:r>
-            <a:endParaRPr lang="en-GB" sz="2100" dirty="0"/>
-          </a:p>
-          <a:p>
-            <a:r>
-              <a:rPr lang="en-GB" sz="2100" dirty="0"/>
-              <a:t>@emimontesdeocaa</a:t>
-            </a:r>
-          </a:p>
-        </p:txBody>
-      </p:sp>
-      <p:sp>
-        <p:nvSpPr>
-          <p:cNvPr id="8" name="AutoShape 6" descr="alt text">
-            <a:extLst>
-              <a:ext uri="{FF2B5EF4-FFF2-40B4-BE49-F238E27FC236}">
-                <a16:creationId xmlns:a16="http://schemas.microsoft.com/office/drawing/2014/main" id="{63164B40-1CDF-97C2-46EA-C0B04659C719}"/>
-              </a:ext>
-            </a:extLst>
-          </p:cNvPr>
-          <p:cNvSpPr>
-            <a:spLocks noChangeAspect="1" noChangeArrowheads="1"/>
-          </p:cNvSpPr>
-          <p:nvPr/>
-        </p:nvSpPr>
-        <p:spPr bwMode="auto">
-          <a:xfrm>
-            <a:off x="5943600" y="3276600"/>
-            <a:ext cx="304800" cy="304800"/>
-          </a:xfrm>
-          <a:prstGeom prst="rect">
-            <a:avLst/>
-          </a:prstGeom>
-          <a:noFill/>
-          <a:extLst>
-            <a:ext uri="{909E8E84-426E-40DD-AFC4-6F175D3DCCD1}">
-              <a14:hiddenFill xmlns:a14="http://schemas.microsoft.com/office/drawing/2010/main">
-                <a:solidFill>
-                  <a:srgbClr val="FFFFFF"/>
-                </a:solidFill>
-              </a14:hiddenFill>
-            </a:ext>
-          </a:extLst>
-        </p:spPr>
-        <p:txBody>
-          <a:bodyPr vert="horz" wrap="square" lIns="91440" tIns="45720" rIns="91440" bIns="45720" numCol="1" anchor="t" anchorCtr="0" compatLnSpc="1">
-            <a:prstTxWarp prst="textNoShape">
-              <a:avLst/>
-            </a:prstTxWarp>
-          </a:bodyPr>
-          <a:lstStyle/>
-          <a:p>
-            <a:endParaRPr lang="es-ES"/>
-          </a:p>
-        </p:txBody>
-      </p:sp>
-      <p:pic>
-        <p:nvPicPr>
-          <p:cNvPr id="10" name="Picture 9">
-            <a:extLst>
-              <a:ext uri="{FF2B5EF4-FFF2-40B4-BE49-F238E27FC236}">
-                <a16:creationId xmlns:a16="http://schemas.microsoft.com/office/drawing/2014/main" id="{0F67E1A7-6882-3C8F-D106-457052F4BE28}"/>
-              </a:ext>
-            </a:extLst>
-          </p:cNvPr>
-          <p:cNvPicPr>
-            <a:picLocks noChangeAspect="1"/>
-          </p:cNvPicPr>
-          <p:nvPr/>
-        </p:nvPicPr>
-        <p:blipFill>
-          <a:blip r:embed="rId2"/>
-          <a:stretch>
-            <a:fillRect/>
-          </a:stretch>
-        </p:blipFill>
-        <p:spPr>
-          <a:xfrm>
-            <a:off x="741579" y="5311677"/>
-            <a:ext cx="2371156" cy="950810"/>
-          </a:xfrm>
-          <a:prstGeom prst="rect">
-            <a:avLst/>
-          </a:prstGeom>
-        </p:spPr>
-      </p:pic>
-      <p:pic>
-        <p:nvPicPr>
-          <p:cNvPr id="11" name="Picture 10">
-            <a:extLst>
-              <a:ext uri="{FF2B5EF4-FFF2-40B4-BE49-F238E27FC236}">
-                <a16:creationId xmlns:a16="http://schemas.microsoft.com/office/drawing/2014/main" id="{9B800E55-C21F-A66B-B45F-45036CDA263B}"/>
-              </a:ext>
-            </a:extLst>
-          </p:cNvPr>
-          <p:cNvPicPr>
-            <a:picLocks noChangeAspect="1"/>
-          </p:cNvPicPr>
-          <p:nvPr/>
-        </p:nvPicPr>
-        <p:blipFill>
-          <a:blip r:embed="rId3"/>
-          <a:stretch>
-            <a:fillRect/>
-          </a:stretch>
-        </p:blipFill>
-        <p:spPr>
-          <a:xfrm>
-            <a:off x="3075114" y="5311677"/>
-            <a:ext cx="2159131" cy="950810"/>
-          </a:xfrm>
-          <a:prstGeom prst="rect">
-            <a:avLst/>
-          </a:prstGeom>
-        </p:spPr>
-      </p:pic>
-      <p:pic>
-        <p:nvPicPr>
-          <p:cNvPr id="12" name="Picture 2">
-            <a:extLst>
-              <a:ext uri="{FF2B5EF4-FFF2-40B4-BE49-F238E27FC236}">
-                <a16:creationId xmlns:a16="http://schemas.microsoft.com/office/drawing/2014/main" id="{97F80DED-0457-2D9E-0509-7AAF4201305D}"/>
-              </a:ext>
-            </a:extLst>
-          </p:cNvPr>
-          <p:cNvPicPr>
-            <a:picLocks noChangeAspect="1" noChangeArrowheads="1"/>
-          </p:cNvPicPr>
-          <p:nvPr/>
-        </p:nvPicPr>
-        <p:blipFill>
-          <a:blip r:embed="rId4">
-            <a:extLst>
-              <a:ext uri="{28A0092B-C50C-407E-A947-70E740481C1C}">
-                <a14:useLocalDpi xmlns:a14="http://schemas.microsoft.com/office/drawing/2010/main" val="0"/>
-              </a:ext>
-            </a:extLst>
-          </a:blip>
-          <a:srcRect/>
-          <a:stretch>
-            <a:fillRect/>
-          </a:stretch>
-        </p:blipFill>
-        <p:spPr bwMode="auto">
-          <a:xfrm>
-            <a:off x="5725409" y="1371602"/>
-            <a:ext cx="4267200" cy="4267200"/>
-          </a:xfrm>
-          <a:prstGeom prst="rect">
-            <a:avLst/>
-          </a:prstGeom>
-          <a:noFill/>
-          <a:extLst>
-            <a:ext uri="{909E8E84-426E-40DD-AFC4-6F175D3DCCD1}">
-              <a14:hiddenFill xmlns:a14="http://schemas.microsoft.com/office/drawing/2010/main">
-                <a:solidFill>
-                  <a:srgbClr val="FFFFFF"/>
-                </a:solidFill>
-              </a14:hiddenFill>
-            </a:ext>
-          </a:extLst>
-        </p:spPr>
-      </p:pic>
     </p:spTree>
     <p:extLst>
       <p:ext uri="{BB962C8B-B14F-4D97-AF65-F5344CB8AC3E}">
-        <p14:creationId xmlns:p14="http://schemas.microsoft.com/office/powerpoint/2010/main" val="3682522082"/>
+        <p14:creationId xmlns:p14="http://schemas.microsoft.com/office/powerpoint/2010/main" val="1731691395"/>
       </p:ext>
     </p:extLst>
   </p:cSld>
   <p:clrMapOvr>
     <a:masterClrMapping/>
   </p:clrMapOvr>
+  <mc:AlternateContent xmlns:mc="http://schemas.openxmlformats.org/markup-compatibility/2006">
+    <mc:Choice xmlns:p14="http://schemas.microsoft.com/office/powerpoint/2010/main" Requires="p14">
+      <p:transition spd="med" p14:dur="700">
+        <p:fade/>
+      </p:transition>
+    </mc:Choice>
+    <mc:Fallback>
+      <p:transition spd="med">
+        <p:fade/>
+      </p:transition>
+    </mc:Fallback>
+  </mc:AlternateContent>
 </p:sld>
 </file>
 
@@ -8490,6 +9077,283 @@
       </p:grpSpPr>
       <p:sp>
         <p:nvSpPr>
+          <p:cNvPr id="2" name="Text Placeholder 1">
+            <a:extLst>
+              <a:ext uri="{FF2B5EF4-FFF2-40B4-BE49-F238E27FC236}">
+                <a16:creationId xmlns:a16="http://schemas.microsoft.com/office/drawing/2014/main" id="{CEE8DB7E-804D-4DD4-D713-49F06DB3BEB1}"/>
+              </a:ext>
+            </a:extLst>
+          </p:cNvPr>
+          <p:cNvSpPr>
+            <a:spLocks noGrp="1"/>
+          </p:cNvSpPr>
+          <p:nvPr>
+            <p:ph type="body" sz="quarter" idx="10"/>
+          </p:nvPr>
+        </p:nvSpPr>
+        <p:spPr/>
+        <p:txBody>
+          <a:bodyPr anchor="ctr">
+            <a:normAutofit fontScale="85000" lnSpcReduction="10000"/>
+          </a:bodyPr>
+          <a:lstStyle/>
+          <a:p>
+            <a:pPr algn="ctr"/>
+            <a:r>
+              <a:rPr lang="en-GB" dirty="0"/>
+              <a:t>Emiliano Montesdeoca</a:t>
+            </a:r>
+          </a:p>
+        </p:txBody>
+      </p:sp>
+      <p:sp>
+        <p:nvSpPr>
+          <p:cNvPr id="3" name="Text Placeholder 2">
+            <a:extLst>
+              <a:ext uri="{FF2B5EF4-FFF2-40B4-BE49-F238E27FC236}">
+                <a16:creationId xmlns:a16="http://schemas.microsoft.com/office/drawing/2014/main" id="{E62176C5-1CEE-7D27-D562-11D8E5F33A10}"/>
+              </a:ext>
+            </a:extLst>
+          </p:cNvPr>
+          <p:cNvSpPr>
+            <a:spLocks noGrp="1"/>
+          </p:cNvSpPr>
+          <p:nvPr>
+            <p:ph type="body" sz="quarter" idx="11"/>
+          </p:nvPr>
+        </p:nvSpPr>
+        <p:spPr>
+          <a:xfrm>
+            <a:off x="741579" y="3955581"/>
+            <a:ext cx="4352935" cy="1269562"/>
+          </a:xfrm>
+        </p:spPr>
+        <p:txBody>
+          <a:bodyPr>
+            <a:normAutofit/>
+          </a:bodyPr>
+          <a:lstStyle/>
+          <a:p>
+            <a:r>
+              <a:rPr lang="en-GB" sz="2100" dirty="0"/>
+              <a:t>Cloud Dev Team Lead @ </a:t>
+            </a:r>
+            <a:r>
+              <a:rPr lang="en-GB" sz="2100" dirty="0" err="1"/>
+              <a:t>Intelequia</a:t>
+            </a:r>
+            <a:endParaRPr lang="en-GB" sz="2100" dirty="0"/>
+          </a:p>
+          <a:p>
+            <a:r>
+              <a:rPr lang="en-GB" sz="2100" dirty="0"/>
+              <a:t>MVP in Developer Technologies</a:t>
+            </a:r>
+          </a:p>
+          <a:p>
+            <a:r>
+              <a:rPr lang="en-GB" sz="2100" dirty="0"/>
+              <a:t>@emimontesdeocaa</a:t>
+            </a:r>
+          </a:p>
+        </p:txBody>
+      </p:sp>
+      <p:sp>
+        <p:nvSpPr>
+          <p:cNvPr id="8" name="AutoShape 6" descr="alt text">
+            <a:extLst>
+              <a:ext uri="{FF2B5EF4-FFF2-40B4-BE49-F238E27FC236}">
+                <a16:creationId xmlns:a16="http://schemas.microsoft.com/office/drawing/2014/main" id="{63164B40-1CDF-97C2-46EA-C0B04659C719}"/>
+              </a:ext>
+            </a:extLst>
+          </p:cNvPr>
+          <p:cNvSpPr>
+            <a:spLocks noChangeAspect="1" noChangeArrowheads="1"/>
+          </p:cNvSpPr>
+          <p:nvPr/>
+        </p:nvSpPr>
+        <p:spPr bwMode="auto">
+          <a:xfrm>
+            <a:off x="5943600" y="3276600"/>
+            <a:ext cx="304800" cy="304800"/>
+          </a:xfrm>
+          <a:prstGeom prst="rect">
+            <a:avLst/>
+          </a:prstGeom>
+          <a:noFill/>
+          <a:extLst>
+            <a:ext uri="{909E8E84-426E-40DD-AFC4-6F175D3DCCD1}">
+              <a14:hiddenFill xmlns:a14="http://schemas.microsoft.com/office/drawing/2010/main">
+                <a:solidFill>
+                  <a:srgbClr val="FFFFFF"/>
+                </a:solidFill>
+              </a14:hiddenFill>
+            </a:ext>
+          </a:extLst>
+        </p:spPr>
+        <p:txBody>
+          <a:bodyPr vert="horz" wrap="square" lIns="91440" tIns="45720" rIns="91440" bIns="45720" numCol="1" anchor="t" anchorCtr="0" compatLnSpc="1">
+            <a:prstTxWarp prst="textNoShape">
+              <a:avLst/>
+            </a:prstTxWarp>
+          </a:bodyPr>
+          <a:lstStyle/>
+          <a:p>
+            <a:endParaRPr lang="es-ES"/>
+          </a:p>
+        </p:txBody>
+      </p:sp>
+      <p:pic>
+        <p:nvPicPr>
+          <p:cNvPr id="10" name="Picture 9">
+            <a:extLst>
+              <a:ext uri="{FF2B5EF4-FFF2-40B4-BE49-F238E27FC236}">
+                <a16:creationId xmlns:a16="http://schemas.microsoft.com/office/drawing/2014/main" id="{0F67E1A7-6882-3C8F-D106-457052F4BE28}"/>
+              </a:ext>
+            </a:extLst>
+          </p:cNvPr>
+          <p:cNvPicPr>
+            <a:picLocks noChangeAspect="1"/>
+          </p:cNvPicPr>
+          <p:nvPr/>
+        </p:nvPicPr>
+        <p:blipFill>
+          <a:blip r:embed="rId2"/>
+          <a:stretch>
+            <a:fillRect/>
+          </a:stretch>
+        </p:blipFill>
+        <p:spPr>
+          <a:xfrm>
+            <a:off x="741579" y="5311677"/>
+            <a:ext cx="2371156" cy="950810"/>
+          </a:xfrm>
+          <a:prstGeom prst="rect">
+            <a:avLst/>
+          </a:prstGeom>
+        </p:spPr>
+      </p:pic>
+      <p:pic>
+        <p:nvPicPr>
+          <p:cNvPr id="11" name="Picture 10">
+            <a:extLst>
+              <a:ext uri="{FF2B5EF4-FFF2-40B4-BE49-F238E27FC236}">
+                <a16:creationId xmlns:a16="http://schemas.microsoft.com/office/drawing/2014/main" id="{9B800E55-C21F-A66B-B45F-45036CDA263B}"/>
+              </a:ext>
+            </a:extLst>
+          </p:cNvPr>
+          <p:cNvPicPr>
+            <a:picLocks noChangeAspect="1"/>
+          </p:cNvPicPr>
+          <p:nvPr/>
+        </p:nvPicPr>
+        <p:blipFill>
+          <a:blip r:embed="rId3"/>
+          <a:stretch>
+            <a:fillRect/>
+          </a:stretch>
+        </p:blipFill>
+        <p:spPr>
+          <a:xfrm>
+            <a:off x="3075114" y="5311677"/>
+            <a:ext cx="2159131" cy="950810"/>
+          </a:xfrm>
+          <a:prstGeom prst="rect">
+            <a:avLst/>
+          </a:prstGeom>
+        </p:spPr>
+      </p:pic>
+      <p:pic>
+        <p:nvPicPr>
+          <p:cNvPr id="12" name="Picture 2">
+            <a:extLst>
+              <a:ext uri="{FF2B5EF4-FFF2-40B4-BE49-F238E27FC236}">
+                <a16:creationId xmlns:a16="http://schemas.microsoft.com/office/drawing/2014/main" id="{97F80DED-0457-2D9E-0509-7AAF4201305D}"/>
+              </a:ext>
+            </a:extLst>
+          </p:cNvPr>
+          <p:cNvPicPr>
+            <a:picLocks noChangeAspect="1" noChangeArrowheads="1"/>
+          </p:cNvPicPr>
+          <p:nvPr/>
+        </p:nvPicPr>
+        <p:blipFill>
+          <a:blip r:embed="rId4">
+            <a:extLst>
+              <a:ext uri="{28A0092B-C50C-407E-A947-70E740481C1C}">
+                <a14:useLocalDpi xmlns:a14="http://schemas.microsoft.com/office/drawing/2010/main" val="0"/>
+              </a:ext>
+            </a:extLst>
+          </a:blip>
+          <a:srcRect/>
+          <a:stretch>
+            <a:fillRect/>
+          </a:stretch>
+        </p:blipFill>
+        <p:spPr bwMode="auto">
+          <a:xfrm>
+            <a:off x="5725409" y="1371602"/>
+            <a:ext cx="4267200" cy="4267200"/>
+          </a:xfrm>
+          <a:prstGeom prst="rect">
+            <a:avLst/>
+          </a:prstGeom>
+          <a:noFill/>
+          <a:extLst>
+            <a:ext uri="{909E8E84-426E-40DD-AFC4-6F175D3DCCD1}">
+              <a14:hiddenFill xmlns:a14="http://schemas.microsoft.com/office/drawing/2010/main">
+                <a:solidFill>
+                  <a:srgbClr val="FFFFFF"/>
+                </a:solidFill>
+              </a14:hiddenFill>
+            </a:ext>
+          </a:extLst>
+        </p:spPr>
+      </p:pic>
+    </p:spTree>
+    <p:extLst>
+      <p:ext uri="{BB962C8B-B14F-4D97-AF65-F5344CB8AC3E}">
+        <p14:creationId xmlns:p14="http://schemas.microsoft.com/office/powerpoint/2010/main" val="3682522082"/>
+      </p:ext>
+    </p:extLst>
+  </p:cSld>
+  <p:clrMapOvr>
+    <a:masterClrMapping/>
+  </p:clrMapOvr>
+  <mc:AlternateContent xmlns:mc="http://schemas.openxmlformats.org/markup-compatibility/2006">
+    <mc:Choice xmlns:p14="http://schemas.microsoft.com/office/powerpoint/2010/main" Requires="p14">
+      <p:transition spd="med" p14:dur="700">
+        <p:fade/>
+      </p:transition>
+    </mc:Choice>
+    <mc:Fallback>
+      <p:transition spd="med">
+        <p:fade/>
+      </p:transition>
+    </mc:Fallback>
+  </mc:AlternateContent>
+</p:sld>
+</file>
+
+<file path=ppt/slides/slide5.xml><?xml version="1.0" encoding="utf-8"?>
+<p:sld xmlns:a="http://schemas.openxmlformats.org/drawingml/2006/main" xmlns:r="http://schemas.openxmlformats.org/officeDocument/2006/relationships" xmlns:p="http://schemas.openxmlformats.org/presentationml/2006/main">
+  <p:cSld>
+    <p:spTree>
+      <p:nvGrpSpPr>
+        <p:cNvPr id="1" name=""/>
+        <p:cNvGrpSpPr/>
+        <p:nvPr/>
+      </p:nvGrpSpPr>
+      <p:grpSpPr>
+        <a:xfrm>
+          <a:off x="0" y="0"/>
+          <a:ext cx="0" cy="0"/>
+          <a:chOff x="0" y="0"/>
+          <a:chExt cx="0" cy="0"/>
+        </a:xfrm>
+      </p:grpSpPr>
+      <p:sp>
+        <p:nvSpPr>
           <p:cNvPr id="4" name="Title 3">
             <a:extLst>
               <a:ext uri="{FF2B5EF4-FFF2-40B4-BE49-F238E27FC236}">
@@ -8604,7 +9468,7 @@
         <p:spPr>
           <a:xfrm>
             <a:off x="3972654" y="4170373"/>
-            <a:ext cx="4246685" cy="355482"/>
+            <a:ext cx="4246685" cy="618631"/>
           </a:xfrm>
           <a:prstGeom prst="rect">
             <a:avLst/>
@@ -8642,7 +9506,7 @@
                 </a:solidFill>
                 <a:latin typeface="Segoe UI Semibold" panose="020F0502020204030204" pitchFamily="34" charset="0"/>
               </a:rPr>
-              <a:t>Your boss would tell you that…</a:t>
+              <a:t>Your boss every single day/week/month…</a:t>
             </a:r>
             <a:endParaRPr lang="en-US" sz="1800" b="1" dirty="0">
               <a:solidFill>
@@ -8700,10 +9564,22 @@
   <p:clrMapOvr>
     <a:masterClrMapping/>
   </p:clrMapOvr>
+  <mc:AlternateContent xmlns:mc="http://schemas.openxmlformats.org/markup-compatibility/2006">
+    <mc:Choice xmlns:p14="http://schemas.microsoft.com/office/powerpoint/2010/main" Requires="p14">
+      <p:transition spd="med" p14:dur="700">
+        <p:fade/>
+      </p:transition>
+    </mc:Choice>
+    <mc:Fallback>
+      <p:transition spd="med">
+        <p:fade/>
+      </p:transition>
+    </mc:Fallback>
+  </mc:AlternateContent>
 </p:sld>
 </file>
 
-<file path=ppt/slides/slide5.xml><?xml version="1.0" encoding="utf-8"?>
+<file path=ppt/slides/slide6.xml><?xml version="1.0" encoding="utf-8"?>
 <p:sld xmlns:a="http://schemas.openxmlformats.org/drawingml/2006/main" xmlns:r="http://schemas.openxmlformats.org/officeDocument/2006/relationships" xmlns:p="http://schemas.openxmlformats.org/presentationml/2006/main">
   <p:cSld>
     <p:spTree>
@@ -9268,6 +10144,41 @@
           </a:p>
         </p:txBody>
       </p:sp>
+      <p:sp>
+        <p:nvSpPr>
+          <p:cNvPr id="3" name="TextBox 2">
+            <a:extLst>
+              <a:ext uri="{FF2B5EF4-FFF2-40B4-BE49-F238E27FC236}">
+                <a16:creationId xmlns:a16="http://schemas.microsoft.com/office/drawing/2014/main" id="{CED42D26-9795-AB6C-D540-A6A13D9DC2D6}"/>
+              </a:ext>
+            </a:extLst>
+          </p:cNvPr>
+          <p:cNvSpPr txBox="1"/>
+          <p:nvPr/>
+        </p:nvSpPr>
+        <p:spPr>
+          <a:xfrm>
+            <a:off x="0" y="6467447"/>
+            <a:ext cx="2399470" cy="369332"/>
+          </a:xfrm>
+          <a:prstGeom prst="rect">
+            <a:avLst/>
+          </a:prstGeom>
+          <a:noFill/>
+        </p:spPr>
+        <p:txBody>
+          <a:bodyPr wrap="square">
+            <a:spAutoFit/>
+          </a:bodyPr>
+          <a:lstStyle/>
+          <a:p>
+            <a:r>
+              <a:rPr lang="en-GB" sz="1800" dirty="0"/>
+              <a:t>@emimontesdeocaa</a:t>
+            </a:r>
+          </a:p>
+        </p:txBody>
+      </p:sp>
     </p:spTree>
     <p:extLst>
       <p:ext uri="{BB962C8B-B14F-4D97-AF65-F5344CB8AC3E}">
@@ -9278,10 +10189,22 @@
   <p:clrMapOvr>
     <a:masterClrMapping/>
   </p:clrMapOvr>
+  <mc:AlternateContent xmlns:mc="http://schemas.openxmlformats.org/markup-compatibility/2006">
+    <mc:Choice xmlns:p14="http://schemas.microsoft.com/office/powerpoint/2010/main" Requires="p14">
+      <p:transition spd="med" p14:dur="700">
+        <p:fade/>
+      </p:transition>
+    </mc:Choice>
+    <mc:Fallback>
+      <p:transition spd="med">
+        <p:fade/>
+      </p:transition>
+    </mc:Fallback>
+  </mc:AlternateContent>
 </p:sld>
 </file>
 
-<file path=ppt/slides/slide6.xml><?xml version="1.0" encoding="utf-8"?>
+<file path=ppt/slides/slide7.xml><?xml version="1.0" encoding="utf-8"?>
 <p:sld xmlns:a="http://schemas.openxmlformats.org/drawingml/2006/main" xmlns:r="http://schemas.openxmlformats.org/officeDocument/2006/relationships" xmlns:p="http://schemas.openxmlformats.org/presentationml/2006/main">
   <p:cSld>
     <p:spTree>
@@ -9846,6 +10769,41 @@
           </a:p>
         </p:txBody>
       </p:sp>
+      <p:sp>
+        <p:nvSpPr>
+          <p:cNvPr id="2" name="TextBox 1">
+            <a:extLst>
+              <a:ext uri="{FF2B5EF4-FFF2-40B4-BE49-F238E27FC236}">
+                <a16:creationId xmlns:a16="http://schemas.microsoft.com/office/drawing/2014/main" id="{B981D91C-9FB0-98F0-A317-B3E349F0EB95}"/>
+              </a:ext>
+            </a:extLst>
+          </p:cNvPr>
+          <p:cNvSpPr txBox="1"/>
+          <p:nvPr/>
+        </p:nvSpPr>
+        <p:spPr>
+          <a:xfrm>
+            <a:off x="9829316" y="6457136"/>
+            <a:ext cx="2399470" cy="369332"/>
+          </a:xfrm>
+          <a:prstGeom prst="rect">
+            <a:avLst/>
+          </a:prstGeom>
+          <a:noFill/>
+        </p:spPr>
+        <p:txBody>
+          <a:bodyPr wrap="square">
+            <a:spAutoFit/>
+          </a:bodyPr>
+          <a:lstStyle/>
+          <a:p>
+            <a:r>
+              <a:rPr lang="en-GB" sz="1800" dirty="0"/>
+              <a:t>@emimontesdeocaa</a:t>
+            </a:r>
+          </a:p>
+        </p:txBody>
+      </p:sp>
     </p:spTree>
     <p:extLst>
       <p:ext uri="{BB962C8B-B14F-4D97-AF65-F5344CB8AC3E}">
@@ -9856,10 +10814,22 @@
   <p:clrMapOvr>
     <a:masterClrMapping/>
   </p:clrMapOvr>
+  <mc:AlternateContent xmlns:mc="http://schemas.openxmlformats.org/markup-compatibility/2006">
+    <mc:Choice xmlns:p14="http://schemas.microsoft.com/office/powerpoint/2010/main" Requires="p14">
+      <p:transition spd="med" p14:dur="700">
+        <p:fade/>
+      </p:transition>
+    </mc:Choice>
+    <mc:Fallback>
+      <p:transition spd="med">
+        <p:fade/>
+      </p:transition>
+    </mc:Fallback>
+  </mc:AlternateContent>
 </p:sld>
 </file>
 
-<file path=ppt/slides/slide7.xml><?xml version="1.0" encoding="utf-8"?>
+<file path=ppt/slides/slide8.xml><?xml version="1.0" encoding="utf-8"?>
 <p:sld xmlns:a="http://schemas.openxmlformats.org/drawingml/2006/main" xmlns:r="http://schemas.openxmlformats.org/officeDocument/2006/relationships" xmlns:p="http://schemas.openxmlformats.org/presentationml/2006/main">
   <p:cSld>
     <p:spTree>
@@ -9923,7 +10893,7 @@
                 <a:ea typeface="+mn-ea"/>
                 <a:cs typeface="Segoe UI" pitchFamily="34" charset="0"/>
               </a:rPr>
-              <a:t>We are required to </a:t>
+              <a:t>Now, we are required to </a:t>
             </a:r>
             <a:r>
               <a:rPr kumimoji="0" lang="en-GB" sz="7200" b="0" i="0" u="sng" strike="noStrike" kern="1200" cap="none" spc="-50" normalizeH="0" baseline="0" noProof="0" dirty="0">
@@ -10068,10 +11038,22 @@
   <p:clrMapOvr>
     <a:masterClrMapping/>
   </p:clrMapOvr>
+  <mc:AlternateContent xmlns:mc="http://schemas.openxmlformats.org/markup-compatibility/2006">
+    <mc:Choice xmlns:p14="http://schemas.microsoft.com/office/powerpoint/2010/main" Requires="p14">
+      <p:transition spd="med" p14:dur="700">
+        <p:fade/>
+      </p:transition>
+    </mc:Choice>
+    <mc:Fallback>
+      <p:transition spd="med">
+        <p:fade/>
+      </p:transition>
+    </mc:Fallback>
+  </mc:AlternateContent>
 </p:sld>
 </file>
 
-<file path=ppt/slides/slide8.xml><?xml version="1.0" encoding="utf-8"?>
+<file path=ppt/slides/slide9.xml><?xml version="1.0" encoding="utf-8"?>
 <p:sld xmlns:a="http://schemas.openxmlformats.org/drawingml/2006/main" xmlns:r="http://schemas.openxmlformats.org/officeDocument/2006/relationships" xmlns:p="http://schemas.openxmlformats.org/presentationml/2006/main">
   <p:cSld>
     <p:spTree>
@@ -10135,7 +11117,7 @@
                 <a:ea typeface="+mn-ea"/>
                 <a:cs typeface="Segoe UI" pitchFamily="34" charset="0"/>
               </a:rPr>
-              <a:t>…but the apps of the future will </a:t>
+              <a:t>…but the applications of the future will </a:t>
             </a:r>
             <a:r>
               <a:rPr kumimoji="0" lang="en-GB" sz="7200" b="0" i="0" u="sng" strike="noStrike" kern="1200" cap="none" spc="-50" normalizeH="0" baseline="0" noProof="0" dirty="0">
@@ -10280,200 +11262,18 @@
   <p:clrMapOvr>
     <a:masterClrMapping/>
   </p:clrMapOvr>
-</p:sld>
-</file>
-
-<file path=ppt/slides/slide9.xml><?xml version="1.0" encoding="utf-8"?>
-<p:sld xmlns:a="http://schemas.openxmlformats.org/drawingml/2006/main" xmlns:r="http://schemas.openxmlformats.org/officeDocument/2006/relationships" xmlns:p="http://schemas.openxmlformats.org/presentationml/2006/main">
-  <p:cSld>
-    <p:spTree>
-      <p:nvGrpSpPr>
-        <p:cNvPr id="1" name="">
-          <a:extLst>
-            <a:ext uri="{FF2B5EF4-FFF2-40B4-BE49-F238E27FC236}">
-              <a16:creationId xmlns:a16="http://schemas.microsoft.com/office/drawing/2014/main" id="{0C6EAB66-808E-AAC2-21CB-D4B302FB194D}"/>
-            </a:ext>
-          </a:extLst>
-        </p:cNvPr>
-        <p:cNvGrpSpPr/>
-        <p:nvPr/>
-      </p:nvGrpSpPr>
-      <p:grpSpPr>
-        <a:xfrm>
-          <a:off x="0" y="0"/>
-          <a:ext cx="0" cy="0"/>
-          <a:chOff x="0" y="0"/>
-          <a:chExt cx="0" cy="0"/>
-        </a:xfrm>
-      </p:grpSpPr>
-      <p:sp>
-        <p:nvSpPr>
-          <p:cNvPr id="2" name="Title 3">
-            <a:extLst>
-              <a:ext uri="{FF2B5EF4-FFF2-40B4-BE49-F238E27FC236}">
-                <a16:creationId xmlns:a16="http://schemas.microsoft.com/office/drawing/2014/main" id="{3810E90C-3371-A449-BA31-8675097BADA5}"/>
-              </a:ext>
-            </a:extLst>
-          </p:cNvPr>
-          <p:cNvSpPr>
-            <a:spLocks noGrp="1"/>
-          </p:cNvSpPr>
-          <p:nvPr>
-            <p:ph type="title"/>
-          </p:nvPr>
-        </p:nvSpPr>
-        <p:spPr>
-          <a:xfrm>
-            <a:off x="1842308" y="3189791"/>
-            <a:ext cx="8507383" cy="1107996"/>
-          </a:xfrm>
-        </p:spPr>
-        <p:txBody>
-          <a:bodyPr/>
-          <a:lstStyle/>
-          <a:p>
-            <a:pPr algn="ctr"/>
-            <a:r>
-              <a:rPr kumimoji="0" lang="en-GB" sz="7200" b="0" i="0" u="none" strike="noStrike" kern="1200" cap="none" spc="-50" normalizeH="0" baseline="0" noProof="0" dirty="0">
-                <a:ln w="3175">
-                  <a:noFill/>
-                </a:ln>
-                <a:effectLst/>
-                <a:uLnTx/>
-                <a:uFillTx/>
-                <a:latin typeface="Segoe UI Semibold"/>
-                <a:ea typeface="+mn-ea"/>
-                <a:cs typeface="Segoe UI" pitchFamily="34" charset="0"/>
-              </a:rPr>
-              <a:t>Semantic Kernel</a:t>
-            </a:r>
-            <a:endParaRPr lang="en-US" sz="7200" dirty="0"/>
-          </a:p>
-        </p:txBody>
-      </p:sp>
-      <p:sp>
-        <p:nvSpPr>
-          <p:cNvPr id="3" name="TextBox 2">
-            <a:extLst>
-              <a:ext uri="{FF2B5EF4-FFF2-40B4-BE49-F238E27FC236}">
-                <a16:creationId xmlns:a16="http://schemas.microsoft.com/office/drawing/2014/main" id="{39D114D9-06D9-7C07-5C01-7B6211E16B8E}"/>
-              </a:ext>
-            </a:extLst>
-          </p:cNvPr>
-          <p:cNvSpPr txBox="1"/>
-          <p:nvPr/>
-        </p:nvSpPr>
-        <p:spPr>
-          <a:xfrm>
-            <a:off x="3972656" y="4297787"/>
-            <a:ext cx="4246685" cy="355482"/>
-          </a:xfrm>
-          <a:prstGeom prst="rect">
-            <a:avLst/>
-          </a:prstGeom>
-          <a:noFill/>
-        </p:spPr>
-        <p:txBody>
-          <a:bodyPr wrap="square">
-            <a:spAutoFit/>
-          </a:bodyPr>
-          <a:lstStyle/>
-          <a:p>
-            <a:pPr marR="0" lvl="0" indent="0" algn="ctr" fontAlgn="auto">
-              <a:lnSpc>
-                <a:spcPct val="95000"/>
-              </a:lnSpc>
-              <a:spcBef>
-                <a:spcPts val="0"/>
-              </a:spcBef>
-              <a:spcAft>
-                <a:spcPts val="0"/>
-              </a:spcAft>
-              <a:buClrTx/>
-              <a:buSzTx/>
-              <a:buFontTx/>
-              <a:buNone/>
-              <a:defRPr/>
-            </a:pPr>
-            <a:r>
-              <a:rPr lang="en-GB" sz="1800" b="1" dirty="0">
-                <a:solidFill>
-                  <a:schemeClr val="accent1">
-                    <a:lumMod val="10000"/>
-                  </a:schemeClr>
-                </a:solidFill>
-                <a:latin typeface="Segoe UI Semibold" panose="020F0502020204030204" pitchFamily="34" charset="0"/>
-              </a:rPr>
-              <a:t>AI for you made easy!</a:t>
-            </a:r>
-            <a:endParaRPr lang="en-US" sz="1800" b="1" dirty="0">
-              <a:solidFill>
-                <a:schemeClr val="accent1">
-                  <a:lumMod val="10000"/>
-                </a:schemeClr>
-              </a:solidFill>
-              <a:latin typeface="Segoe UI Semibold" panose="020F0502020204030204" pitchFamily="34" charset="0"/>
-            </a:endParaRPr>
-          </a:p>
-        </p:txBody>
-      </p:sp>
-      <p:pic>
-        <p:nvPicPr>
-          <p:cNvPr id="4" name="Picture 2" descr="Semantic Kernel's new icon and the art of teamwork | Semantic Kernel">
-            <a:extLst>
-              <a:ext uri="{FF2B5EF4-FFF2-40B4-BE49-F238E27FC236}">
-                <a16:creationId xmlns:a16="http://schemas.microsoft.com/office/drawing/2014/main" id="{BF80D82A-604C-C970-9EBF-3F73C8E0BDD9}"/>
-              </a:ext>
-            </a:extLst>
-          </p:cNvPr>
-          <p:cNvPicPr>
-            <a:picLocks noChangeAspect="1" noChangeArrowheads="1"/>
-          </p:cNvPicPr>
-          <p:nvPr/>
-        </p:nvPicPr>
-        <p:blipFill>
-          <a:blip r:embed="rId2">
-            <a:extLst>
-              <a:ext uri="{28A0092B-C50C-407E-A947-70E740481C1C}">
-                <a14:useLocalDpi xmlns:a14="http://schemas.microsoft.com/office/drawing/2010/main" val="0"/>
-              </a:ext>
-            </a:extLst>
-          </a:blip>
-          <a:srcRect/>
-          <a:stretch>
-            <a:fillRect/>
-          </a:stretch>
-        </p:blipFill>
-        <p:spPr bwMode="auto">
-          <a:xfrm>
-            <a:off x="5374929" y="1603196"/>
-            <a:ext cx="1442142" cy="1442142"/>
-          </a:xfrm>
-          <a:prstGeom prst="rect">
-            <a:avLst/>
-          </a:prstGeom>
-          <a:noFill/>
-          <a:extLst>
-            <a:ext uri="{909E8E84-426E-40DD-AFC4-6F175D3DCCD1}">
-              <a14:hiddenFill xmlns:a14="http://schemas.microsoft.com/office/drawing/2010/main">
-                <a:solidFill>
-                  <a:srgbClr val="FFFFFF"/>
-                </a:solidFill>
-              </a14:hiddenFill>
-            </a:ext>
-          </a:extLst>
-        </p:spPr>
-      </p:pic>
-    </p:spTree>
-    <p:extLst>
-      <p:ext uri="{BB962C8B-B14F-4D97-AF65-F5344CB8AC3E}">
-        <p14:creationId xmlns:p14="http://schemas.microsoft.com/office/powerpoint/2010/main" val="1374722259"/>
-      </p:ext>
-    </p:extLst>
-  </p:cSld>
-  <p:clrMapOvr>
-    <a:masterClrMapping/>
-  </p:clrMapOvr>
+  <mc:AlternateContent xmlns:mc="http://schemas.openxmlformats.org/markup-compatibility/2006">
+    <mc:Choice xmlns:p14="http://schemas.microsoft.com/office/powerpoint/2010/main" Requires="p14">
+      <p:transition spd="med" p14:dur="700">
+        <p:fade/>
+      </p:transition>
+    </mc:Choice>
+    <mc:Fallback>
+      <p:transition spd="med">
+        <p:fade/>
+      </p:transition>
+    </mc:Fallback>
+  </mc:AlternateContent>
 </p:sld>
 </file>
 
